--- a/Sprint 3/userDocs/img/final_task_schema.pptx
+++ b/Sprint 3/userDocs/img/final_task_schema.pptx
@@ -22,6 +22,7 @@
     <p:sldId id="279" r:id="rId16"/>
     <p:sldId id="286" r:id="rId17"/>
     <p:sldId id="287" r:id="rId18"/>
+    <p:sldId id="289" r:id="rId19"/>
   </p:sldIdLst>
   <p:sldSz cx="12192000" cy="6858000"/>
   <p:notesSz cx="6858000" cy="9144000"/>
@@ -257,7 +258,7 @@
           <a:p>
             <a:fld id="{B54D5996-1787-4713-9AAF-D983FFC67929}" type="datetimeFigureOut">
               <a:rPr lang="it-IT" smtClean="0"/>
-              <a:t>02/08/2021</a:t>
+              <a:t>03/08/2021</a:t>
             </a:fld>
             <a:endParaRPr lang="it-IT"/>
           </a:p>
@@ -425,7 +426,7 @@
           <a:p>
             <a:fld id="{B54D5996-1787-4713-9AAF-D983FFC67929}" type="datetimeFigureOut">
               <a:rPr lang="it-IT" smtClean="0"/>
-              <a:t>02/08/2021</a:t>
+              <a:t>03/08/2021</a:t>
             </a:fld>
             <a:endParaRPr lang="it-IT"/>
           </a:p>
@@ -603,7 +604,7 @@
           <a:p>
             <a:fld id="{B54D5996-1787-4713-9AAF-D983FFC67929}" type="datetimeFigureOut">
               <a:rPr lang="it-IT" smtClean="0"/>
-              <a:t>02/08/2021</a:t>
+              <a:t>03/08/2021</a:t>
             </a:fld>
             <a:endParaRPr lang="it-IT"/>
           </a:p>
@@ -771,7 +772,7 @@
           <a:p>
             <a:fld id="{B54D5996-1787-4713-9AAF-D983FFC67929}" type="datetimeFigureOut">
               <a:rPr lang="it-IT" smtClean="0"/>
-              <a:t>02/08/2021</a:t>
+              <a:t>03/08/2021</a:t>
             </a:fld>
             <a:endParaRPr lang="it-IT"/>
           </a:p>
@@ -1016,7 +1017,7 @@
           <a:p>
             <a:fld id="{B54D5996-1787-4713-9AAF-D983FFC67929}" type="datetimeFigureOut">
               <a:rPr lang="it-IT" smtClean="0"/>
-              <a:t>02/08/2021</a:t>
+              <a:t>03/08/2021</a:t>
             </a:fld>
             <a:endParaRPr lang="it-IT"/>
           </a:p>
@@ -1245,7 +1246,7 @@
           <a:p>
             <a:fld id="{B54D5996-1787-4713-9AAF-D983FFC67929}" type="datetimeFigureOut">
               <a:rPr lang="it-IT" smtClean="0"/>
-              <a:t>02/08/2021</a:t>
+              <a:t>03/08/2021</a:t>
             </a:fld>
             <a:endParaRPr lang="it-IT"/>
           </a:p>
@@ -1609,7 +1610,7 @@
           <a:p>
             <a:fld id="{B54D5996-1787-4713-9AAF-D983FFC67929}" type="datetimeFigureOut">
               <a:rPr lang="it-IT" smtClean="0"/>
-              <a:t>02/08/2021</a:t>
+              <a:t>03/08/2021</a:t>
             </a:fld>
             <a:endParaRPr lang="it-IT"/>
           </a:p>
@@ -1726,7 +1727,7 @@
           <a:p>
             <a:fld id="{B54D5996-1787-4713-9AAF-D983FFC67929}" type="datetimeFigureOut">
               <a:rPr lang="it-IT" smtClean="0"/>
-              <a:t>02/08/2021</a:t>
+              <a:t>03/08/2021</a:t>
             </a:fld>
             <a:endParaRPr lang="it-IT"/>
           </a:p>
@@ -1821,7 +1822,7 @@
           <a:p>
             <a:fld id="{B54D5996-1787-4713-9AAF-D983FFC67929}" type="datetimeFigureOut">
               <a:rPr lang="it-IT" smtClean="0"/>
-              <a:t>02/08/2021</a:t>
+              <a:t>03/08/2021</a:t>
             </a:fld>
             <a:endParaRPr lang="it-IT"/>
           </a:p>
@@ -2096,7 +2097,7 @@
           <a:p>
             <a:fld id="{B54D5996-1787-4713-9AAF-D983FFC67929}" type="datetimeFigureOut">
               <a:rPr lang="it-IT" smtClean="0"/>
-              <a:t>02/08/2021</a:t>
+              <a:t>03/08/2021</a:t>
             </a:fld>
             <a:endParaRPr lang="it-IT"/>
           </a:p>
@@ -2348,7 +2349,7 @@
           <a:p>
             <a:fld id="{B54D5996-1787-4713-9AAF-D983FFC67929}" type="datetimeFigureOut">
               <a:rPr lang="it-IT" smtClean="0"/>
-              <a:t>02/08/2021</a:t>
+              <a:t>03/08/2021</a:t>
             </a:fld>
             <a:endParaRPr lang="it-IT"/>
           </a:p>
@@ -2559,7 +2560,7 @@
           <a:p>
             <a:fld id="{B54D5996-1787-4713-9AAF-D983FFC67929}" type="datetimeFigureOut">
               <a:rPr lang="it-IT" smtClean="0"/>
-              <a:t>02/08/2021</a:t>
+              <a:t>03/08/2021</a:t>
             </a:fld>
             <a:endParaRPr lang="it-IT"/>
           </a:p>
@@ -15111,6 +15112,2075 @@
     <p:extLst>
       <p:ext uri="{BB962C8B-B14F-4D97-AF65-F5344CB8AC3E}">
         <p14:creationId xmlns:p14="http://schemas.microsoft.com/office/powerpoint/2010/main" val="777709015"/>
+      </p:ext>
+    </p:extLst>
+  </p:cSld>
+  <p:clrMapOvr>
+    <a:masterClrMapping/>
+  </p:clrMapOvr>
+</p:sld>
+</file>
+
+<file path=ppt/slides/slide18.xml><?xml version="1.0" encoding="utf-8"?>
+<p:sld xmlns:a="http://schemas.openxmlformats.org/drawingml/2006/main" xmlns:r="http://schemas.openxmlformats.org/officeDocument/2006/relationships" xmlns:p="http://schemas.openxmlformats.org/presentationml/2006/main">
+  <p:cSld>
+    <p:spTree>
+      <p:nvGrpSpPr>
+        <p:cNvPr id="1" name=""/>
+        <p:cNvGrpSpPr/>
+        <p:nvPr/>
+      </p:nvGrpSpPr>
+      <p:grpSpPr>
+        <a:xfrm>
+          <a:off x="0" y="0"/>
+          <a:ext cx="0" cy="0"/>
+          <a:chOff x="0" y="0"/>
+          <a:chExt cx="0" cy="0"/>
+        </a:xfrm>
+      </p:grpSpPr>
+      <p:sp>
+        <p:nvSpPr>
+          <p:cNvPr id="4" name="Rettangolo arrotondato 3"/>
+          <p:cNvSpPr/>
+          <p:nvPr/>
+        </p:nvSpPr>
+        <p:spPr>
+          <a:xfrm>
+            <a:off x="1086928" y="758692"/>
+            <a:ext cx="4525812" cy="5564471"/>
+          </a:xfrm>
+          <a:prstGeom prst="roundRect">
+            <a:avLst/>
+          </a:prstGeom>
+          <a:solidFill>
+            <a:schemeClr val="bg1">
+              <a:lumMod val="95000"/>
+            </a:schemeClr>
+          </a:solidFill>
+          <a:ln w="19050">
+            <a:solidFill>
+              <a:schemeClr val="tx1"/>
+            </a:solidFill>
+          </a:ln>
+        </p:spPr>
+        <p:style>
+          <a:lnRef idx="2">
+            <a:schemeClr val="accent1">
+              <a:shade val="50000"/>
+            </a:schemeClr>
+          </a:lnRef>
+          <a:fillRef idx="1">
+            <a:schemeClr val="accent1"/>
+          </a:fillRef>
+          <a:effectRef idx="0">
+            <a:schemeClr val="accent1"/>
+          </a:effectRef>
+          <a:fontRef idx="minor">
+            <a:schemeClr val="lt1"/>
+          </a:fontRef>
+        </p:style>
+        <p:txBody>
+          <a:bodyPr rtlCol="0" anchor="ctr"/>
+          <a:lstStyle/>
+          <a:p>
+            <a:pPr algn="ctr"/>
+            <a:endParaRPr lang="it-IT" sz="1400" dirty="0">
+              <a:solidFill>
+                <a:schemeClr val="tx1"/>
+              </a:solidFill>
+              <a:latin typeface="Century Schoolbook" panose="02040604050505020304" pitchFamily="18" charset="0"/>
+            </a:endParaRPr>
+          </a:p>
+        </p:txBody>
+      </p:sp>
+      <p:grpSp>
+        <p:nvGrpSpPr>
+          <p:cNvPr id="5" name="Gruppo 4"/>
+          <p:cNvGrpSpPr/>
+          <p:nvPr/>
+        </p:nvGrpSpPr>
+        <p:grpSpPr>
+          <a:xfrm>
+            <a:off x="1227130" y="977838"/>
+            <a:ext cx="1926426" cy="1214172"/>
+            <a:chOff x="402476" y="5184618"/>
+            <a:chExt cx="1926426" cy="1214172"/>
+          </a:xfrm>
+        </p:grpSpPr>
+        <p:sp>
+          <p:nvSpPr>
+            <p:cNvPr id="6" name="Ovale 5"/>
+            <p:cNvSpPr/>
+            <p:nvPr/>
+          </p:nvSpPr>
+          <p:spPr>
+            <a:xfrm>
+              <a:off x="667957" y="5332857"/>
+              <a:ext cx="1660945" cy="1065933"/>
+            </a:xfrm>
+            <a:prstGeom prst="ellipse">
+              <a:avLst/>
+            </a:prstGeom>
+            <a:solidFill>
+              <a:schemeClr val="accent2">
+                <a:lumMod val="20000"/>
+                <a:lumOff val="80000"/>
+              </a:schemeClr>
+            </a:solidFill>
+            <a:ln w="12700">
+              <a:solidFill>
+                <a:schemeClr val="tx1"/>
+              </a:solidFill>
+            </a:ln>
+          </p:spPr>
+          <p:style>
+            <a:lnRef idx="2">
+              <a:schemeClr val="accent1">
+                <a:shade val="50000"/>
+              </a:schemeClr>
+            </a:lnRef>
+            <a:fillRef idx="1">
+              <a:schemeClr val="accent1"/>
+            </a:fillRef>
+            <a:effectRef idx="0">
+              <a:schemeClr val="accent1"/>
+            </a:effectRef>
+            <a:fontRef idx="minor">
+              <a:schemeClr val="lt1"/>
+            </a:fontRef>
+          </p:style>
+          <p:txBody>
+            <a:bodyPr rtlCol="0" anchor="ctr"/>
+            <a:lstStyle/>
+            <a:p>
+              <a:pPr algn="ctr"/>
+              <a:r>
+                <a:rPr lang="it-IT" sz="1200" dirty="0">
+                  <a:solidFill>
+                    <a:schemeClr val="tx1"/>
+                  </a:solidFill>
+                  <a:latin typeface="Century Schoolbook" panose="02040604050505020304" pitchFamily="18" charset="0"/>
+                </a:rPr>
+                <a:t>Outdoor Sentinel Actor</a:t>
+              </a:r>
+            </a:p>
+          </p:txBody>
+        </p:sp>
+        <p:sp>
+          <p:nvSpPr>
+            <p:cNvPr id="7" name="Triangolo isoscele 6"/>
+            <p:cNvSpPr/>
+            <p:nvPr/>
+          </p:nvSpPr>
+          <p:spPr>
+            <a:xfrm rot="16200000">
+              <a:off x="1350190" y="5205064"/>
+              <a:ext cx="296478" cy="255585"/>
+            </a:xfrm>
+            <a:prstGeom prst="triangle">
+              <a:avLst/>
+            </a:prstGeom>
+            <a:solidFill>
+              <a:srgbClr val="FF0000"/>
+            </a:solidFill>
+            <a:ln w="12700">
+              <a:solidFill>
+                <a:schemeClr val="tx1"/>
+              </a:solidFill>
+            </a:ln>
+          </p:spPr>
+          <p:style>
+            <a:lnRef idx="2">
+              <a:schemeClr val="accent1">
+                <a:shade val="50000"/>
+              </a:schemeClr>
+            </a:lnRef>
+            <a:fillRef idx="1">
+              <a:schemeClr val="accent1"/>
+            </a:fillRef>
+            <a:effectRef idx="0">
+              <a:schemeClr val="accent1"/>
+            </a:effectRef>
+            <a:fontRef idx="minor">
+              <a:schemeClr val="lt1"/>
+            </a:fontRef>
+          </p:style>
+          <p:txBody>
+            <a:bodyPr rtlCol="0" anchor="ctr"/>
+            <a:lstStyle/>
+            <a:p>
+              <a:pPr algn="ctr"/>
+              <a:endParaRPr lang="it-IT"/>
+            </a:p>
+          </p:txBody>
+        </p:sp>
+        <p:sp>
+          <p:nvSpPr>
+            <p:cNvPr id="8" name="Rettangolo 7"/>
+            <p:cNvSpPr/>
+            <p:nvPr/>
+          </p:nvSpPr>
+          <p:spPr>
+            <a:xfrm>
+              <a:off x="402476" y="5739696"/>
+              <a:ext cx="530961" cy="252254"/>
+            </a:xfrm>
+            <a:prstGeom prst="rect">
+              <a:avLst/>
+            </a:prstGeom>
+            <a:solidFill>
+              <a:schemeClr val="accent2">
+                <a:lumMod val="20000"/>
+                <a:lumOff val="80000"/>
+              </a:schemeClr>
+            </a:solidFill>
+            <a:ln w="12700">
+              <a:solidFill>
+                <a:schemeClr val="tx1"/>
+              </a:solidFill>
+            </a:ln>
+          </p:spPr>
+          <p:style>
+            <a:lnRef idx="2">
+              <a:schemeClr val="accent1">
+                <a:shade val="50000"/>
+              </a:schemeClr>
+            </a:lnRef>
+            <a:fillRef idx="1">
+              <a:schemeClr val="accent1"/>
+            </a:fillRef>
+            <a:effectRef idx="0">
+              <a:schemeClr val="accent1"/>
+            </a:effectRef>
+            <a:fontRef idx="minor">
+              <a:schemeClr val="lt1"/>
+            </a:fontRef>
+          </p:style>
+          <p:txBody>
+            <a:bodyPr rtlCol="0" anchor="ctr"/>
+            <a:lstStyle/>
+            <a:p>
+              <a:pPr algn="ctr"/>
+              <a:endParaRPr lang="it-IT"/>
+            </a:p>
+          </p:txBody>
+        </p:sp>
+      </p:grpSp>
+      <p:sp>
+        <p:nvSpPr>
+          <p:cNvPr id="9" name="Rettangolo arrotondato 8"/>
+          <p:cNvSpPr/>
+          <p:nvPr/>
+        </p:nvSpPr>
+        <p:spPr>
+          <a:xfrm>
+            <a:off x="2450877" y="452540"/>
+            <a:ext cx="1772176" cy="471580"/>
+          </a:xfrm>
+          <a:prstGeom prst="roundRect">
+            <a:avLst/>
+          </a:prstGeom>
+          <a:solidFill>
+            <a:schemeClr val="accent1">
+              <a:lumMod val="20000"/>
+              <a:lumOff val="80000"/>
+            </a:schemeClr>
+          </a:solidFill>
+          <a:ln>
+            <a:solidFill>
+              <a:schemeClr val="tx1"/>
+            </a:solidFill>
+          </a:ln>
+        </p:spPr>
+        <p:style>
+          <a:lnRef idx="2">
+            <a:schemeClr val="accent1">
+              <a:shade val="50000"/>
+            </a:schemeClr>
+          </a:lnRef>
+          <a:fillRef idx="1">
+            <a:schemeClr val="accent1"/>
+          </a:fillRef>
+          <a:effectRef idx="0">
+            <a:schemeClr val="accent1"/>
+          </a:effectRef>
+          <a:fontRef idx="minor">
+            <a:schemeClr val="lt1"/>
+          </a:fontRef>
+        </p:style>
+        <p:txBody>
+          <a:bodyPr rtlCol="0" anchor="ctr"/>
+          <a:lstStyle/>
+          <a:p>
+            <a:pPr algn="ctr"/>
+            <a:r>
+              <a:rPr lang="it-IT" sz="1400" dirty="0" smtClean="0">
+                <a:solidFill>
+                  <a:schemeClr val="tx1"/>
+                </a:solidFill>
+                <a:latin typeface="Century Schoolbook" panose="02040604050505020304" pitchFamily="18" charset="0"/>
+              </a:rPr>
+              <a:t>ctx Car Parking</a:t>
+            </a:r>
+            <a:endParaRPr lang="it-IT" sz="1400" dirty="0">
+              <a:solidFill>
+                <a:schemeClr val="tx1"/>
+              </a:solidFill>
+              <a:latin typeface="Century Schoolbook" panose="02040604050505020304" pitchFamily="18" charset="0"/>
+            </a:endParaRPr>
+          </a:p>
+        </p:txBody>
+      </p:sp>
+      <p:grpSp>
+        <p:nvGrpSpPr>
+          <p:cNvPr id="10" name="Gruppo 9"/>
+          <p:cNvGrpSpPr/>
+          <p:nvPr/>
+        </p:nvGrpSpPr>
+        <p:grpSpPr>
+          <a:xfrm>
+            <a:off x="9665552" y="3804537"/>
+            <a:ext cx="1660945" cy="1214172"/>
+            <a:chOff x="7744200" y="2907063"/>
+            <a:chExt cx="1660945" cy="1214172"/>
+          </a:xfrm>
+        </p:grpSpPr>
+        <p:sp>
+          <p:nvSpPr>
+            <p:cNvPr id="11" name="Ovale 10"/>
+            <p:cNvSpPr/>
+            <p:nvPr/>
+          </p:nvSpPr>
+          <p:spPr>
+            <a:xfrm>
+              <a:off x="7744200" y="3055302"/>
+              <a:ext cx="1660945" cy="1065933"/>
+            </a:xfrm>
+            <a:prstGeom prst="ellipse">
+              <a:avLst/>
+            </a:prstGeom>
+            <a:solidFill>
+              <a:schemeClr val="accent4">
+                <a:lumMod val="20000"/>
+                <a:lumOff val="80000"/>
+              </a:schemeClr>
+            </a:solidFill>
+            <a:ln w="12700">
+              <a:solidFill>
+                <a:schemeClr val="tx1"/>
+              </a:solidFill>
+            </a:ln>
+          </p:spPr>
+          <p:style>
+            <a:lnRef idx="2">
+              <a:schemeClr val="accent1">
+                <a:shade val="50000"/>
+              </a:schemeClr>
+            </a:lnRef>
+            <a:fillRef idx="1">
+              <a:schemeClr val="accent1"/>
+            </a:fillRef>
+            <a:effectRef idx="0">
+              <a:schemeClr val="accent1"/>
+            </a:effectRef>
+            <a:fontRef idx="minor">
+              <a:schemeClr val="lt1"/>
+            </a:fontRef>
+          </p:style>
+          <p:txBody>
+            <a:bodyPr rtlCol="0" anchor="ctr"/>
+            <a:lstStyle/>
+            <a:p>
+              <a:pPr algn="ctr"/>
+              <a:r>
+                <a:rPr lang="it-IT" sz="1200" dirty="0" smtClean="0">
+                  <a:solidFill>
+                    <a:schemeClr val="tx1"/>
+                  </a:solidFill>
+                  <a:latin typeface="Century Schoolbook" panose="02040604050505020304" pitchFamily="18" charset="0"/>
+                </a:rPr>
+                <a:t>Manager GUI</a:t>
+              </a:r>
+              <a:endParaRPr lang="it-IT" sz="1200" dirty="0">
+                <a:solidFill>
+                  <a:schemeClr val="tx1"/>
+                </a:solidFill>
+                <a:latin typeface="Century Schoolbook" panose="02040604050505020304" pitchFamily="18" charset="0"/>
+              </a:endParaRPr>
+            </a:p>
+            <a:p>
+              <a:pPr lvl="0" algn="ctr"/>
+              <a:r>
+                <a:rPr lang="it-IT" sz="1100" i="1" dirty="0" smtClean="0">
+                  <a:solidFill>
+                    <a:prstClr val="black"/>
+                  </a:solidFill>
+                  <a:latin typeface="Century Schoolbook" panose="02040604050505020304" pitchFamily="18" charset="0"/>
+                </a:rPr>
+                <a:t>(Web GUI)</a:t>
+              </a:r>
+              <a:endParaRPr lang="it-IT" sz="1400" i="1" dirty="0">
+                <a:solidFill>
+                  <a:prstClr val="black"/>
+                </a:solidFill>
+                <a:latin typeface="Century Schoolbook" panose="02040604050505020304" pitchFamily="18" charset="0"/>
+              </a:endParaRPr>
+            </a:p>
+          </p:txBody>
+        </p:sp>
+        <p:sp>
+          <p:nvSpPr>
+            <p:cNvPr id="12" name="Triangolo isoscele 11"/>
+            <p:cNvSpPr/>
+            <p:nvPr/>
+          </p:nvSpPr>
+          <p:spPr>
+            <a:xfrm rot="16200000">
+              <a:off x="8426433" y="2927509"/>
+              <a:ext cx="296478" cy="255585"/>
+            </a:xfrm>
+            <a:prstGeom prst="triangle">
+              <a:avLst/>
+            </a:prstGeom>
+            <a:solidFill>
+              <a:srgbClr val="FF0000"/>
+            </a:solidFill>
+            <a:ln w="12700">
+              <a:solidFill>
+                <a:schemeClr val="tx1"/>
+              </a:solidFill>
+            </a:ln>
+          </p:spPr>
+          <p:style>
+            <a:lnRef idx="2">
+              <a:schemeClr val="accent1">
+                <a:shade val="50000"/>
+              </a:schemeClr>
+            </a:lnRef>
+            <a:fillRef idx="1">
+              <a:schemeClr val="accent1"/>
+            </a:fillRef>
+            <a:effectRef idx="0">
+              <a:schemeClr val="accent1"/>
+            </a:effectRef>
+            <a:fontRef idx="minor">
+              <a:schemeClr val="lt1"/>
+            </a:fontRef>
+          </p:style>
+          <p:txBody>
+            <a:bodyPr rtlCol="0" anchor="ctr"/>
+            <a:lstStyle/>
+            <a:p>
+              <a:pPr algn="ctr"/>
+              <a:endParaRPr lang="it-IT"/>
+            </a:p>
+          </p:txBody>
+        </p:sp>
+      </p:grpSp>
+      <p:sp>
+        <p:nvSpPr>
+          <p:cNvPr id="13" name="Ovale 12"/>
+          <p:cNvSpPr/>
+          <p:nvPr/>
+        </p:nvSpPr>
+        <p:spPr>
+          <a:xfrm>
+            <a:off x="9665553" y="1589980"/>
+            <a:ext cx="1660945" cy="1065933"/>
+          </a:xfrm>
+          <a:prstGeom prst="ellipse">
+            <a:avLst/>
+          </a:prstGeom>
+          <a:solidFill>
+            <a:schemeClr val="accent1">
+              <a:lumMod val="20000"/>
+              <a:lumOff val="80000"/>
+            </a:schemeClr>
+          </a:solidFill>
+          <a:ln w="12700">
+            <a:solidFill>
+              <a:schemeClr val="tx1"/>
+            </a:solidFill>
+          </a:ln>
+        </p:spPr>
+        <p:style>
+          <a:lnRef idx="2">
+            <a:schemeClr val="accent1">
+              <a:shade val="50000"/>
+            </a:schemeClr>
+          </a:lnRef>
+          <a:fillRef idx="1">
+            <a:schemeClr val="accent1"/>
+          </a:fillRef>
+          <a:effectRef idx="0">
+            <a:schemeClr val="accent1"/>
+          </a:effectRef>
+          <a:fontRef idx="minor">
+            <a:schemeClr val="lt1"/>
+          </a:fontRef>
+        </p:style>
+        <p:txBody>
+          <a:bodyPr rtlCol="0" anchor="ctr"/>
+          <a:lstStyle/>
+          <a:p>
+            <a:pPr algn="ctr"/>
+            <a:r>
+              <a:rPr lang="it-IT" sz="1200" dirty="0" smtClean="0">
+                <a:solidFill>
+                  <a:schemeClr val="tx1"/>
+                </a:solidFill>
+                <a:latin typeface="Century Schoolbook" panose="02040604050505020304" pitchFamily="18" charset="0"/>
+              </a:rPr>
+              <a:t>CoAP Support</a:t>
+            </a:r>
+          </a:p>
+        </p:txBody>
+      </p:sp>
+      <p:cxnSp>
+        <p:nvCxnSpPr>
+          <p:cNvPr id="14" name="Connettore 2 13"/>
+          <p:cNvCxnSpPr/>
+          <p:nvPr/>
+        </p:nvCxnSpPr>
+        <p:spPr>
+          <a:xfrm flipV="1">
+            <a:off x="10496025" y="2786160"/>
+            <a:ext cx="0" cy="905946"/>
+          </a:xfrm>
+          <a:prstGeom prst="straightConnector1">
+            <a:avLst/>
+          </a:prstGeom>
+          <a:ln w="19050">
+            <a:solidFill>
+              <a:schemeClr val="tx1"/>
+            </a:solidFill>
+            <a:headEnd type="none" w="med" len="med"/>
+            <a:tailEnd type="arrow" w="med" len="med"/>
+          </a:ln>
+        </p:spPr>
+        <p:style>
+          <a:lnRef idx="1">
+            <a:schemeClr val="accent1"/>
+          </a:lnRef>
+          <a:fillRef idx="0">
+            <a:schemeClr val="accent1"/>
+          </a:fillRef>
+          <a:effectRef idx="0">
+            <a:schemeClr val="accent1"/>
+          </a:effectRef>
+          <a:fontRef idx="minor">
+            <a:schemeClr val="tx1"/>
+          </a:fontRef>
+        </p:style>
+      </p:cxnSp>
+      <p:cxnSp>
+        <p:nvCxnSpPr>
+          <p:cNvPr id="15" name="Connettore 2 14"/>
+          <p:cNvCxnSpPr/>
+          <p:nvPr/>
+        </p:nvCxnSpPr>
+        <p:spPr>
+          <a:xfrm flipH="1">
+            <a:off x="9109494" y="4485743"/>
+            <a:ext cx="483080" cy="0"/>
+          </a:xfrm>
+          <a:prstGeom prst="straightConnector1">
+            <a:avLst/>
+          </a:prstGeom>
+          <a:ln w="19050">
+            <a:solidFill>
+              <a:schemeClr val="tx1"/>
+            </a:solidFill>
+            <a:headEnd type="none" w="med" len="med"/>
+            <a:tailEnd type="arrow" w="med" len="med"/>
+          </a:ln>
+        </p:spPr>
+        <p:style>
+          <a:lnRef idx="1">
+            <a:schemeClr val="accent1"/>
+          </a:lnRef>
+          <a:fillRef idx="0">
+            <a:schemeClr val="accent1"/>
+          </a:fillRef>
+          <a:effectRef idx="0">
+            <a:schemeClr val="accent1"/>
+          </a:effectRef>
+          <a:fontRef idx="minor">
+            <a:schemeClr val="tx1"/>
+          </a:fontRef>
+        </p:style>
+      </p:cxnSp>
+      <p:sp>
+        <p:nvSpPr>
+          <p:cNvPr id="19" name="Ovale 18"/>
+          <p:cNvSpPr/>
+          <p:nvPr/>
+        </p:nvSpPr>
+        <p:spPr>
+          <a:xfrm>
+            <a:off x="7343227" y="3952776"/>
+            <a:ext cx="1660945" cy="1065933"/>
+          </a:xfrm>
+          <a:prstGeom prst="ellipse">
+            <a:avLst/>
+          </a:prstGeom>
+          <a:solidFill>
+            <a:schemeClr val="accent1">
+              <a:lumMod val="20000"/>
+              <a:lumOff val="80000"/>
+            </a:schemeClr>
+          </a:solidFill>
+          <a:ln w="12700">
+            <a:solidFill>
+              <a:schemeClr val="tx1"/>
+            </a:solidFill>
+          </a:ln>
+        </p:spPr>
+        <p:style>
+          <a:lnRef idx="2">
+            <a:schemeClr val="accent1">
+              <a:shade val="50000"/>
+            </a:schemeClr>
+          </a:lnRef>
+          <a:fillRef idx="1">
+            <a:schemeClr val="accent1"/>
+          </a:fillRef>
+          <a:effectRef idx="0">
+            <a:schemeClr val="accent1"/>
+          </a:effectRef>
+          <a:fontRef idx="minor">
+            <a:schemeClr val="lt1"/>
+          </a:fontRef>
+        </p:style>
+        <p:txBody>
+          <a:bodyPr rtlCol="0" anchor="ctr"/>
+          <a:lstStyle/>
+          <a:p>
+            <a:pPr algn="ctr"/>
+            <a:r>
+              <a:rPr lang="it-IT" sz="1200" dirty="0" smtClean="0">
+                <a:solidFill>
+                  <a:schemeClr val="tx1"/>
+                </a:solidFill>
+                <a:latin typeface="Century Schoolbook" panose="02040604050505020304" pitchFamily="18" charset="0"/>
+              </a:rPr>
+              <a:t>Conn Qak Base</a:t>
+            </a:r>
+          </a:p>
+        </p:txBody>
+      </p:sp>
+      <p:grpSp>
+        <p:nvGrpSpPr>
+          <p:cNvPr id="20" name="Gruppo 19"/>
+          <p:cNvGrpSpPr/>
+          <p:nvPr/>
+        </p:nvGrpSpPr>
+        <p:grpSpPr>
+          <a:xfrm>
+            <a:off x="2860049" y="4917799"/>
+            <a:ext cx="1926426" cy="1214172"/>
+            <a:chOff x="402476" y="5184618"/>
+            <a:chExt cx="1926426" cy="1214172"/>
+          </a:xfrm>
+        </p:grpSpPr>
+        <p:sp>
+          <p:nvSpPr>
+            <p:cNvPr id="21" name="Ovale 20"/>
+            <p:cNvSpPr/>
+            <p:nvPr/>
+          </p:nvSpPr>
+          <p:spPr>
+            <a:xfrm>
+              <a:off x="667957" y="5332857"/>
+              <a:ext cx="1660945" cy="1065933"/>
+            </a:xfrm>
+            <a:prstGeom prst="ellipse">
+              <a:avLst/>
+            </a:prstGeom>
+            <a:solidFill>
+              <a:schemeClr val="accent2">
+                <a:lumMod val="20000"/>
+                <a:lumOff val="80000"/>
+              </a:schemeClr>
+            </a:solidFill>
+            <a:ln w="12700">
+              <a:solidFill>
+                <a:schemeClr val="tx1"/>
+              </a:solidFill>
+            </a:ln>
+          </p:spPr>
+          <p:style>
+            <a:lnRef idx="2">
+              <a:schemeClr val="accent1">
+                <a:shade val="50000"/>
+              </a:schemeClr>
+            </a:lnRef>
+            <a:fillRef idx="1">
+              <a:schemeClr val="accent1"/>
+            </a:fillRef>
+            <a:effectRef idx="0">
+              <a:schemeClr val="accent1"/>
+            </a:effectRef>
+            <a:fontRef idx="minor">
+              <a:schemeClr val="lt1"/>
+            </a:fontRef>
+          </p:style>
+          <p:txBody>
+            <a:bodyPr rtlCol="0" anchor="ctr"/>
+            <a:lstStyle/>
+            <a:p>
+              <a:pPr algn="ctr"/>
+              <a:r>
+                <a:rPr lang="it-IT" sz="1200" dirty="0" smtClean="0">
+                  <a:solidFill>
+                    <a:schemeClr val="tx1"/>
+                  </a:solidFill>
+                  <a:latin typeface="Century Schoolbook" panose="02040604050505020304" pitchFamily="18" charset="0"/>
+                </a:rPr>
+                <a:t>Fan</a:t>
+              </a:r>
+            </a:p>
+            <a:p>
+              <a:pPr algn="ctr"/>
+              <a:r>
+                <a:rPr lang="it-IT" sz="1200" dirty="0" smtClean="0">
+                  <a:solidFill>
+                    <a:schemeClr val="tx1"/>
+                  </a:solidFill>
+                  <a:latin typeface="Century Schoolbook" panose="02040604050505020304" pitchFamily="18" charset="0"/>
+                </a:rPr>
+                <a:t>Actor</a:t>
+              </a:r>
+              <a:endParaRPr lang="it-IT" sz="1400" i="1" dirty="0">
+                <a:solidFill>
+                  <a:schemeClr val="tx1"/>
+                </a:solidFill>
+                <a:latin typeface="Century Schoolbook" panose="02040604050505020304" pitchFamily="18" charset="0"/>
+              </a:endParaRPr>
+            </a:p>
+          </p:txBody>
+        </p:sp>
+        <p:sp>
+          <p:nvSpPr>
+            <p:cNvPr id="22" name="Triangolo isoscele 21"/>
+            <p:cNvSpPr/>
+            <p:nvPr/>
+          </p:nvSpPr>
+          <p:spPr>
+            <a:xfrm rot="16200000">
+              <a:off x="1350190" y="5205064"/>
+              <a:ext cx="296478" cy="255585"/>
+            </a:xfrm>
+            <a:prstGeom prst="triangle">
+              <a:avLst/>
+            </a:prstGeom>
+            <a:solidFill>
+              <a:srgbClr val="FF0000"/>
+            </a:solidFill>
+            <a:ln w="12700">
+              <a:solidFill>
+                <a:schemeClr val="tx1"/>
+              </a:solidFill>
+            </a:ln>
+          </p:spPr>
+          <p:style>
+            <a:lnRef idx="2">
+              <a:schemeClr val="accent1">
+                <a:shade val="50000"/>
+              </a:schemeClr>
+            </a:lnRef>
+            <a:fillRef idx="1">
+              <a:schemeClr val="accent1"/>
+            </a:fillRef>
+            <a:effectRef idx="0">
+              <a:schemeClr val="accent1"/>
+            </a:effectRef>
+            <a:fontRef idx="minor">
+              <a:schemeClr val="lt1"/>
+            </a:fontRef>
+          </p:style>
+          <p:txBody>
+            <a:bodyPr rtlCol="0" anchor="ctr"/>
+            <a:lstStyle/>
+            <a:p>
+              <a:pPr algn="ctr"/>
+              <a:endParaRPr lang="it-IT"/>
+            </a:p>
+          </p:txBody>
+        </p:sp>
+        <p:sp>
+          <p:nvSpPr>
+            <p:cNvPr id="23" name="Rettangolo 22"/>
+            <p:cNvSpPr/>
+            <p:nvPr/>
+          </p:nvSpPr>
+          <p:spPr>
+            <a:xfrm>
+              <a:off x="402476" y="5739696"/>
+              <a:ext cx="530961" cy="252254"/>
+            </a:xfrm>
+            <a:prstGeom prst="rect">
+              <a:avLst/>
+            </a:prstGeom>
+            <a:solidFill>
+              <a:schemeClr val="accent2">
+                <a:lumMod val="20000"/>
+                <a:lumOff val="80000"/>
+              </a:schemeClr>
+            </a:solidFill>
+            <a:ln w="12700">
+              <a:solidFill>
+                <a:schemeClr val="tx1"/>
+              </a:solidFill>
+            </a:ln>
+          </p:spPr>
+          <p:style>
+            <a:lnRef idx="2">
+              <a:schemeClr val="accent1">
+                <a:shade val="50000"/>
+              </a:schemeClr>
+            </a:lnRef>
+            <a:fillRef idx="1">
+              <a:schemeClr val="accent1"/>
+            </a:fillRef>
+            <a:effectRef idx="0">
+              <a:schemeClr val="accent1"/>
+            </a:effectRef>
+            <a:fontRef idx="minor">
+              <a:schemeClr val="lt1"/>
+            </a:fontRef>
+          </p:style>
+          <p:txBody>
+            <a:bodyPr rtlCol="0" anchor="ctr"/>
+            <a:lstStyle/>
+            <a:p>
+              <a:pPr algn="ctr"/>
+              <a:endParaRPr lang="it-IT"/>
+            </a:p>
+          </p:txBody>
+        </p:sp>
+      </p:grpSp>
+      <p:grpSp>
+        <p:nvGrpSpPr>
+          <p:cNvPr id="24" name="Gruppo 23"/>
+          <p:cNvGrpSpPr/>
+          <p:nvPr/>
+        </p:nvGrpSpPr>
+        <p:grpSpPr>
+          <a:xfrm>
+            <a:off x="3332777" y="1810384"/>
+            <a:ext cx="1926426" cy="1214172"/>
+            <a:chOff x="402476" y="5184618"/>
+            <a:chExt cx="1926426" cy="1214172"/>
+          </a:xfrm>
+        </p:grpSpPr>
+        <p:sp>
+          <p:nvSpPr>
+            <p:cNvPr id="25" name="Ovale 24"/>
+            <p:cNvSpPr/>
+            <p:nvPr/>
+          </p:nvSpPr>
+          <p:spPr>
+            <a:xfrm>
+              <a:off x="667957" y="5332857"/>
+              <a:ext cx="1660945" cy="1065933"/>
+            </a:xfrm>
+            <a:prstGeom prst="ellipse">
+              <a:avLst/>
+            </a:prstGeom>
+            <a:solidFill>
+              <a:schemeClr val="accent2">
+                <a:lumMod val="20000"/>
+                <a:lumOff val="80000"/>
+              </a:schemeClr>
+            </a:solidFill>
+            <a:ln w="12700">
+              <a:solidFill>
+                <a:schemeClr val="tx1"/>
+              </a:solidFill>
+            </a:ln>
+          </p:spPr>
+          <p:style>
+            <a:lnRef idx="2">
+              <a:schemeClr val="accent1">
+                <a:shade val="50000"/>
+              </a:schemeClr>
+            </a:lnRef>
+            <a:fillRef idx="1">
+              <a:schemeClr val="accent1"/>
+            </a:fillRef>
+            <a:effectRef idx="0">
+              <a:schemeClr val="accent1"/>
+            </a:effectRef>
+            <a:fontRef idx="minor">
+              <a:schemeClr val="lt1"/>
+            </a:fontRef>
+          </p:style>
+          <p:txBody>
+            <a:bodyPr rtlCol="0" anchor="ctr"/>
+            <a:lstStyle/>
+            <a:p>
+              <a:pPr algn="ctr"/>
+              <a:r>
+                <a:rPr lang="it-IT" sz="1200" dirty="0">
+                  <a:solidFill>
+                    <a:schemeClr val="tx1"/>
+                  </a:solidFill>
+                  <a:latin typeface="Century Schoolbook" panose="02040604050505020304" pitchFamily="18" charset="0"/>
+                </a:rPr>
+                <a:t>Temperature Sentinel Actor</a:t>
+              </a:r>
+            </a:p>
+          </p:txBody>
+        </p:sp>
+        <p:sp>
+          <p:nvSpPr>
+            <p:cNvPr id="26" name="Triangolo isoscele 25"/>
+            <p:cNvSpPr/>
+            <p:nvPr/>
+          </p:nvSpPr>
+          <p:spPr>
+            <a:xfrm rot="16200000">
+              <a:off x="1350190" y="5205064"/>
+              <a:ext cx="296478" cy="255585"/>
+            </a:xfrm>
+            <a:prstGeom prst="triangle">
+              <a:avLst/>
+            </a:prstGeom>
+            <a:solidFill>
+              <a:srgbClr val="FF0000"/>
+            </a:solidFill>
+            <a:ln w="12700">
+              <a:solidFill>
+                <a:schemeClr val="tx1"/>
+              </a:solidFill>
+            </a:ln>
+          </p:spPr>
+          <p:style>
+            <a:lnRef idx="2">
+              <a:schemeClr val="accent1">
+                <a:shade val="50000"/>
+              </a:schemeClr>
+            </a:lnRef>
+            <a:fillRef idx="1">
+              <a:schemeClr val="accent1"/>
+            </a:fillRef>
+            <a:effectRef idx="0">
+              <a:schemeClr val="accent1"/>
+            </a:effectRef>
+            <a:fontRef idx="minor">
+              <a:schemeClr val="lt1"/>
+            </a:fontRef>
+          </p:style>
+          <p:txBody>
+            <a:bodyPr rtlCol="0" anchor="ctr"/>
+            <a:lstStyle/>
+            <a:p>
+              <a:pPr algn="ctr"/>
+              <a:endParaRPr lang="it-IT"/>
+            </a:p>
+          </p:txBody>
+        </p:sp>
+        <p:sp>
+          <p:nvSpPr>
+            <p:cNvPr id="27" name="Rettangolo 26"/>
+            <p:cNvSpPr/>
+            <p:nvPr/>
+          </p:nvSpPr>
+          <p:spPr>
+            <a:xfrm>
+              <a:off x="402476" y="5739696"/>
+              <a:ext cx="530961" cy="252254"/>
+            </a:xfrm>
+            <a:prstGeom prst="rect">
+              <a:avLst/>
+            </a:prstGeom>
+            <a:solidFill>
+              <a:schemeClr val="accent2">
+                <a:lumMod val="20000"/>
+                <a:lumOff val="80000"/>
+              </a:schemeClr>
+            </a:solidFill>
+            <a:ln w="12700">
+              <a:solidFill>
+                <a:schemeClr val="tx1"/>
+              </a:solidFill>
+            </a:ln>
+          </p:spPr>
+          <p:style>
+            <a:lnRef idx="2">
+              <a:schemeClr val="accent1">
+                <a:shade val="50000"/>
+              </a:schemeClr>
+            </a:lnRef>
+            <a:fillRef idx="1">
+              <a:schemeClr val="accent1"/>
+            </a:fillRef>
+            <a:effectRef idx="0">
+              <a:schemeClr val="accent1"/>
+            </a:effectRef>
+            <a:fontRef idx="minor">
+              <a:schemeClr val="lt1"/>
+            </a:fontRef>
+          </p:style>
+          <p:txBody>
+            <a:bodyPr rtlCol="0" anchor="ctr"/>
+            <a:lstStyle/>
+            <a:p>
+              <a:pPr algn="ctr"/>
+              <a:endParaRPr lang="it-IT"/>
+            </a:p>
+          </p:txBody>
+        </p:sp>
+      </p:grpSp>
+      <p:grpSp>
+        <p:nvGrpSpPr>
+          <p:cNvPr id="37" name="Gruppo 36"/>
+          <p:cNvGrpSpPr/>
+          <p:nvPr/>
+        </p:nvGrpSpPr>
+        <p:grpSpPr>
+          <a:xfrm>
+            <a:off x="1310934" y="3474317"/>
+            <a:ext cx="1926426" cy="1214172"/>
+            <a:chOff x="402476" y="5184618"/>
+            <a:chExt cx="1926426" cy="1214172"/>
+          </a:xfrm>
+        </p:grpSpPr>
+        <p:sp>
+          <p:nvSpPr>
+            <p:cNvPr id="38" name="Ovale 37"/>
+            <p:cNvSpPr/>
+            <p:nvPr/>
+          </p:nvSpPr>
+          <p:spPr>
+            <a:xfrm>
+              <a:off x="667957" y="5332857"/>
+              <a:ext cx="1660945" cy="1065933"/>
+            </a:xfrm>
+            <a:prstGeom prst="ellipse">
+              <a:avLst/>
+            </a:prstGeom>
+            <a:solidFill>
+              <a:schemeClr val="accent2">
+                <a:lumMod val="20000"/>
+                <a:lumOff val="80000"/>
+              </a:schemeClr>
+            </a:solidFill>
+            <a:ln w="12700">
+              <a:solidFill>
+                <a:schemeClr val="tx1"/>
+              </a:solidFill>
+            </a:ln>
+          </p:spPr>
+          <p:style>
+            <a:lnRef idx="2">
+              <a:schemeClr val="accent1">
+                <a:shade val="50000"/>
+              </a:schemeClr>
+            </a:lnRef>
+            <a:fillRef idx="1">
+              <a:schemeClr val="accent1"/>
+            </a:fillRef>
+            <a:effectRef idx="0">
+              <a:schemeClr val="accent1"/>
+            </a:effectRef>
+            <a:fontRef idx="minor">
+              <a:schemeClr val="lt1"/>
+            </a:fontRef>
+          </p:style>
+          <p:txBody>
+            <a:bodyPr rtlCol="0" anchor="ctr"/>
+            <a:lstStyle/>
+            <a:p>
+              <a:pPr algn="ctr"/>
+              <a:r>
+                <a:rPr lang="it-IT" sz="1200" dirty="0">
+                  <a:solidFill>
+                    <a:schemeClr val="tx1"/>
+                  </a:solidFill>
+                  <a:latin typeface="Century Schoolbook" panose="02040604050505020304" pitchFamily="18" charset="0"/>
+                </a:rPr>
+                <a:t>Park Service Status GUI Actor</a:t>
+              </a:r>
+            </a:p>
+            <a:p>
+              <a:pPr lvl="0" algn="ctr"/>
+              <a:r>
+                <a:rPr lang="it-IT" sz="1100" i="1" dirty="0">
+                  <a:solidFill>
+                    <a:prstClr val="black"/>
+                  </a:solidFill>
+                  <a:latin typeface="Century Schoolbook" panose="02040604050505020304" pitchFamily="18" charset="0"/>
+                </a:rPr>
+                <a:t>(manager’s)</a:t>
+              </a:r>
+              <a:endParaRPr lang="it-IT" sz="1400" i="1" dirty="0">
+                <a:solidFill>
+                  <a:prstClr val="black"/>
+                </a:solidFill>
+                <a:latin typeface="Century Schoolbook" panose="02040604050505020304" pitchFamily="18" charset="0"/>
+              </a:endParaRPr>
+            </a:p>
+          </p:txBody>
+        </p:sp>
+        <p:sp>
+          <p:nvSpPr>
+            <p:cNvPr id="39" name="Triangolo isoscele 38"/>
+            <p:cNvSpPr/>
+            <p:nvPr/>
+          </p:nvSpPr>
+          <p:spPr>
+            <a:xfrm rot="16200000">
+              <a:off x="1350190" y="5205064"/>
+              <a:ext cx="296478" cy="255585"/>
+            </a:xfrm>
+            <a:prstGeom prst="triangle">
+              <a:avLst/>
+            </a:prstGeom>
+            <a:solidFill>
+              <a:srgbClr val="FF0000"/>
+            </a:solidFill>
+            <a:ln w="12700">
+              <a:solidFill>
+                <a:schemeClr val="tx1"/>
+              </a:solidFill>
+            </a:ln>
+          </p:spPr>
+          <p:style>
+            <a:lnRef idx="2">
+              <a:schemeClr val="accent1">
+                <a:shade val="50000"/>
+              </a:schemeClr>
+            </a:lnRef>
+            <a:fillRef idx="1">
+              <a:schemeClr val="accent1"/>
+            </a:fillRef>
+            <a:effectRef idx="0">
+              <a:schemeClr val="accent1"/>
+            </a:effectRef>
+            <a:fontRef idx="minor">
+              <a:schemeClr val="lt1"/>
+            </a:fontRef>
+          </p:style>
+          <p:txBody>
+            <a:bodyPr rtlCol="0" anchor="ctr"/>
+            <a:lstStyle/>
+            <a:p>
+              <a:pPr algn="ctr"/>
+              <a:endParaRPr lang="it-IT"/>
+            </a:p>
+          </p:txBody>
+        </p:sp>
+        <p:sp>
+          <p:nvSpPr>
+            <p:cNvPr id="40" name="Rettangolo 39"/>
+            <p:cNvSpPr/>
+            <p:nvPr/>
+          </p:nvSpPr>
+          <p:spPr>
+            <a:xfrm>
+              <a:off x="402476" y="5739696"/>
+              <a:ext cx="530961" cy="252254"/>
+            </a:xfrm>
+            <a:prstGeom prst="rect">
+              <a:avLst/>
+            </a:prstGeom>
+            <a:solidFill>
+              <a:schemeClr val="accent2">
+                <a:lumMod val="20000"/>
+                <a:lumOff val="80000"/>
+              </a:schemeClr>
+            </a:solidFill>
+            <a:ln w="12700">
+              <a:solidFill>
+                <a:schemeClr val="tx1"/>
+              </a:solidFill>
+            </a:ln>
+          </p:spPr>
+          <p:style>
+            <a:lnRef idx="2">
+              <a:schemeClr val="accent1">
+                <a:shade val="50000"/>
+              </a:schemeClr>
+            </a:lnRef>
+            <a:fillRef idx="1">
+              <a:schemeClr val="accent1"/>
+            </a:fillRef>
+            <a:effectRef idx="0">
+              <a:schemeClr val="accent1"/>
+            </a:effectRef>
+            <a:fontRef idx="minor">
+              <a:schemeClr val="lt1"/>
+            </a:fontRef>
+          </p:style>
+          <p:txBody>
+            <a:bodyPr rtlCol="0" anchor="ctr"/>
+            <a:lstStyle/>
+            <a:p>
+              <a:pPr algn="ctr"/>
+              <a:endParaRPr lang="it-IT"/>
+            </a:p>
+          </p:txBody>
+        </p:sp>
+      </p:grpSp>
+      <p:cxnSp>
+        <p:nvCxnSpPr>
+          <p:cNvPr id="41" name="Connettore 2 40"/>
+          <p:cNvCxnSpPr/>
+          <p:nvPr/>
+        </p:nvCxnSpPr>
+        <p:spPr>
+          <a:xfrm>
+            <a:off x="2970210" y="4688489"/>
+            <a:ext cx="350960" cy="406839"/>
+          </a:xfrm>
+          <a:prstGeom prst="straightConnector1">
+            <a:avLst/>
+          </a:prstGeom>
+          <a:ln w="19050">
+            <a:solidFill>
+              <a:schemeClr val="tx1"/>
+            </a:solidFill>
+            <a:prstDash val="sysDash"/>
+            <a:headEnd type="none" w="med" len="med"/>
+            <a:tailEnd type="arrow" w="med" len="med"/>
+          </a:ln>
+        </p:spPr>
+        <p:style>
+          <a:lnRef idx="1">
+            <a:schemeClr val="accent1"/>
+          </a:lnRef>
+          <a:fillRef idx="0">
+            <a:schemeClr val="accent1"/>
+          </a:fillRef>
+          <a:effectRef idx="0">
+            <a:schemeClr val="accent1"/>
+          </a:effectRef>
+          <a:fontRef idx="minor">
+            <a:schemeClr val="tx1"/>
+          </a:fontRef>
+        </p:style>
+      </p:cxnSp>
+      <p:cxnSp>
+        <p:nvCxnSpPr>
+          <p:cNvPr id="42" name="Connettore 2 41"/>
+          <p:cNvCxnSpPr/>
+          <p:nvPr/>
+        </p:nvCxnSpPr>
+        <p:spPr>
+          <a:xfrm flipH="1" flipV="1">
+            <a:off x="3321171" y="1521028"/>
+            <a:ext cx="6501362" cy="187964"/>
+          </a:xfrm>
+          <a:prstGeom prst="straightConnector1">
+            <a:avLst/>
+          </a:prstGeom>
+          <a:ln w="19050">
+            <a:solidFill>
+              <a:schemeClr val="tx1"/>
+            </a:solidFill>
+            <a:prstDash val="sysDash"/>
+            <a:headEnd type="none" w="med" len="med"/>
+            <a:tailEnd type="triangle" w="med" len="med"/>
+          </a:ln>
+        </p:spPr>
+        <p:style>
+          <a:lnRef idx="1">
+            <a:schemeClr val="accent1"/>
+          </a:lnRef>
+          <a:fillRef idx="0">
+            <a:schemeClr val="accent1"/>
+          </a:fillRef>
+          <a:effectRef idx="0">
+            <a:schemeClr val="accent1"/>
+          </a:effectRef>
+          <a:fontRef idx="minor">
+            <a:schemeClr val="tx1"/>
+          </a:fontRef>
+        </p:style>
+      </p:cxnSp>
+      <p:cxnSp>
+        <p:nvCxnSpPr>
+          <p:cNvPr id="43" name="Connettore 2 42"/>
+          <p:cNvCxnSpPr/>
+          <p:nvPr/>
+        </p:nvCxnSpPr>
+        <p:spPr>
+          <a:xfrm flipH="1">
+            <a:off x="5348382" y="2279497"/>
+            <a:ext cx="4244192" cy="201510"/>
+          </a:xfrm>
+          <a:prstGeom prst="straightConnector1">
+            <a:avLst/>
+          </a:prstGeom>
+          <a:ln w="19050">
+            <a:solidFill>
+              <a:schemeClr val="tx1"/>
+            </a:solidFill>
+            <a:prstDash val="sysDash"/>
+            <a:headEnd type="none" w="med" len="med"/>
+            <a:tailEnd type="triangle" w="med" len="med"/>
+          </a:ln>
+        </p:spPr>
+        <p:style>
+          <a:lnRef idx="1">
+            <a:schemeClr val="accent1"/>
+          </a:lnRef>
+          <a:fillRef idx="0">
+            <a:schemeClr val="accent1"/>
+          </a:fillRef>
+          <a:effectRef idx="0">
+            <a:schemeClr val="accent1"/>
+          </a:effectRef>
+          <a:fontRef idx="minor">
+            <a:schemeClr val="tx1"/>
+          </a:fontRef>
+        </p:style>
+      </p:cxnSp>
+      <p:cxnSp>
+        <p:nvCxnSpPr>
+          <p:cNvPr id="44" name="Connettore 2 43"/>
+          <p:cNvCxnSpPr/>
+          <p:nvPr/>
+        </p:nvCxnSpPr>
+        <p:spPr>
+          <a:xfrm>
+            <a:off x="5946176" y="997808"/>
+            <a:ext cx="524722" cy="0"/>
+          </a:xfrm>
+          <a:prstGeom prst="straightConnector1">
+            <a:avLst/>
+          </a:prstGeom>
+          <a:ln w="19050">
+            <a:solidFill>
+              <a:schemeClr val="tx1"/>
+            </a:solidFill>
+            <a:headEnd type="none" w="med" len="med"/>
+            <a:tailEnd type="arrow" w="med" len="med"/>
+          </a:ln>
+        </p:spPr>
+        <p:style>
+          <a:lnRef idx="1">
+            <a:schemeClr val="accent1"/>
+          </a:lnRef>
+          <a:fillRef idx="0">
+            <a:schemeClr val="accent1"/>
+          </a:fillRef>
+          <a:effectRef idx="0">
+            <a:schemeClr val="accent1"/>
+          </a:effectRef>
+          <a:fontRef idx="minor">
+            <a:schemeClr val="tx1"/>
+          </a:fontRef>
+        </p:style>
+      </p:cxnSp>
+      <p:sp>
+        <p:nvSpPr>
+          <p:cNvPr id="45" name="CasellaDiTesto 44"/>
+          <p:cNvSpPr txBox="1"/>
+          <p:nvPr/>
+        </p:nvSpPr>
+        <p:spPr>
+          <a:xfrm>
+            <a:off x="5612740" y="997808"/>
+            <a:ext cx="2125903" cy="523220"/>
+          </a:xfrm>
+          <a:prstGeom prst="rect">
+            <a:avLst/>
+          </a:prstGeom>
+          <a:noFill/>
+        </p:spPr>
+        <p:txBody>
+          <a:bodyPr wrap="none" rtlCol="0">
+            <a:spAutoFit/>
+          </a:bodyPr>
+          <a:lstStyle/>
+          <a:p>
+            <a:r>
+              <a:rPr lang="it-IT" sz="1400" dirty="0" smtClean="0">
+                <a:solidFill>
+                  <a:schemeClr val="bg2">
+                    <a:lumMod val="25000"/>
+                  </a:schemeClr>
+                </a:solidFill>
+                <a:latin typeface="Bookman Old Style" panose="02050604050505020204" pitchFamily="18" charset="0"/>
+              </a:rPr>
+              <a:t>outdoorAlarm</a:t>
+            </a:r>
+          </a:p>
+          <a:p>
+            <a:r>
+              <a:rPr lang="it-IT" sz="1400" dirty="0" smtClean="0">
+                <a:solidFill>
+                  <a:schemeClr val="bg2">
+                    <a:lumMod val="25000"/>
+                  </a:schemeClr>
+                </a:solidFill>
+                <a:latin typeface="Bookman Old Style" panose="02050604050505020204" pitchFamily="18" charset="0"/>
+              </a:rPr>
+              <a:t>outdoorAlarmRevoked</a:t>
+            </a:r>
+            <a:endParaRPr lang="it-IT" sz="1400" dirty="0">
+              <a:solidFill>
+                <a:schemeClr val="bg2">
+                  <a:lumMod val="25000"/>
+                </a:schemeClr>
+              </a:solidFill>
+              <a:latin typeface="Bookman Old Style" panose="02050604050505020204" pitchFamily="18" charset="0"/>
+            </a:endParaRPr>
+          </a:p>
+        </p:txBody>
+      </p:sp>
+      <p:cxnSp>
+        <p:nvCxnSpPr>
+          <p:cNvPr id="50" name="Connettore 2 49"/>
+          <p:cNvCxnSpPr/>
+          <p:nvPr/>
+        </p:nvCxnSpPr>
+        <p:spPr>
+          <a:xfrm>
+            <a:off x="5935754" y="1855269"/>
+            <a:ext cx="524722" cy="0"/>
+          </a:xfrm>
+          <a:prstGeom prst="straightConnector1">
+            <a:avLst/>
+          </a:prstGeom>
+          <a:ln w="19050">
+            <a:solidFill>
+              <a:schemeClr val="tx1"/>
+            </a:solidFill>
+            <a:headEnd type="none" w="med" len="med"/>
+            <a:tailEnd type="arrow" w="med" len="med"/>
+          </a:ln>
+        </p:spPr>
+        <p:style>
+          <a:lnRef idx="1">
+            <a:schemeClr val="accent1"/>
+          </a:lnRef>
+          <a:fillRef idx="0">
+            <a:schemeClr val="accent1"/>
+          </a:fillRef>
+          <a:effectRef idx="0">
+            <a:schemeClr val="accent1"/>
+          </a:effectRef>
+          <a:fontRef idx="minor">
+            <a:schemeClr val="tx1"/>
+          </a:fontRef>
+        </p:style>
+      </p:cxnSp>
+      <p:sp>
+        <p:nvSpPr>
+          <p:cNvPr id="51" name="CasellaDiTesto 50"/>
+          <p:cNvSpPr txBox="1"/>
+          <p:nvPr/>
+        </p:nvSpPr>
+        <p:spPr>
+          <a:xfrm>
+            <a:off x="5602318" y="1855269"/>
+            <a:ext cx="2521844" cy="523220"/>
+          </a:xfrm>
+          <a:prstGeom prst="rect">
+            <a:avLst/>
+          </a:prstGeom>
+          <a:noFill/>
+        </p:spPr>
+        <p:txBody>
+          <a:bodyPr wrap="none" rtlCol="0">
+            <a:spAutoFit/>
+          </a:bodyPr>
+          <a:lstStyle/>
+          <a:p>
+            <a:r>
+              <a:rPr lang="it-IT" sz="1400" dirty="0" smtClean="0">
+                <a:solidFill>
+                  <a:schemeClr val="bg2">
+                    <a:lumMod val="25000"/>
+                  </a:schemeClr>
+                </a:solidFill>
+                <a:latin typeface="Bookman Old Style" panose="02050604050505020204" pitchFamily="18" charset="0"/>
+              </a:rPr>
+              <a:t>temperatureAlarm</a:t>
+            </a:r>
+          </a:p>
+          <a:p>
+            <a:r>
+              <a:rPr lang="it-IT" sz="1400" dirty="0" smtClean="0">
+                <a:solidFill>
+                  <a:schemeClr val="bg2">
+                    <a:lumMod val="25000"/>
+                  </a:schemeClr>
+                </a:solidFill>
+                <a:latin typeface="Bookman Old Style" panose="02050604050505020204" pitchFamily="18" charset="0"/>
+              </a:rPr>
+              <a:t>temperatureAlarmRevoked</a:t>
+            </a:r>
+            <a:endParaRPr lang="it-IT" sz="1400" dirty="0">
+              <a:solidFill>
+                <a:schemeClr val="bg2">
+                  <a:lumMod val="25000"/>
+                </a:schemeClr>
+              </a:solidFill>
+              <a:latin typeface="Bookman Old Style" panose="02050604050505020204" pitchFamily="18" charset="0"/>
+            </a:endParaRPr>
+          </a:p>
+        </p:txBody>
+      </p:sp>
+      <p:cxnSp>
+        <p:nvCxnSpPr>
+          <p:cNvPr id="52" name="Connettore 2 51"/>
+          <p:cNvCxnSpPr/>
+          <p:nvPr/>
+        </p:nvCxnSpPr>
+        <p:spPr>
+          <a:xfrm flipH="1" flipV="1">
+            <a:off x="3321170" y="4281649"/>
+            <a:ext cx="3847382" cy="134618"/>
+          </a:xfrm>
+          <a:prstGeom prst="straightConnector1">
+            <a:avLst/>
+          </a:prstGeom>
+          <a:ln w="19050">
+            <a:solidFill>
+              <a:schemeClr val="tx1"/>
+            </a:solidFill>
+            <a:prstDash val="sysDash"/>
+            <a:headEnd type="none" w="med" len="med"/>
+            <a:tailEnd type="arrow" w="med" len="med"/>
+          </a:ln>
+        </p:spPr>
+        <p:style>
+          <a:lnRef idx="1">
+            <a:schemeClr val="accent1"/>
+          </a:lnRef>
+          <a:fillRef idx="0">
+            <a:schemeClr val="accent1"/>
+          </a:fillRef>
+          <a:effectRef idx="0">
+            <a:schemeClr val="accent1"/>
+          </a:effectRef>
+          <a:fontRef idx="minor">
+            <a:schemeClr val="tx1"/>
+          </a:fontRef>
+        </p:style>
+      </p:cxnSp>
+      <p:sp>
+        <p:nvSpPr>
+          <p:cNvPr id="53" name="CasellaDiTesto 52"/>
+          <p:cNvSpPr txBox="1"/>
+          <p:nvPr/>
+        </p:nvSpPr>
+        <p:spPr>
+          <a:xfrm>
+            <a:off x="5615105" y="3844152"/>
+            <a:ext cx="1774845" cy="523220"/>
+          </a:xfrm>
+          <a:prstGeom prst="rect">
+            <a:avLst/>
+          </a:prstGeom>
+          <a:noFill/>
+        </p:spPr>
+        <p:txBody>
+          <a:bodyPr wrap="none" rtlCol="0">
+            <a:spAutoFit/>
+          </a:bodyPr>
+          <a:lstStyle/>
+          <a:p>
+            <a:r>
+              <a:rPr lang="it-IT" sz="1400" dirty="0" smtClean="0">
+                <a:solidFill>
+                  <a:schemeClr val="bg2">
+                    <a:lumMod val="25000"/>
+                  </a:schemeClr>
+                </a:solidFill>
+                <a:latin typeface="Bookman Old Style" panose="02050604050505020204" pitchFamily="18" charset="0"/>
+              </a:rPr>
+              <a:t>fanAuto( auto )</a:t>
+            </a:r>
+          </a:p>
+          <a:p>
+            <a:r>
+              <a:rPr lang="it-IT" sz="1400" dirty="0" smtClean="0">
+                <a:solidFill>
+                  <a:schemeClr val="bg2">
+                    <a:lumMod val="25000"/>
+                  </a:schemeClr>
+                </a:solidFill>
+                <a:latin typeface="Bookman Old Style" panose="02050604050505020204" pitchFamily="18" charset="0"/>
+              </a:rPr>
+              <a:t>fanAuto( manual )</a:t>
+            </a:r>
+            <a:endParaRPr lang="it-IT" sz="1400" dirty="0">
+              <a:solidFill>
+                <a:schemeClr val="bg2">
+                  <a:lumMod val="25000"/>
+                </a:schemeClr>
+              </a:solidFill>
+              <a:latin typeface="Bookman Old Style" panose="02050604050505020204" pitchFamily="18" charset="0"/>
+            </a:endParaRPr>
+          </a:p>
+        </p:txBody>
+      </p:sp>
+      <p:cxnSp>
+        <p:nvCxnSpPr>
+          <p:cNvPr id="54" name="Connettore 2 53"/>
+          <p:cNvCxnSpPr/>
+          <p:nvPr/>
+        </p:nvCxnSpPr>
+        <p:spPr>
+          <a:xfrm flipH="1">
+            <a:off x="5804951" y="3808577"/>
+            <a:ext cx="524722" cy="0"/>
+          </a:xfrm>
+          <a:prstGeom prst="straightConnector1">
+            <a:avLst/>
+          </a:prstGeom>
+          <a:ln w="19050">
+            <a:solidFill>
+              <a:schemeClr val="tx1"/>
+            </a:solidFill>
+            <a:headEnd type="none" w="med" len="med"/>
+            <a:tailEnd type="arrow" w="med" len="med"/>
+          </a:ln>
+        </p:spPr>
+        <p:style>
+          <a:lnRef idx="1">
+            <a:schemeClr val="accent1"/>
+          </a:lnRef>
+          <a:fillRef idx="0">
+            <a:schemeClr val="accent1"/>
+          </a:fillRef>
+          <a:effectRef idx="0">
+            <a:schemeClr val="accent1"/>
+          </a:effectRef>
+          <a:fontRef idx="minor">
+            <a:schemeClr val="tx1"/>
+          </a:fontRef>
+        </p:style>
+      </p:cxnSp>
+      <p:sp>
+        <p:nvSpPr>
+          <p:cNvPr id="61" name="Figura a mano libera 60"/>
+          <p:cNvSpPr/>
+          <p:nvPr/>
+        </p:nvSpPr>
+        <p:spPr>
+          <a:xfrm rot="7867812">
+            <a:off x="3041107" y="3050001"/>
+            <a:ext cx="990600" cy="638334"/>
+          </a:xfrm>
+          <a:custGeom>
+            <a:avLst/>
+            <a:gdLst>
+              <a:gd name="connsiteX0" fmla="*/ 0 w 990600"/>
+              <a:gd name="connsiteY0" fmla="*/ 439954 h 638334"/>
+              <a:gd name="connsiteX1" fmla="*/ 314325 w 990600"/>
+              <a:gd name="connsiteY1" fmla="*/ 439954 h 638334"/>
+              <a:gd name="connsiteX2" fmla="*/ 390525 w 990600"/>
+              <a:gd name="connsiteY2" fmla="*/ 1804 h 638334"/>
+              <a:gd name="connsiteX3" fmla="*/ 571500 w 990600"/>
+              <a:gd name="connsiteY3" fmla="*/ 630454 h 638334"/>
+              <a:gd name="connsiteX4" fmla="*/ 685800 w 990600"/>
+              <a:gd name="connsiteY4" fmla="*/ 354229 h 638334"/>
+              <a:gd name="connsiteX5" fmla="*/ 990600 w 990600"/>
+              <a:gd name="connsiteY5" fmla="*/ 344704 h 638334"/>
+            </a:gdLst>
+            <a:ahLst/>
+            <a:cxnLst>
+              <a:cxn ang="0">
+                <a:pos x="connsiteX0" y="connsiteY0"/>
+              </a:cxn>
+              <a:cxn ang="0">
+                <a:pos x="connsiteX1" y="connsiteY1"/>
+              </a:cxn>
+              <a:cxn ang="0">
+                <a:pos x="connsiteX2" y="connsiteY2"/>
+              </a:cxn>
+              <a:cxn ang="0">
+                <a:pos x="connsiteX3" y="connsiteY3"/>
+              </a:cxn>
+              <a:cxn ang="0">
+                <a:pos x="connsiteX4" y="connsiteY4"/>
+              </a:cxn>
+              <a:cxn ang="0">
+                <a:pos x="connsiteX5" y="connsiteY5"/>
+              </a:cxn>
+            </a:cxnLst>
+            <a:rect l="l" t="t" r="r" b="b"/>
+            <a:pathLst>
+              <a:path w="990600" h="638334">
+                <a:moveTo>
+                  <a:pt x="0" y="439954"/>
+                </a:moveTo>
+                <a:cubicBezTo>
+                  <a:pt x="124619" y="476466"/>
+                  <a:pt x="249238" y="512979"/>
+                  <a:pt x="314325" y="439954"/>
+                </a:cubicBezTo>
+                <a:cubicBezTo>
+                  <a:pt x="379412" y="366929"/>
+                  <a:pt x="347663" y="-29946"/>
+                  <a:pt x="390525" y="1804"/>
+                </a:cubicBezTo>
+                <a:cubicBezTo>
+                  <a:pt x="433387" y="33554"/>
+                  <a:pt x="522288" y="571717"/>
+                  <a:pt x="571500" y="630454"/>
+                </a:cubicBezTo>
+                <a:cubicBezTo>
+                  <a:pt x="620713" y="689192"/>
+                  <a:pt x="615950" y="401854"/>
+                  <a:pt x="685800" y="354229"/>
+                </a:cubicBezTo>
+                <a:cubicBezTo>
+                  <a:pt x="755650" y="306604"/>
+                  <a:pt x="873125" y="325654"/>
+                  <a:pt x="990600" y="344704"/>
+                </a:cubicBezTo>
+              </a:path>
+            </a:pathLst>
+          </a:custGeom>
+          <a:noFill/>
+          <a:ln w="15875">
+            <a:solidFill>
+              <a:schemeClr val="tx1"/>
+            </a:solidFill>
+            <a:tailEnd type="arrow"/>
+          </a:ln>
+        </p:spPr>
+        <p:style>
+          <a:lnRef idx="2">
+            <a:schemeClr val="accent1">
+              <a:shade val="50000"/>
+            </a:schemeClr>
+          </a:lnRef>
+          <a:fillRef idx="1">
+            <a:schemeClr val="accent1"/>
+          </a:fillRef>
+          <a:effectRef idx="0">
+            <a:schemeClr val="accent1"/>
+          </a:effectRef>
+          <a:fontRef idx="minor">
+            <a:schemeClr val="lt1"/>
+          </a:fontRef>
+        </p:style>
+        <p:txBody>
+          <a:bodyPr rtlCol="0" anchor="ctr"/>
+          <a:lstStyle/>
+          <a:p>
+            <a:pPr algn="ctr"/>
+            <a:endParaRPr lang="it-IT"/>
+          </a:p>
+        </p:txBody>
+      </p:sp>
+      <p:sp>
+        <p:nvSpPr>
+          <p:cNvPr id="62" name="Figura a mano libera 61"/>
+          <p:cNvSpPr/>
+          <p:nvPr/>
+        </p:nvSpPr>
+        <p:spPr>
+          <a:xfrm rot="5098094">
+            <a:off x="1860093" y="2546400"/>
+            <a:ext cx="990600" cy="638334"/>
+          </a:xfrm>
+          <a:custGeom>
+            <a:avLst/>
+            <a:gdLst>
+              <a:gd name="connsiteX0" fmla="*/ 0 w 990600"/>
+              <a:gd name="connsiteY0" fmla="*/ 439954 h 638334"/>
+              <a:gd name="connsiteX1" fmla="*/ 314325 w 990600"/>
+              <a:gd name="connsiteY1" fmla="*/ 439954 h 638334"/>
+              <a:gd name="connsiteX2" fmla="*/ 390525 w 990600"/>
+              <a:gd name="connsiteY2" fmla="*/ 1804 h 638334"/>
+              <a:gd name="connsiteX3" fmla="*/ 571500 w 990600"/>
+              <a:gd name="connsiteY3" fmla="*/ 630454 h 638334"/>
+              <a:gd name="connsiteX4" fmla="*/ 685800 w 990600"/>
+              <a:gd name="connsiteY4" fmla="*/ 354229 h 638334"/>
+              <a:gd name="connsiteX5" fmla="*/ 990600 w 990600"/>
+              <a:gd name="connsiteY5" fmla="*/ 344704 h 638334"/>
+            </a:gdLst>
+            <a:ahLst/>
+            <a:cxnLst>
+              <a:cxn ang="0">
+                <a:pos x="connsiteX0" y="connsiteY0"/>
+              </a:cxn>
+              <a:cxn ang="0">
+                <a:pos x="connsiteX1" y="connsiteY1"/>
+              </a:cxn>
+              <a:cxn ang="0">
+                <a:pos x="connsiteX2" y="connsiteY2"/>
+              </a:cxn>
+              <a:cxn ang="0">
+                <a:pos x="connsiteX3" y="connsiteY3"/>
+              </a:cxn>
+              <a:cxn ang="0">
+                <a:pos x="connsiteX4" y="connsiteY4"/>
+              </a:cxn>
+              <a:cxn ang="0">
+                <a:pos x="connsiteX5" y="connsiteY5"/>
+              </a:cxn>
+            </a:cxnLst>
+            <a:rect l="l" t="t" r="r" b="b"/>
+            <a:pathLst>
+              <a:path w="990600" h="638334">
+                <a:moveTo>
+                  <a:pt x="0" y="439954"/>
+                </a:moveTo>
+                <a:cubicBezTo>
+                  <a:pt x="124619" y="476466"/>
+                  <a:pt x="249238" y="512979"/>
+                  <a:pt x="314325" y="439954"/>
+                </a:cubicBezTo>
+                <a:cubicBezTo>
+                  <a:pt x="379412" y="366929"/>
+                  <a:pt x="347663" y="-29946"/>
+                  <a:pt x="390525" y="1804"/>
+                </a:cubicBezTo>
+                <a:cubicBezTo>
+                  <a:pt x="433387" y="33554"/>
+                  <a:pt x="522288" y="571717"/>
+                  <a:pt x="571500" y="630454"/>
+                </a:cubicBezTo>
+                <a:cubicBezTo>
+                  <a:pt x="620713" y="689192"/>
+                  <a:pt x="615950" y="401854"/>
+                  <a:pt x="685800" y="354229"/>
+                </a:cubicBezTo>
+                <a:cubicBezTo>
+                  <a:pt x="755650" y="306604"/>
+                  <a:pt x="873125" y="325654"/>
+                  <a:pt x="990600" y="344704"/>
+                </a:cubicBezTo>
+              </a:path>
+            </a:pathLst>
+          </a:custGeom>
+          <a:noFill/>
+          <a:ln w="15875">
+            <a:solidFill>
+              <a:schemeClr val="tx1"/>
+            </a:solidFill>
+            <a:tailEnd type="arrow"/>
+          </a:ln>
+        </p:spPr>
+        <p:style>
+          <a:lnRef idx="2">
+            <a:schemeClr val="accent1">
+              <a:shade val="50000"/>
+            </a:schemeClr>
+          </a:lnRef>
+          <a:fillRef idx="1">
+            <a:schemeClr val="accent1"/>
+          </a:fillRef>
+          <a:effectRef idx="0">
+            <a:schemeClr val="accent1"/>
+          </a:effectRef>
+          <a:fontRef idx="minor">
+            <a:schemeClr val="lt1"/>
+          </a:fontRef>
+        </p:style>
+        <p:txBody>
+          <a:bodyPr rtlCol="0" anchor="ctr"/>
+          <a:lstStyle/>
+          <a:p>
+            <a:pPr algn="ctr"/>
+            <a:endParaRPr lang="it-IT"/>
+          </a:p>
+        </p:txBody>
+      </p:sp>
+      <p:sp>
+        <p:nvSpPr>
+          <p:cNvPr id="76" name="CasellaDiTesto 75"/>
+          <p:cNvSpPr txBox="1"/>
+          <p:nvPr/>
+        </p:nvSpPr>
+        <p:spPr>
+          <a:xfrm>
+            <a:off x="2278944" y="4829907"/>
+            <a:ext cx="798617" cy="461665"/>
+          </a:xfrm>
+          <a:prstGeom prst="rect">
+            <a:avLst/>
+          </a:prstGeom>
+          <a:noFill/>
+        </p:spPr>
+        <p:txBody>
+          <a:bodyPr wrap="none" rtlCol="0">
+            <a:spAutoFit/>
+          </a:bodyPr>
+          <a:lstStyle/>
+          <a:p>
+            <a:r>
+              <a:rPr lang="it-IT" sz="1200" dirty="0" smtClean="0">
+                <a:solidFill>
+                  <a:schemeClr val="accent1">
+                    <a:lumMod val="75000"/>
+                  </a:schemeClr>
+                </a:solidFill>
+                <a:latin typeface="Bookman Old Style" panose="02050604050505020204" pitchFamily="18" charset="0"/>
+              </a:rPr>
+              <a:t>fanStart</a:t>
+            </a:r>
+          </a:p>
+          <a:p>
+            <a:r>
+              <a:rPr lang="it-IT" sz="1200" dirty="0" smtClean="0">
+                <a:solidFill>
+                  <a:schemeClr val="accent1">
+                    <a:lumMod val="75000"/>
+                  </a:schemeClr>
+                </a:solidFill>
+                <a:latin typeface="Bookman Old Style" panose="02050604050505020204" pitchFamily="18" charset="0"/>
+              </a:rPr>
+              <a:t>fanStop</a:t>
+            </a:r>
+            <a:endParaRPr lang="it-IT" sz="1200" dirty="0">
+              <a:solidFill>
+                <a:schemeClr val="accent1">
+                  <a:lumMod val="75000"/>
+                </a:schemeClr>
+              </a:solidFill>
+              <a:latin typeface="Bookman Old Style" panose="02050604050505020204" pitchFamily="18" charset="0"/>
+            </a:endParaRPr>
+          </a:p>
+        </p:txBody>
+      </p:sp>
+      <p:cxnSp>
+        <p:nvCxnSpPr>
+          <p:cNvPr id="80" name="Connettore 2 79"/>
+          <p:cNvCxnSpPr/>
+          <p:nvPr/>
+        </p:nvCxnSpPr>
+        <p:spPr>
+          <a:xfrm flipH="1">
+            <a:off x="3376847" y="2645383"/>
+            <a:ext cx="6603915" cy="1345939"/>
+          </a:xfrm>
+          <a:prstGeom prst="straightConnector1">
+            <a:avLst/>
+          </a:prstGeom>
+          <a:ln w="19050">
+            <a:solidFill>
+              <a:schemeClr val="tx1"/>
+            </a:solidFill>
+            <a:prstDash val="sysDash"/>
+            <a:headEnd type="none" w="med" len="med"/>
+            <a:tailEnd type="triangle" w="med" len="med"/>
+          </a:ln>
+        </p:spPr>
+        <p:style>
+          <a:lnRef idx="1">
+            <a:schemeClr val="accent1"/>
+          </a:lnRef>
+          <a:fillRef idx="0">
+            <a:schemeClr val="accent1"/>
+          </a:fillRef>
+          <a:effectRef idx="0">
+            <a:schemeClr val="accent1"/>
+          </a:effectRef>
+          <a:fontRef idx="minor">
+            <a:schemeClr val="tx1"/>
+          </a:fontRef>
+        </p:style>
+      </p:cxnSp>
+      <p:sp>
+        <p:nvSpPr>
+          <p:cNvPr id="83" name="CasellaDiTesto 82"/>
+          <p:cNvSpPr txBox="1"/>
+          <p:nvPr/>
+        </p:nvSpPr>
+        <p:spPr>
+          <a:xfrm>
+            <a:off x="5648588" y="2875158"/>
+            <a:ext cx="856325" cy="523220"/>
+          </a:xfrm>
+          <a:prstGeom prst="rect">
+            <a:avLst/>
+          </a:prstGeom>
+          <a:noFill/>
+        </p:spPr>
+        <p:txBody>
+          <a:bodyPr wrap="none" rtlCol="0">
+            <a:spAutoFit/>
+          </a:bodyPr>
+          <a:lstStyle/>
+          <a:p>
+            <a:r>
+              <a:rPr lang="it-IT" sz="1400" dirty="0" smtClean="0">
+                <a:solidFill>
+                  <a:schemeClr val="bg2">
+                    <a:lumMod val="25000"/>
+                  </a:schemeClr>
+                </a:solidFill>
+                <a:latin typeface="Bookman Old Style" panose="02050604050505020204" pitchFamily="18" charset="0"/>
+              </a:rPr>
+              <a:t>auto</a:t>
+            </a:r>
+          </a:p>
+          <a:p>
+            <a:r>
+              <a:rPr lang="it-IT" sz="1400" dirty="0" smtClean="0">
+                <a:solidFill>
+                  <a:schemeClr val="bg2">
+                    <a:lumMod val="25000"/>
+                  </a:schemeClr>
+                </a:solidFill>
+                <a:latin typeface="Bookman Old Style" panose="02050604050505020204" pitchFamily="18" charset="0"/>
+              </a:rPr>
+              <a:t>manual</a:t>
+            </a:r>
+            <a:endParaRPr lang="it-IT" sz="1400" dirty="0">
+              <a:solidFill>
+                <a:schemeClr val="bg2">
+                  <a:lumMod val="25000"/>
+                </a:schemeClr>
+              </a:solidFill>
+              <a:latin typeface="Bookman Old Style" panose="02050604050505020204" pitchFamily="18" charset="0"/>
+            </a:endParaRPr>
+          </a:p>
+        </p:txBody>
+      </p:sp>
+      <p:cxnSp>
+        <p:nvCxnSpPr>
+          <p:cNvPr id="84" name="Connettore 2 83"/>
+          <p:cNvCxnSpPr/>
+          <p:nvPr/>
+        </p:nvCxnSpPr>
+        <p:spPr>
+          <a:xfrm>
+            <a:off x="5804951" y="2875158"/>
+            <a:ext cx="524722" cy="0"/>
+          </a:xfrm>
+          <a:prstGeom prst="straightConnector1">
+            <a:avLst/>
+          </a:prstGeom>
+          <a:ln w="19050">
+            <a:solidFill>
+              <a:schemeClr val="tx1"/>
+            </a:solidFill>
+            <a:headEnd type="none" w="med" len="med"/>
+            <a:tailEnd type="arrow" w="med" len="med"/>
+          </a:ln>
+        </p:spPr>
+        <p:style>
+          <a:lnRef idx="1">
+            <a:schemeClr val="accent1"/>
+          </a:lnRef>
+          <a:fillRef idx="0">
+            <a:schemeClr val="accent1"/>
+          </a:fillRef>
+          <a:effectRef idx="0">
+            <a:schemeClr val="accent1"/>
+          </a:effectRef>
+          <a:fontRef idx="minor">
+            <a:schemeClr val="tx1"/>
+          </a:fontRef>
+        </p:style>
+      </p:cxnSp>
+    </p:spTree>
+    <p:extLst>
+      <p:ext uri="{BB962C8B-B14F-4D97-AF65-F5344CB8AC3E}">
+        <p14:creationId xmlns:p14="http://schemas.microsoft.com/office/powerpoint/2010/main" val="442796181"/>
       </p:ext>
     </p:extLst>
   </p:cSld>
@@ -23552,14 +25622,6 @@
               </a:rPr>
               <a:t>indoorOccupied</a:t>
             </a:r>
-            <a:endParaRPr lang="it-IT" sz="1200" dirty="0">
-              <a:solidFill>
-                <a:schemeClr val="accent1">
-                  <a:lumMod val="75000"/>
-                </a:schemeClr>
-              </a:solidFill>
-              <a:latin typeface="Bookman Old Style" panose="02050604050505020204" pitchFamily="18" charset="0"/>
-            </a:endParaRPr>
           </a:p>
         </p:txBody>
       </p:sp>
@@ -23609,14 +25671,6 @@
               </a:rPr>
               <a:t>outdoorOccupied</a:t>
             </a:r>
-            <a:endParaRPr lang="it-IT" sz="1200" dirty="0">
-              <a:solidFill>
-                <a:schemeClr val="accent1">
-                  <a:lumMod val="75000"/>
-                </a:schemeClr>
-              </a:solidFill>
-              <a:latin typeface="Bookman Old Style" panose="02050604050505020204" pitchFamily="18" charset="0"/>
-            </a:endParaRPr>
           </a:p>
         </p:txBody>
       </p:sp>
@@ -24143,29 +26197,7 @@
                 </a:solidFill>
                 <a:latin typeface="Bookman Old Style" panose="02050604050505020204" pitchFamily="18" charset="0"/>
               </a:rPr>
-              <a:t>outdoorStatus</a:t>
-            </a:r>
-            <a:r>
-              <a:rPr lang="it-IT" sz="1200" dirty="0" smtClean="0">
-                <a:solidFill>
-                  <a:schemeClr val="accent1">
-                    <a:lumMod val="75000"/>
-                  </a:schemeClr>
-                </a:solidFill>
-                <a:latin typeface="Bookman Old Style" panose="02050604050505020204" pitchFamily="18" charset="0"/>
-              </a:rPr>
-              <a:t>( free / occ.</a:t>
-            </a:r>
-            <a:r>
-              <a:rPr lang="it-IT" sz="1200" dirty="0" smtClean="0">
-                <a:solidFill>
-                  <a:schemeClr val="accent1">
-                    <a:lumMod val="75000"/>
-                  </a:schemeClr>
-                </a:solidFill>
-                <a:latin typeface="Bookman Old Style" panose="02050604050505020204" pitchFamily="18" charset="0"/>
-              </a:rPr>
-              <a:t>)</a:t>
+              <a:t>outdoorStatus( free / occ.)</a:t>
             </a:r>
             <a:endParaRPr lang="it-IT" sz="1200" dirty="0">
               <a:solidFill>

--- a/Sprint 3/userDocs/img/final_task_schema.pptx
+++ b/Sprint 3/userDocs/img/final_task_schema.pptx
@@ -23,6 +23,7 @@
     <p:sldId id="286" r:id="rId17"/>
     <p:sldId id="287" r:id="rId18"/>
     <p:sldId id="289" r:id="rId19"/>
+    <p:sldId id="290" r:id="rId20"/>
   </p:sldIdLst>
   <p:sldSz cx="12192000" cy="6858000"/>
   <p:notesSz cx="6858000" cy="9144000"/>
@@ -258,7 +259,7 @@
           <a:p>
             <a:fld id="{B54D5996-1787-4713-9AAF-D983FFC67929}" type="datetimeFigureOut">
               <a:rPr lang="it-IT" smtClean="0"/>
-              <a:t>03/08/2021</a:t>
+              <a:t>04/08/2021</a:t>
             </a:fld>
             <a:endParaRPr lang="it-IT"/>
           </a:p>
@@ -426,7 +427,7 @@
           <a:p>
             <a:fld id="{B54D5996-1787-4713-9AAF-D983FFC67929}" type="datetimeFigureOut">
               <a:rPr lang="it-IT" smtClean="0"/>
-              <a:t>03/08/2021</a:t>
+              <a:t>04/08/2021</a:t>
             </a:fld>
             <a:endParaRPr lang="it-IT"/>
           </a:p>
@@ -604,7 +605,7 @@
           <a:p>
             <a:fld id="{B54D5996-1787-4713-9AAF-D983FFC67929}" type="datetimeFigureOut">
               <a:rPr lang="it-IT" smtClean="0"/>
-              <a:t>03/08/2021</a:t>
+              <a:t>04/08/2021</a:t>
             </a:fld>
             <a:endParaRPr lang="it-IT"/>
           </a:p>
@@ -772,7 +773,7 @@
           <a:p>
             <a:fld id="{B54D5996-1787-4713-9AAF-D983FFC67929}" type="datetimeFigureOut">
               <a:rPr lang="it-IT" smtClean="0"/>
-              <a:t>03/08/2021</a:t>
+              <a:t>04/08/2021</a:t>
             </a:fld>
             <a:endParaRPr lang="it-IT"/>
           </a:p>
@@ -1017,7 +1018,7 @@
           <a:p>
             <a:fld id="{B54D5996-1787-4713-9AAF-D983FFC67929}" type="datetimeFigureOut">
               <a:rPr lang="it-IT" smtClean="0"/>
-              <a:t>03/08/2021</a:t>
+              <a:t>04/08/2021</a:t>
             </a:fld>
             <a:endParaRPr lang="it-IT"/>
           </a:p>
@@ -1246,7 +1247,7 @@
           <a:p>
             <a:fld id="{B54D5996-1787-4713-9AAF-D983FFC67929}" type="datetimeFigureOut">
               <a:rPr lang="it-IT" smtClean="0"/>
-              <a:t>03/08/2021</a:t>
+              <a:t>04/08/2021</a:t>
             </a:fld>
             <a:endParaRPr lang="it-IT"/>
           </a:p>
@@ -1610,7 +1611,7 @@
           <a:p>
             <a:fld id="{B54D5996-1787-4713-9AAF-D983FFC67929}" type="datetimeFigureOut">
               <a:rPr lang="it-IT" smtClean="0"/>
-              <a:t>03/08/2021</a:t>
+              <a:t>04/08/2021</a:t>
             </a:fld>
             <a:endParaRPr lang="it-IT"/>
           </a:p>
@@ -1727,7 +1728,7 @@
           <a:p>
             <a:fld id="{B54D5996-1787-4713-9AAF-D983FFC67929}" type="datetimeFigureOut">
               <a:rPr lang="it-IT" smtClean="0"/>
-              <a:t>03/08/2021</a:t>
+              <a:t>04/08/2021</a:t>
             </a:fld>
             <a:endParaRPr lang="it-IT"/>
           </a:p>
@@ -1822,7 +1823,7 @@
           <a:p>
             <a:fld id="{B54D5996-1787-4713-9AAF-D983FFC67929}" type="datetimeFigureOut">
               <a:rPr lang="it-IT" smtClean="0"/>
-              <a:t>03/08/2021</a:t>
+              <a:t>04/08/2021</a:t>
             </a:fld>
             <a:endParaRPr lang="it-IT"/>
           </a:p>
@@ -2097,7 +2098,7 @@
           <a:p>
             <a:fld id="{B54D5996-1787-4713-9AAF-D983FFC67929}" type="datetimeFigureOut">
               <a:rPr lang="it-IT" smtClean="0"/>
-              <a:t>03/08/2021</a:t>
+              <a:t>04/08/2021</a:t>
             </a:fld>
             <a:endParaRPr lang="it-IT"/>
           </a:p>
@@ -2349,7 +2350,7 @@
           <a:p>
             <a:fld id="{B54D5996-1787-4713-9AAF-D983FFC67929}" type="datetimeFigureOut">
               <a:rPr lang="it-IT" smtClean="0"/>
-              <a:t>03/08/2021</a:t>
+              <a:t>04/08/2021</a:t>
             </a:fld>
             <a:endParaRPr lang="it-IT"/>
           </a:p>
@@ -2560,7 +2561,7 @@
           <a:p>
             <a:fld id="{B54D5996-1787-4713-9AAF-D983FFC67929}" type="datetimeFigureOut">
               <a:rPr lang="it-IT" smtClean="0"/>
-              <a:t>03/08/2021</a:t>
+              <a:t>04/08/2021</a:t>
             </a:fld>
             <a:endParaRPr lang="it-IT"/>
           </a:p>
@@ -17181,6 +17182,1191 @@
     <p:extLst>
       <p:ext uri="{BB962C8B-B14F-4D97-AF65-F5344CB8AC3E}">
         <p14:creationId xmlns:p14="http://schemas.microsoft.com/office/powerpoint/2010/main" val="442796181"/>
+      </p:ext>
+    </p:extLst>
+  </p:cSld>
+  <p:clrMapOvr>
+    <a:masterClrMapping/>
+  </p:clrMapOvr>
+</p:sld>
+</file>
+
+<file path=ppt/slides/slide19.xml><?xml version="1.0" encoding="utf-8"?>
+<p:sld xmlns:a="http://schemas.openxmlformats.org/drawingml/2006/main" xmlns:r="http://schemas.openxmlformats.org/officeDocument/2006/relationships" xmlns:p="http://schemas.openxmlformats.org/presentationml/2006/main">
+  <p:cSld>
+    <p:spTree>
+      <p:nvGrpSpPr>
+        <p:cNvPr id="1" name=""/>
+        <p:cNvGrpSpPr/>
+        <p:nvPr/>
+      </p:nvGrpSpPr>
+      <p:grpSpPr>
+        <a:xfrm>
+          <a:off x="0" y="0"/>
+          <a:ext cx="0" cy="0"/>
+          <a:chOff x="0" y="0"/>
+          <a:chExt cx="0" cy="0"/>
+        </a:xfrm>
+      </p:grpSpPr>
+      <p:sp>
+        <p:nvSpPr>
+          <p:cNvPr id="28" name="Rettangolo arrotondato 27"/>
+          <p:cNvSpPr/>
+          <p:nvPr/>
+        </p:nvSpPr>
+        <p:spPr>
+          <a:xfrm>
+            <a:off x="2199731" y="1173192"/>
+            <a:ext cx="3252844" cy="4563374"/>
+          </a:xfrm>
+          <a:prstGeom prst="roundRect">
+            <a:avLst/>
+          </a:prstGeom>
+          <a:solidFill>
+            <a:schemeClr val="bg1">
+              <a:lumMod val="95000"/>
+            </a:schemeClr>
+          </a:solidFill>
+          <a:ln w="19050">
+            <a:solidFill>
+              <a:schemeClr val="tx1"/>
+            </a:solidFill>
+          </a:ln>
+        </p:spPr>
+        <p:style>
+          <a:lnRef idx="2">
+            <a:schemeClr val="accent1">
+              <a:shade val="50000"/>
+            </a:schemeClr>
+          </a:lnRef>
+          <a:fillRef idx="1">
+            <a:schemeClr val="accent1"/>
+          </a:fillRef>
+          <a:effectRef idx="0">
+            <a:schemeClr val="accent1"/>
+          </a:effectRef>
+          <a:fontRef idx="minor">
+            <a:schemeClr val="lt1"/>
+          </a:fontRef>
+        </p:style>
+        <p:txBody>
+          <a:bodyPr rtlCol="0" anchor="ctr"/>
+          <a:lstStyle/>
+          <a:p>
+            <a:pPr algn="ctr"/>
+            <a:endParaRPr lang="it-IT" sz="1400" dirty="0">
+              <a:solidFill>
+                <a:schemeClr val="tx1"/>
+              </a:solidFill>
+              <a:latin typeface="Century Schoolbook" panose="02040604050505020304" pitchFamily="18" charset="0"/>
+            </a:endParaRPr>
+          </a:p>
+        </p:txBody>
+      </p:sp>
+      <p:sp>
+        <p:nvSpPr>
+          <p:cNvPr id="33" name="Rettangolo arrotondato 32"/>
+          <p:cNvSpPr/>
+          <p:nvPr/>
+        </p:nvSpPr>
+        <p:spPr>
+          <a:xfrm>
+            <a:off x="2934188" y="906267"/>
+            <a:ext cx="1772176" cy="471580"/>
+          </a:xfrm>
+          <a:prstGeom prst="roundRect">
+            <a:avLst/>
+          </a:prstGeom>
+          <a:solidFill>
+            <a:schemeClr val="accent1">
+              <a:lumMod val="20000"/>
+              <a:lumOff val="80000"/>
+            </a:schemeClr>
+          </a:solidFill>
+          <a:ln>
+            <a:solidFill>
+              <a:schemeClr val="tx1"/>
+            </a:solidFill>
+          </a:ln>
+        </p:spPr>
+        <p:style>
+          <a:lnRef idx="2">
+            <a:schemeClr val="accent1">
+              <a:shade val="50000"/>
+            </a:schemeClr>
+          </a:lnRef>
+          <a:fillRef idx="1">
+            <a:schemeClr val="accent1"/>
+          </a:fillRef>
+          <a:effectRef idx="0">
+            <a:schemeClr val="accent1"/>
+          </a:effectRef>
+          <a:fontRef idx="minor">
+            <a:schemeClr val="lt1"/>
+          </a:fontRef>
+        </p:style>
+        <p:txBody>
+          <a:bodyPr rtlCol="0" anchor="ctr"/>
+          <a:lstStyle/>
+          <a:p>
+            <a:pPr algn="ctr"/>
+            <a:r>
+              <a:rPr lang="it-IT" sz="1400" dirty="0" smtClean="0">
+                <a:solidFill>
+                  <a:schemeClr val="tx1"/>
+                </a:solidFill>
+                <a:latin typeface="Century Schoolbook" panose="02040604050505020304" pitchFamily="18" charset="0"/>
+              </a:rPr>
+              <a:t>ctx Car Parking</a:t>
+            </a:r>
+            <a:endParaRPr lang="it-IT" sz="1400" dirty="0">
+              <a:solidFill>
+                <a:schemeClr val="tx1"/>
+              </a:solidFill>
+              <a:latin typeface="Century Schoolbook" panose="02040604050505020304" pitchFamily="18" charset="0"/>
+            </a:endParaRPr>
+          </a:p>
+        </p:txBody>
+      </p:sp>
+      <p:grpSp>
+        <p:nvGrpSpPr>
+          <p:cNvPr id="34" name="Gruppo 33"/>
+          <p:cNvGrpSpPr/>
+          <p:nvPr/>
+        </p:nvGrpSpPr>
+        <p:grpSpPr>
+          <a:xfrm>
+            <a:off x="9631050" y="4201342"/>
+            <a:ext cx="1660945" cy="1214172"/>
+            <a:chOff x="7744200" y="2907063"/>
+            <a:chExt cx="1660945" cy="1214172"/>
+          </a:xfrm>
+        </p:grpSpPr>
+        <p:sp>
+          <p:nvSpPr>
+            <p:cNvPr id="35" name="Ovale 34"/>
+            <p:cNvSpPr/>
+            <p:nvPr/>
+          </p:nvSpPr>
+          <p:spPr>
+            <a:xfrm>
+              <a:off x="7744200" y="3055302"/>
+              <a:ext cx="1660945" cy="1065933"/>
+            </a:xfrm>
+            <a:prstGeom prst="ellipse">
+              <a:avLst/>
+            </a:prstGeom>
+            <a:solidFill>
+              <a:schemeClr val="accent4">
+                <a:lumMod val="20000"/>
+                <a:lumOff val="80000"/>
+              </a:schemeClr>
+            </a:solidFill>
+            <a:ln w="12700">
+              <a:solidFill>
+                <a:schemeClr val="tx1"/>
+              </a:solidFill>
+            </a:ln>
+          </p:spPr>
+          <p:style>
+            <a:lnRef idx="2">
+              <a:schemeClr val="accent1">
+                <a:shade val="50000"/>
+              </a:schemeClr>
+            </a:lnRef>
+            <a:fillRef idx="1">
+              <a:schemeClr val="accent1"/>
+            </a:fillRef>
+            <a:effectRef idx="0">
+              <a:schemeClr val="accent1"/>
+            </a:effectRef>
+            <a:fontRef idx="minor">
+              <a:schemeClr val="lt1"/>
+            </a:fontRef>
+          </p:style>
+          <p:txBody>
+            <a:bodyPr rtlCol="0" anchor="ctr"/>
+            <a:lstStyle/>
+            <a:p>
+              <a:pPr algn="ctr"/>
+              <a:r>
+                <a:rPr lang="it-IT" sz="1200" dirty="0" smtClean="0">
+                  <a:solidFill>
+                    <a:schemeClr val="tx1"/>
+                  </a:solidFill>
+                  <a:latin typeface="Century Schoolbook" panose="02040604050505020304" pitchFamily="18" charset="0"/>
+                </a:rPr>
+                <a:t>Manager GUI</a:t>
+              </a:r>
+              <a:endParaRPr lang="it-IT" sz="1200" dirty="0">
+                <a:solidFill>
+                  <a:schemeClr val="tx1"/>
+                </a:solidFill>
+                <a:latin typeface="Century Schoolbook" panose="02040604050505020304" pitchFamily="18" charset="0"/>
+              </a:endParaRPr>
+            </a:p>
+            <a:p>
+              <a:pPr lvl="0" algn="ctr"/>
+              <a:r>
+                <a:rPr lang="it-IT" sz="1100" i="1" dirty="0" smtClean="0">
+                  <a:solidFill>
+                    <a:prstClr val="black"/>
+                  </a:solidFill>
+                  <a:latin typeface="Century Schoolbook" panose="02040604050505020304" pitchFamily="18" charset="0"/>
+                </a:rPr>
+                <a:t>(Web GUI)</a:t>
+              </a:r>
+              <a:endParaRPr lang="it-IT" sz="1400" i="1" dirty="0">
+                <a:solidFill>
+                  <a:prstClr val="black"/>
+                </a:solidFill>
+                <a:latin typeface="Century Schoolbook" panose="02040604050505020304" pitchFamily="18" charset="0"/>
+              </a:endParaRPr>
+            </a:p>
+          </p:txBody>
+        </p:sp>
+        <p:sp>
+          <p:nvSpPr>
+            <p:cNvPr id="36" name="Triangolo isoscele 35"/>
+            <p:cNvSpPr/>
+            <p:nvPr/>
+          </p:nvSpPr>
+          <p:spPr>
+            <a:xfrm rot="16200000">
+              <a:off x="8426433" y="2927509"/>
+              <a:ext cx="296478" cy="255585"/>
+            </a:xfrm>
+            <a:prstGeom prst="triangle">
+              <a:avLst/>
+            </a:prstGeom>
+            <a:solidFill>
+              <a:srgbClr val="FF0000"/>
+            </a:solidFill>
+            <a:ln w="12700">
+              <a:solidFill>
+                <a:schemeClr val="tx1"/>
+              </a:solidFill>
+            </a:ln>
+          </p:spPr>
+          <p:style>
+            <a:lnRef idx="2">
+              <a:schemeClr val="accent1">
+                <a:shade val="50000"/>
+              </a:schemeClr>
+            </a:lnRef>
+            <a:fillRef idx="1">
+              <a:schemeClr val="accent1"/>
+            </a:fillRef>
+            <a:effectRef idx="0">
+              <a:schemeClr val="accent1"/>
+            </a:effectRef>
+            <a:fontRef idx="minor">
+              <a:schemeClr val="lt1"/>
+            </a:fontRef>
+          </p:style>
+          <p:txBody>
+            <a:bodyPr rtlCol="0" anchor="ctr"/>
+            <a:lstStyle/>
+            <a:p>
+              <a:pPr algn="ctr"/>
+              <a:endParaRPr lang="it-IT"/>
+            </a:p>
+          </p:txBody>
+        </p:sp>
+      </p:grpSp>
+      <p:sp>
+        <p:nvSpPr>
+          <p:cNvPr id="37" name="Ovale 36"/>
+          <p:cNvSpPr/>
+          <p:nvPr/>
+        </p:nvSpPr>
+        <p:spPr>
+          <a:xfrm>
+            <a:off x="9631051" y="2142063"/>
+            <a:ext cx="1660945" cy="1065933"/>
+          </a:xfrm>
+          <a:prstGeom prst="ellipse">
+            <a:avLst/>
+          </a:prstGeom>
+          <a:solidFill>
+            <a:schemeClr val="accent1">
+              <a:lumMod val="20000"/>
+              <a:lumOff val="80000"/>
+            </a:schemeClr>
+          </a:solidFill>
+          <a:ln w="12700">
+            <a:solidFill>
+              <a:schemeClr val="tx1"/>
+            </a:solidFill>
+          </a:ln>
+        </p:spPr>
+        <p:style>
+          <a:lnRef idx="2">
+            <a:schemeClr val="accent1">
+              <a:shade val="50000"/>
+            </a:schemeClr>
+          </a:lnRef>
+          <a:fillRef idx="1">
+            <a:schemeClr val="accent1"/>
+          </a:fillRef>
+          <a:effectRef idx="0">
+            <a:schemeClr val="accent1"/>
+          </a:effectRef>
+          <a:fontRef idx="minor">
+            <a:schemeClr val="lt1"/>
+          </a:fontRef>
+        </p:style>
+        <p:txBody>
+          <a:bodyPr rtlCol="0" anchor="ctr"/>
+          <a:lstStyle/>
+          <a:p>
+            <a:pPr algn="ctr"/>
+            <a:r>
+              <a:rPr lang="it-IT" sz="1200" dirty="0" smtClean="0">
+                <a:solidFill>
+                  <a:schemeClr val="tx1"/>
+                </a:solidFill>
+                <a:latin typeface="Century Schoolbook" panose="02040604050505020304" pitchFamily="18" charset="0"/>
+              </a:rPr>
+              <a:t>CoAP Support</a:t>
+            </a:r>
+          </a:p>
+        </p:txBody>
+      </p:sp>
+      <p:cxnSp>
+        <p:nvCxnSpPr>
+          <p:cNvPr id="38" name="Connettore 2 37"/>
+          <p:cNvCxnSpPr/>
+          <p:nvPr/>
+        </p:nvCxnSpPr>
+        <p:spPr>
+          <a:xfrm flipV="1">
+            <a:off x="10461523" y="3283647"/>
+            <a:ext cx="0" cy="917694"/>
+          </a:xfrm>
+          <a:prstGeom prst="straightConnector1">
+            <a:avLst/>
+          </a:prstGeom>
+          <a:ln w="19050">
+            <a:solidFill>
+              <a:schemeClr val="tx1"/>
+            </a:solidFill>
+            <a:headEnd type="none" w="med" len="med"/>
+            <a:tailEnd type="arrow" w="med" len="med"/>
+          </a:ln>
+        </p:spPr>
+        <p:style>
+          <a:lnRef idx="1">
+            <a:schemeClr val="accent1"/>
+          </a:lnRef>
+          <a:fillRef idx="0">
+            <a:schemeClr val="accent1"/>
+          </a:fillRef>
+          <a:effectRef idx="0">
+            <a:schemeClr val="accent1"/>
+          </a:effectRef>
+          <a:fontRef idx="minor">
+            <a:schemeClr val="tx1"/>
+          </a:fontRef>
+        </p:style>
+      </p:cxnSp>
+      <p:cxnSp>
+        <p:nvCxnSpPr>
+          <p:cNvPr id="39" name="Connettore 2 38"/>
+          <p:cNvCxnSpPr/>
+          <p:nvPr/>
+        </p:nvCxnSpPr>
+        <p:spPr>
+          <a:xfrm flipH="1">
+            <a:off x="8585013" y="4883987"/>
+            <a:ext cx="955803" cy="15245"/>
+          </a:xfrm>
+          <a:prstGeom prst="straightConnector1">
+            <a:avLst/>
+          </a:prstGeom>
+          <a:ln w="19050">
+            <a:solidFill>
+              <a:schemeClr val="tx1"/>
+            </a:solidFill>
+            <a:headEnd type="none" w="med" len="med"/>
+            <a:tailEnd type="arrow" w="med" len="med"/>
+          </a:ln>
+        </p:spPr>
+        <p:style>
+          <a:lnRef idx="1">
+            <a:schemeClr val="accent1"/>
+          </a:lnRef>
+          <a:fillRef idx="0">
+            <a:schemeClr val="accent1"/>
+          </a:fillRef>
+          <a:effectRef idx="0">
+            <a:schemeClr val="accent1"/>
+          </a:effectRef>
+          <a:fontRef idx="minor">
+            <a:schemeClr val="tx1"/>
+          </a:fontRef>
+        </p:style>
+      </p:cxnSp>
+      <p:cxnSp>
+        <p:nvCxnSpPr>
+          <p:cNvPr id="40" name="Connettore 2 39"/>
+          <p:cNvCxnSpPr/>
+          <p:nvPr/>
+        </p:nvCxnSpPr>
+        <p:spPr>
+          <a:xfrm flipH="1">
+            <a:off x="4706364" y="4903768"/>
+            <a:ext cx="2044880" cy="0"/>
+          </a:xfrm>
+          <a:prstGeom prst="straightConnector1">
+            <a:avLst/>
+          </a:prstGeom>
+          <a:ln w="19050">
+            <a:solidFill>
+              <a:schemeClr val="tx1"/>
+            </a:solidFill>
+            <a:prstDash val="sysDash"/>
+            <a:headEnd type="none" w="med" len="med"/>
+            <a:tailEnd type="arrow" w="med" len="med"/>
+          </a:ln>
+        </p:spPr>
+        <p:style>
+          <a:lnRef idx="1">
+            <a:schemeClr val="accent1"/>
+          </a:lnRef>
+          <a:fillRef idx="0">
+            <a:schemeClr val="accent1"/>
+          </a:fillRef>
+          <a:effectRef idx="0">
+            <a:schemeClr val="accent1"/>
+          </a:effectRef>
+          <a:fontRef idx="minor">
+            <a:schemeClr val="tx1"/>
+          </a:fontRef>
+        </p:style>
+      </p:cxnSp>
+      <p:sp>
+        <p:nvSpPr>
+          <p:cNvPr id="41" name="CasellaDiTesto 40"/>
+          <p:cNvSpPr txBox="1"/>
+          <p:nvPr/>
+        </p:nvSpPr>
+        <p:spPr>
+          <a:xfrm>
+            <a:off x="5653843" y="4296681"/>
+            <a:ext cx="1186543" cy="523220"/>
+          </a:xfrm>
+          <a:prstGeom prst="rect">
+            <a:avLst/>
+          </a:prstGeom>
+          <a:noFill/>
+        </p:spPr>
+        <p:txBody>
+          <a:bodyPr wrap="none" rtlCol="0">
+            <a:spAutoFit/>
+          </a:bodyPr>
+          <a:lstStyle/>
+          <a:p>
+            <a:r>
+              <a:rPr lang="it-IT" sz="1400" dirty="0" smtClean="0">
+                <a:solidFill>
+                  <a:schemeClr val="bg2">
+                    <a:lumMod val="25000"/>
+                  </a:schemeClr>
+                </a:solidFill>
+                <a:latin typeface="Bookman Old Style" panose="02050604050505020204" pitchFamily="18" charset="0"/>
+              </a:rPr>
+              <a:t>startTrolley</a:t>
+            </a:r>
+          </a:p>
+          <a:p>
+            <a:r>
+              <a:rPr lang="it-IT" sz="1400" dirty="0" smtClean="0">
+                <a:solidFill>
+                  <a:schemeClr val="bg2">
+                    <a:lumMod val="25000"/>
+                  </a:schemeClr>
+                </a:solidFill>
+                <a:latin typeface="Bookman Old Style" panose="02050604050505020204" pitchFamily="18" charset="0"/>
+              </a:rPr>
+              <a:t>stopTrolley</a:t>
+            </a:r>
+            <a:endParaRPr lang="it-IT" sz="1400" dirty="0">
+              <a:solidFill>
+                <a:schemeClr val="bg2">
+                  <a:lumMod val="25000"/>
+                </a:schemeClr>
+              </a:solidFill>
+              <a:latin typeface="Bookman Old Style" panose="02050604050505020204" pitchFamily="18" charset="0"/>
+            </a:endParaRPr>
+          </a:p>
+        </p:txBody>
+      </p:sp>
+      <p:cxnSp>
+        <p:nvCxnSpPr>
+          <p:cNvPr id="42" name="Connettore 2 41"/>
+          <p:cNvCxnSpPr/>
+          <p:nvPr/>
+        </p:nvCxnSpPr>
+        <p:spPr>
+          <a:xfrm flipH="1">
+            <a:off x="5843689" y="4261106"/>
+            <a:ext cx="524722" cy="0"/>
+          </a:xfrm>
+          <a:prstGeom prst="straightConnector1">
+            <a:avLst/>
+          </a:prstGeom>
+          <a:ln w="19050">
+            <a:solidFill>
+              <a:schemeClr val="tx1"/>
+            </a:solidFill>
+            <a:headEnd type="none" w="med" len="med"/>
+            <a:tailEnd type="arrow" w="med" len="med"/>
+          </a:ln>
+        </p:spPr>
+        <p:style>
+          <a:lnRef idx="1">
+            <a:schemeClr val="accent1"/>
+          </a:lnRef>
+          <a:fillRef idx="0">
+            <a:schemeClr val="accent1"/>
+          </a:fillRef>
+          <a:effectRef idx="0">
+            <a:schemeClr val="accent1"/>
+          </a:effectRef>
+          <a:fontRef idx="minor">
+            <a:schemeClr val="tx1"/>
+          </a:fontRef>
+        </p:style>
+      </p:cxnSp>
+      <p:sp>
+        <p:nvSpPr>
+          <p:cNvPr id="43" name="Ovale 42"/>
+          <p:cNvSpPr/>
+          <p:nvPr/>
+        </p:nvSpPr>
+        <p:spPr>
+          <a:xfrm>
+            <a:off x="6878951" y="4366985"/>
+            <a:ext cx="1660945" cy="1065933"/>
+          </a:xfrm>
+          <a:prstGeom prst="ellipse">
+            <a:avLst/>
+          </a:prstGeom>
+          <a:solidFill>
+            <a:schemeClr val="accent1">
+              <a:lumMod val="20000"/>
+              <a:lumOff val="80000"/>
+            </a:schemeClr>
+          </a:solidFill>
+          <a:ln w="12700">
+            <a:solidFill>
+              <a:schemeClr val="tx1"/>
+            </a:solidFill>
+          </a:ln>
+        </p:spPr>
+        <p:style>
+          <a:lnRef idx="2">
+            <a:schemeClr val="accent1">
+              <a:shade val="50000"/>
+            </a:schemeClr>
+          </a:lnRef>
+          <a:fillRef idx="1">
+            <a:schemeClr val="accent1"/>
+          </a:fillRef>
+          <a:effectRef idx="0">
+            <a:schemeClr val="accent1"/>
+          </a:effectRef>
+          <a:fontRef idx="minor">
+            <a:schemeClr val="lt1"/>
+          </a:fontRef>
+        </p:style>
+        <p:txBody>
+          <a:bodyPr rtlCol="0" anchor="ctr"/>
+          <a:lstStyle/>
+          <a:p>
+            <a:pPr algn="ctr"/>
+            <a:r>
+              <a:rPr lang="it-IT" sz="1200" dirty="0" smtClean="0">
+                <a:solidFill>
+                  <a:schemeClr val="tx1"/>
+                </a:solidFill>
+                <a:latin typeface="Century Schoolbook" panose="02040604050505020304" pitchFamily="18" charset="0"/>
+              </a:rPr>
+              <a:t>Conn Qak Base</a:t>
+            </a:r>
+          </a:p>
+        </p:txBody>
+      </p:sp>
+      <p:grpSp>
+        <p:nvGrpSpPr>
+          <p:cNvPr id="44" name="Gruppo 43"/>
+          <p:cNvGrpSpPr/>
+          <p:nvPr/>
+        </p:nvGrpSpPr>
+        <p:grpSpPr>
+          <a:xfrm>
+            <a:off x="2668708" y="2007561"/>
+            <a:ext cx="1926426" cy="1214172"/>
+            <a:chOff x="402476" y="5184618"/>
+            <a:chExt cx="1926426" cy="1214172"/>
+          </a:xfrm>
+        </p:grpSpPr>
+        <p:sp>
+          <p:nvSpPr>
+            <p:cNvPr id="45" name="Ovale 44"/>
+            <p:cNvSpPr/>
+            <p:nvPr/>
+          </p:nvSpPr>
+          <p:spPr>
+            <a:xfrm>
+              <a:off x="667957" y="5332857"/>
+              <a:ext cx="1660945" cy="1065933"/>
+            </a:xfrm>
+            <a:prstGeom prst="ellipse">
+              <a:avLst/>
+            </a:prstGeom>
+            <a:solidFill>
+              <a:schemeClr val="accent2">
+                <a:lumMod val="20000"/>
+                <a:lumOff val="80000"/>
+              </a:schemeClr>
+            </a:solidFill>
+            <a:ln w="12700">
+              <a:solidFill>
+                <a:schemeClr val="tx1"/>
+              </a:solidFill>
+            </a:ln>
+          </p:spPr>
+          <p:style>
+            <a:lnRef idx="2">
+              <a:schemeClr val="accent1">
+                <a:shade val="50000"/>
+              </a:schemeClr>
+            </a:lnRef>
+            <a:fillRef idx="1">
+              <a:schemeClr val="accent1"/>
+            </a:fillRef>
+            <a:effectRef idx="0">
+              <a:schemeClr val="accent1"/>
+            </a:effectRef>
+            <a:fontRef idx="minor">
+              <a:schemeClr val="lt1"/>
+            </a:fontRef>
+          </p:style>
+          <p:txBody>
+            <a:bodyPr rtlCol="0" anchor="ctr"/>
+            <a:lstStyle/>
+            <a:p>
+              <a:pPr algn="ctr"/>
+              <a:r>
+                <a:rPr lang="it-IT" sz="1200" dirty="0">
+                  <a:solidFill>
+                    <a:schemeClr val="tx1"/>
+                  </a:solidFill>
+                  <a:latin typeface="Century Schoolbook" panose="02040604050505020304" pitchFamily="18" charset="0"/>
+                </a:rPr>
+                <a:t>Trolley</a:t>
+              </a:r>
+            </a:p>
+            <a:p>
+              <a:pPr algn="ctr"/>
+              <a:r>
+                <a:rPr lang="it-IT" sz="1200" dirty="0">
+                  <a:solidFill>
+                    <a:schemeClr val="tx1"/>
+                  </a:solidFill>
+                  <a:latin typeface="Century Schoolbook" panose="02040604050505020304" pitchFamily="18" charset="0"/>
+                </a:rPr>
+                <a:t>Actor</a:t>
+              </a:r>
+              <a:endParaRPr lang="it-IT" sz="1400" i="1" dirty="0">
+                <a:solidFill>
+                  <a:schemeClr val="tx1"/>
+                </a:solidFill>
+                <a:latin typeface="Century Schoolbook" panose="02040604050505020304" pitchFamily="18" charset="0"/>
+              </a:endParaRPr>
+            </a:p>
+          </p:txBody>
+        </p:sp>
+        <p:sp>
+          <p:nvSpPr>
+            <p:cNvPr id="46" name="Triangolo isoscele 45"/>
+            <p:cNvSpPr/>
+            <p:nvPr/>
+          </p:nvSpPr>
+          <p:spPr>
+            <a:xfrm rot="16200000">
+              <a:off x="1350190" y="5205064"/>
+              <a:ext cx="296478" cy="255585"/>
+            </a:xfrm>
+            <a:prstGeom prst="triangle">
+              <a:avLst/>
+            </a:prstGeom>
+            <a:solidFill>
+              <a:srgbClr val="FF0000"/>
+            </a:solidFill>
+            <a:ln w="12700">
+              <a:solidFill>
+                <a:schemeClr val="tx1"/>
+              </a:solidFill>
+            </a:ln>
+          </p:spPr>
+          <p:style>
+            <a:lnRef idx="2">
+              <a:schemeClr val="accent1">
+                <a:shade val="50000"/>
+              </a:schemeClr>
+            </a:lnRef>
+            <a:fillRef idx="1">
+              <a:schemeClr val="accent1"/>
+            </a:fillRef>
+            <a:effectRef idx="0">
+              <a:schemeClr val="accent1"/>
+            </a:effectRef>
+            <a:fontRef idx="minor">
+              <a:schemeClr val="lt1"/>
+            </a:fontRef>
+          </p:style>
+          <p:txBody>
+            <a:bodyPr rtlCol="0" anchor="ctr"/>
+            <a:lstStyle/>
+            <a:p>
+              <a:pPr algn="ctr"/>
+              <a:endParaRPr lang="it-IT"/>
+            </a:p>
+          </p:txBody>
+        </p:sp>
+        <p:sp>
+          <p:nvSpPr>
+            <p:cNvPr id="47" name="Rettangolo 46"/>
+            <p:cNvSpPr/>
+            <p:nvPr/>
+          </p:nvSpPr>
+          <p:spPr>
+            <a:xfrm>
+              <a:off x="402476" y="5739696"/>
+              <a:ext cx="530961" cy="252254"/>
+            </a:xfrm>
+            <a:prstGeom prst="rect">
+              <a:avLst/>
+            </a:prstGeom>
+            <a:solidFill>
+              <a:schemeClr val="accent2">
+                <a:lumMod val="20000"/>
+                <a:lumOff val="80000"/>
+              </a:schemeClr>
+            </a:solidFill>
+            <a:ln w="12700">
+              <a:solidFill>
+                <a:schemeClr val="tx1"/>
+              </a:solidFill>
+            </a:ln>
+          </p:spPr>
+          <p:style>
+            <a:lnRef idx="2">
+              <a:schemeClr val="accent1">
+                <a:shade val="50000"/>
+              </a:schemeClr>
+            </a:lnRef>
+            <a:fillRef idx="1">
+              <a:schemeClr val="accent1"/>
+            </a:fillRef>
+            <a:effectRef idx="0">
+              <a:schemeClr val="accent1"/>
+            </a:effectRef>
+            <a:fontRef idx="minor">
+              <a:schemeClr val="lt1"/>
+            </a:fontRef>
+          </p:style>
+          <p:txBody>
+            <a:bodyPr rtlCol="0" anchor="ctr"/>
+            <a:lstStyle/>
+            <a:p>
+              <a:pPr algn="ctr"/>
+              <a:endParaRPr lang="it-IT"/>
+            </a:p>
+          </p:txBody>
+        </p:sp>
+      </p:grpSp>
+      <p:cxnSp>
+        <p:nvCxnSpPr>
+          <p:cNvPr id="54" name="Connettore 2 53"/>
+          <p:cNvCxnSpPr/>
+          <p:nvPr/>
+        </p:nvCxnSpPr>
+        <p:spPr>
+          <a:xfrm flipH="1">
+            <a:off x="4706365" y="2675464"/>
+            <a:ext cx="4765439" cy="13000"/>
+          </a:xfrm>
+          <a:prstGeom prst="straightConnector1">
+            <a:avLst/>
+          </a:prstGeom>
+          <a:ln w="19050">
+            <a:solidFill>
+              <a:schemeClr val="tx1"/>
+            </a:solidFill>
+            <a:prstDash val="sysDash"/>
+            <a:headEnd type="none" w="med" len="med"/>
+            <a:tailEnd type="triangle" w="med" len="med"/>
+          </a:ln>
+        </p:spPr>
+        <p:style>
+          <a:lnRef idx="1">
+            <a:schemeClr val="accent1"/>
+          </a:lnRef>
+          <a:fillRef idx="0">
+            <a:schemeClr val="accent1"/>
+          </a:fillRef>
+          <a:effectRef idx="0">
+            <a:schemeClr val="accent1"/>
+          </a:effectRef>
+          <a:fontRef idx="minor">
+            <a:schemeClr val="tx1"/>
+          </a:fontRef>
+        </p:style>
+      </p:cxnSp>
+      <p:cxnSp>
+        <p:nvCxnSpPr>
+          <p:cNvPr id="55" name="Connettore 2 54"/>
+          <p:cNvCxnSpPr/>
+          <p:nvPr/>
+        </p:nvCxnSpPr>
+        <p:spPr>
+          <a:xfrm>
+            <a:off x="5948959" y="1865447"/>
+            <a:ext cx="524722" cy="0"/>
+          </a:xfrm>
+          <a:prstGeom prst="straightConnector1">
+            <a:avLst/>
+          </a:prstGeom>
+          <a:ln w="19050">
+            <a:solidFill>
+              <a:schemeClr val="tx1"/>
+            </a:solidFill>
+            <a:headEnd type="none" w="med" len="med"/>
+            <a:tailEnd type="arrow" w="med" len="med"/>
+          </a:ln>
+        </p:spPr>
+        <p:style>
+          <a:lnRef idx="1">
+            <a:schemeClr val="accent1"/>
+          </a:lnRef>
+          <a:fillRef idx="0">
+            <a:schemeClr val="accent1"/>
+          </a:fillRef>
+          <a:effectRef idx="0">
+            <a:schemeClr val="accent1"/>
+          </a:effectRef>
+          <a:fontRef idx="minor">
+            <a:schemeClr val="tx1"/>
+          </a:fontRef>
+        </p:style>
+      </p:cxnSp>
+      <p:sp>
+        <p:nvSpPr>
+          <p:cNvPr id="56" name="CasellaDiTesto 55"/>
+          <p:cNvSpPr txBox="1"/>
+          <p:nvPr/>
+        </p:nvSpPr>
+        <p:spPr>
+          <a:xfrm>
+            <a:off x="5759113" y="1894884"/>
+            <a:ext cx="883575" cy="738664"/>
+          </a:xfrm>
+          <a:prstGeom prst="rect">
+            <a:avLst/>
+          </a:prstGeom>
+          <a:noFill/>
+        </p:spPr>
+        <p:txBody>
+          <a:bodyPr wrap="none" rtlCol="0">
+            <a:spAutoFit/>
+          </a:bodyPr>
+          <a:lstStyle/>
+          <a:p>
+            <a:r>
+              <a:rPr lang="it-IT" sz="1400" dirty="0" smtClean="0">
+                <a:solidFill>
+                  <a:schemeClr val="bg2">
+                    <a:lumMod val="25000"/>
+                  </a:schemeClr>
+                </a:solidFill>
+                <a:latin typeface="Bookman Old Style" panose="02050604050505020204" pitchFamily="18" charset="0"/>
+              </a:rPr>
+              <a:t>idle</a:t>
+            </a:r>
+          </a:p>
+          <a:p>
+            <a:r>
+              <a:rPr lang="it-IT" sz="1400" dirty="0" smtClean="0">
+                <a:solidFill>
+                  <a:schemeClr val="bg2">
+                    <a:lumMod val="25000"/>
+                  </a:schemeClr>
+                </a:solidFill>
+                <a:latin typeface="Bookman Old Style" panose="02050604050505020204" pitchFamily="18" charset="0"/>
+              </a:rPr>
+              <a:t>working</a:t>
+            </a:r>
+          </a:p>
+          <a:p>
+            <a:r>
+              <a:rPr lang="it-IT" sz="1400" dirty="0" smtClean="0">
+                <a:solidFill>
+                  <a:schemeClr val="bg2">
+                    <a:lumMod val="25000"/>
+                  </a:schemeClr>
+                </a:solidFill>
+                <a:latin typeface="Bookman Old Style" panose="02050604050505020204" pitchFamily="18" charset="0"/>
+              </a:rPr>
+              <a:t>stopped</a:t>
+            </a:r>
+            <a:endParaRPr lang="it-IT" sz="1400" dirty="0">
+              <a:solidFill>
+                <a:schemeClr val="bg2">
+                  <a:lumMod val="25000"/>
+                </a:schemeClr>
+              </a:solidFill>
+              <a:latin typeface="Bookman Old Style" panose="02050604050505020204" pitchFamily="18" charset="0"/>
+            </a:endParaRPr>
+          </a:p>
+        </p:txBody>
+      </p:sp>
+      <p:grpSp>
+        <p:nvGrpSpPr>
+          <p:cNvPr id="64" name="Gruppo 63"/>
+          <p:cNvGrpSpPr/>
+          <p:nvPr/>
+        </p:nvGrpSpPr>
+        <p:grpSpPr>
+          <a:xfrm>
+            <a:off x="2668708" y="4222562"/>
+            <a:ext cx="1926426" cy="1214172"/>
+            <a:chOff x="402476" y="5184618"/>
+            <a:chExt cx="1926426" cy="1214172"/>
+          </a:xfrm>
+        </p:grpSpPr>
+        <p:sp>
+          <p:nvSpPr>
+            <p:cNvPr id="65" name="Ovale 64"/>
+            <p:cNvSpPr/>
+            <p:nvPr/>
+          </p:nvSpPr>
+          <p:spPr>
+            <a:xfrm>
+              <a:off x="667957" y="5332857"/>
+              <a:ext cx="1660945" cy="1065933"/>
+            </a:xfrm>
+            <a:prstGeom prst="ellipse">
+              <a:avLst/>
+            </a:prstGeom>
+            <a:solidFill>
+              <a:schemeClr val="accent2">
+                <a:lumMod val="20000"/>
+                <a:lumOff val="80000"/>
+              </a:schemeClr>
+            </a:solidFill>
+            <a:ln w="12700">
+              <a:solidFill>
+                <a:schemeClr val="tx1"/>
+              </a:solidFill>
+            </a:ln>
+          </p:spPr>
+          <p:style>
+            <a:lnRef idx="2">
+              <a:schemeClr val="accent1">
+                <a:shade val="50000"/>
+              </a:schemeClr>
+            </a:lnRef>
+            <a:fillRef idx="1">
+              <a:schemeClr val="accent1"/>
+            </a:fillRef>
+            <a:effectRef idx="0">
+              <a:schemeClr val="accent1"/>
+            </a:effectRef>
+            <a:fontRef idx="minor">
+              <a:schemeClr val="lt1"/>
+            </a:fontRef>
+          </p:style>
+          <p:txBody>
+            <a:bodyPr rtlCol="0" anchor="ctr"/>
+            <a:lstStyle/>
+            <a:p>
+              <a:pPr algn="ctr"/>
+              <a:r>
+                <a:rPr lang="it-IT" sz="1200" dirty="0">
+                  <a:solidFill>
+                    <a:schemeClr val="tx1"/>
+                  </a:solidFill>
+                  <a:latin typeface="Century Schoolbook" panose="02040604050505020304" pitchFamily="18" charset="0"/>
+                </a:rPr>
+                <a:t>Park Service Status GUI Actor</a:t>
+              </a:r>
+            </a:p>
+            <a:p>
+              <a:pPr lvl="0" algn="ctr"/>
+              <a:r>
+                <a:rPr lang="it-IT" sz="1100" i="1" dirty="0">
+                  <a:solidFill>
+                    <a:prstClr val="black"/>
+                  </a:solidFill>
+                  <a:latin typeface="Century Schoolbook" panose="02040604050505020304" pitchFamily="18" charset="0"/>
+                </a:rPr>
+                <a:t>(manager’s)</a:t>
+              </a:r>
+              <a:endParaRPr lang="it-IT" sz="1400" i="1" dirty="0">
+                <a:solidFill>
+                  <a:prstClr val="black"/>
+                </a:solidFill>
+                <a:latin typeface="Century Schoolbook" panose="02040604050505020304" pitchFamily="18" charset="0"/>
+              </a:endParaRPr>
+            </a:p>
+          </p:txBody>
+        </p:sp>
+        <p:sp>
+          <p:nvSpPr>
+            <p:cNvPr id="66" name="Triangolo isoscele 65"/>
+            <p:cNvSpPr/>
+            <p:nvPr/>
+          </p:nvSpPr>
+          <p:spPr>
+            <a:xfrm rot="16200000">
+              <a:off x="1350190" y="5205064"/>
+              <a:ext cx="296478" cy="255585"/>
+            </a:xfrm>
+            <a:prstGeom prst="triangle">
+              <a:avLst/>
+            </a:prstGeom>
+            <a:solidFill>
+              <a:srgbClr val="FF0000"/>
+            </a:solidFill>
+            <a:ln w="12700">
+              <a:solidFill>
+                <a:schemeClr val="tx1"/>
+              </a:solidFill>
+            </a:ln>
+          </p:spPr>
+          <p:style>
+            <a:lnRef idx="2">
+              <a:schemeClr val="accent1">
+                <a:shade val="50000"/>
+              </a:schemeClr>
+            </a:lnRef>
+            <a:fillRef idx="1">
+              <a:schemeClr val="accent1"/>
+            </a:fillRef>
+            <a:effectRef idx="0">
+              <a:schemeClr val="accent1"/>
+            </a:effectRef>
+            <a:fontRef idx="minor">
+              <a:schemeClr val="lt1"/>
+            </a:fontRef>
+          </p:style>
+          <p:txBody>
+            <a:bodyPr rtlCol="0" anchor="ctr"/>
+            <a:lstStyle/>
+            <a:p>
+              <a:pPr algn="ctr"/>
+              <a:endParaRPr lang="it-IT"/>
+            </a:p>
+          </p:txBody>
+        </p:sp>
+        <p:sp>
+          <p:nvSpPr>
+            <p:cNvPr id="67" name="Rettangolo 66"/>
+            <p:cNvSpPr/>
+            <p:nvPr/>
+          </p:nvSpPr>
+          <p:spPr>
+            <a:xfrm>
+              <a:off x="402476" y="5739696"/>
+              <a:ext cx="530961" cy="252254"/>
+            </a:xfrm>
+            <a:prstGeom prst="rect">
+              <a:avLst/>
+            </a:prstGeom>
+            <a:solidFill>
+              <a:schemeClr val="accent2">
+                <a:lumMod val="20000"/>
+                <a:lumOff val="80000"/>
+              </a:schemeClr>
+            </a:solidFill>
+            <a:ln w="12700">
+              <a:solidFill>
+                <a:schemeClr val="tx1"/>
+              </a:solidFill>
+            </a:ln>
+          </p:spPr>
+          <p:style>
+            <a:lnRef idx="2">
+              <a:schemeClr val="accent1">
+                <a:shade val="50000"/>
+              </a:schemeClr>
+            </a:lnRef>
+            <a:fillRef idx="1">
+              <a:schemeClr val="accent1"/>
+            </a:fillRef>
+            <a:effectRef idx="0">
+              <a:schemeClr val="accent1"/>
+            </a:effectRef>
+            <a:fontRef idx="minor">
+              <a:schemeClr val="lt1"/>
+            </a:fontRef>
+          </p:style>
+          <p:txBody>
+            <a:bodyPr rtlCol="0" anchor="ctr"/>
+            <a:lstStyle/>
+            <a:p>
+              <a:pPr algn="ctr"/>
+              <a:endParaRPr lang="it-IT"/>
+            </a:p>
+          </p:txBody>
+        </p:sp>
+      </p:grpSp>
+      <p:cxnSp>
+        <p:nvCxnSpPr>
+          <p:cNvPr id="70" name="Connettore 2 69"/>
+          <p:cNvCxnSpPr/>
+          <p:nvPr/>
+        </p:nvCxnSpPr>
+        <p:spPr>
+          <a:xfrm flipV="1">
+            <a:off x="3764662" y="3283647"/>
+            <a:ext cx="0" cy="917694"/>
+          </a:xfrm>
+          <a:prstGeom prst="straightConnector1">
+            <a:avLst/>
+          </a:prstGeom>
+          <a:ln w="19050">
+            <a:solidFill>
+              <a:schemeClr val="tx1"/>
+            </a:solidFill>
+            <a:prstDash val="sysDash"/>
+            <a:headEnd type="none" w="med" len="med"/>
+            <a:tailEnd type="arrow" w="med" len="med"/>
+          </a:ln>
+        </p:spPr>
+        <p:style>
+          <a:lnRef idx="1">
+            <a:schemeClr val="accent1"/>
+          </a:lnRef>
+          <a:fillRef idx="0">
+            <a:schemeClr val="accent1"/>
+          </a:fillRef>
+          <a:effectRef idx="0">
+            <a:schemeClr val="accent1"/>
+          </a:effectRef>
+          <a:fontRef idx="minor">
+            <a:schemeClr val="tx1"/>
+          </a:fontRef>
+        </p:style>
+      </p:cxnSp>
+    </p:spTree>
+    <p:extLst>
+      <p:ext uri="{BB962C8B-B14F-4D97-AF65-F5344CB8AC3E}">
+        <p14:creationId xmlns:p14="http://schemas.microsoft.com/office/powerpoint/2010/main" val="2614743395"/>
       </p:ext>
     </p:extLst>
   </p:cSld>
@@ -20020,7 +21206,7 @@
                 <a14:useLocalDpi xmlns:a14="http://schemas.microsoft.com/office/drawing/2010/main" val="0"/>
               </a:ext>
               <a:ext uri="{96DAC541-7B7A-43D3-8B79-37D633B846F1}">
-                <asvg:svgBlip xmlns="" xmlns:asvg="http://schemas.microsoft.com/office/drawing/2016/SVG/main" r:embed="rId3"/>
+                <asvg:svgBlip xmlns:asvg="http://schemas.microsoft.com/office/drawing/2016/SVG/main" xmlns="" r:embed="rId3"/>
               </a:ext>
             </a:extLst>
           </a:blip>

--- a/Sprint 3/userDocs/img/final_task_schema.pptx
+++ b/Sprint 3/userDocs/img/final_task_schema.pptx
@@ -24,6 +24,7 @@
     <p:sldId id="287" r:id="rId18"/>
     <p:sldId id="289" r:id="rId19"/>
     <p:sldId id="290" r:id="rId20"/>
+    <p:sldId id="291" r:id="rId21"/>
   </p:sldIdLst>
   <p:sldSz cx="12192000" cy="6858000"/>
   <p:notesSz cx="6858000" cy="9144000"/>
@@ -18985,6 +18986,5782 @@
     <p:extLst>
       <p:ext uri="{BB962C8B-B14F-4D97-AF65-F5344CB8AC3E}">
         <p14:creationId xmlns:p14="http://schemas.microsoft.com/office/powerpoint/2010/main" val="961798572"/>
+      </p:ext>
+    </p:extLst>
+  </p:cSld>
+  <p:clrMapOvr>
+    <a:masterClrMapping/>
+  </p:clrMapOvr>
+</p:sld>
+</file>
+
+<file path=ppt/slides/slide20.xml><?xml version="1.0" encoding="utf-8"?>
+<p:sld xmlns:a="http://schemas.openxmlformats.org/drawingml/2006/main" xmlns:r="http://schemas.openxmlformats.org/officeDocument/2006/relationships" xmlns:p="http://schemas.openxmlformats.org/presentationml/2006/main">
+  <p:cSld>
+    <p:spTree>
+      <p:nvGrpSpPr>
+        <p:cNvPr id="1" name=""/>
+        <p:cNvGrpSpPr/>
+        <p:nvPr/>
+      </p:nvGrpSpPr>
+      <p:grpSpPr>
+        <a:xfrm>
+          <a:off x="0" y="0"/>
+          <a:ext cx="0" cy="0"/>
+          <a:chOff x="0" y="0"/>
+          <a:chExt cx="0" cy="0"/>
+        </a:xfrm>
+      </p:grpSpPr>
+      <p:grpSp>
+        <p:nvGrpSpPr>
+          <p:cNvPr id="4" name="Gruppo 3"/>
+          <p:cNvGrpSpPr/>
+          <p:nvPr/>
+        </p:nvGrpSpPr>
+        <p:grpSpPr>
+          <a:xfrm>
+            <a:off x="6821385" y="2246964"/>
+            <a:ext cx="1926426" cy="1214172"/>
+            <a:chOff x="402476" y="5184618"/>
+            <a:chExt cx="1926426" cy="1214172"/>
+          </a:xfrm>
+        </p:grpSpPr>
+        <p:sp>
+          <p:nvSpPr>
+            <p:cNvPr id="5" name="Ovale 4"/>
+            <p:cNvSpPr/>
+            <p:nvPr/>
+          </p:nvSpPr>
+          <p:spPr>
+            <a:xfrm>
+              <a:off x="667957" y="5332857"/>
+              <a:ext cx="1660945" cy="1065933"/>
+            </a:xfrm>
+            <a:prstGeom prst="ellipse">
+              <a:avLst/>
+            </a:prstGeom>
+            <a:solidFill>
+              <a:schemeClr val="accent2">
+                <a:lumMod val="20000"/>
+                <a:lumOff val="80000"/>
+              </a:schemeClr>
+            </a:solidFill>
+            <a:ln w="12700">
+              <a:solidFill>
+                <a:schemeClr val="tx1"/>
+              </a:solidFill>
+            </a:ln>
+          </p:spPr>
+          <p:style>
+            <a:lnRef idx="2">
+              <a:schemeClr val="accent1">
+                <a:shade val="50000"/>
+              </a:schemeClr>
+            </a:lnRef>
+            <a:fillRef idx="1">
+              <a:schemeClr val="accent1"/>
+            </a:fillRef>
+            <a:effectRef idx="0">
+              <a:schemeClr val="accent1"/>
+            </a:effectRef>
+            <a:fontRef idx="minor">
+              <a:schemeClr val="lt1"/>
+            </a:fontRef>
+          </p:style>
+          <p:txBody>
+            <a:bodyPr rtlCol="0" anchor="ctr"/>
+            <a:lstStyle/>
+            <a:p>
+              <a:pPr algn="ctr"/>
+              <a:r>
+                <a:rPr lang="it-IT" sz="1200" dirty="0">
+                  <a:solidFill>
+                    <a:schemeClr val="tx1"/>
+                  </a:solidFill>
+                  <a:latin typeface="Century Schoolbook" panose="02040604050505020304" pitchFamily="18" charset="0"/>
+                </a:rPr>
+                <a:t>Park Manager Service</a:t>
+              </a:r>
+            </a:p>
+            <a:p>
+              <a:pPr algn="ctr"/>
+              <a:r>
+                <a:rPr lang="it-IT" sz="1100" i="1" dirty="0">
+                  <a:solidFill>
+                    <a:schemeClr val="tx1"/>
+                  </a:solidFill>
+                  <a:latin typeface="Century Schoolbook" panose="02040604050505020304" pitchFamily="18" charset="0"/>
+                </a:rPr>
+                <a:t>(business logic)</a:t>
+              </a:r>
+              <a:endParaRPr lang="it-IT" sz="1400" i="1" dirty="0">
+                <a:solidFill>
+                  <a:schemeClr val="tx1"/>
+                </a:solidFill>
+                <a:latin typeface="Century Schoolbook" panose="02040604050505020304" pitchFamily="18" charset="0"/>
+              </a:endParaRPr>
+            </a:p>
+          </p:txBody>
+        </p:sp>
+        <p:sp>
+          <p:nvSpPr>
+            <p:cNvPr id="6" name="Triangolo isoscele 5"/>
+            <p:cNvSpPr/>
+            <p:nvPr/>
+          </p:nvSpPr>
+          <p:spPr>
+            <a:xfrm rot="16200000">
+              <a:off x="1350190" y="5205064"/>
+              <a:ext cx="296478" cy="255585"/>
+            </a:xfrm>
+            <a:prstGeom prst="triangle">
+              <a:avLst/>
+            </a:prstGeom>
+            <a:solidFill>
+              <a:srgbClr val="FF0000"/>
+            </a:solidFill>
+            <a:ln w="12700">
+              <a:solidFill>
+                <a:schemeClr val="tx1"/>
+              </a:solidFill>
+            </a:ln>
+          </p:spPr>
+          <p:style>
+            <a:lnRef idx="2">
+              <a:schemeClr val="accent1">
+                <a:shade val="50000"/>
+              </a:schemeClr>
+            </a:lnRef>
+            <a:fillRef idx="1">
+              <a:schemeClr val="accent1"/>
+            </a:fillRef>
+            <a:effectRef idx="0">
+              <a:schemeClr val="accent1"/>
+            </a:effectRef>
+            <a:fontRef idx="minor">
+              <a:schemeClr val="lt1"/>
+            </a:fontRef>
+          </p:style>
+          <p:txBody>
+            <a:bodyPr rtlCol="0" anchor="ctr"/>
+            <a:lstStyle/>
+            <a:p>
+              <a:pPr algn="ctr"/>
+              <a:endParaRPr lang="it-IT"/>
+            </a:p>
+          </p:txBody>
+        </p:sp>
+        <p:sp>
+          <p:nvSpPr>
+            <p:cNvPr id="7" name="Rettangolo 6"/>
+            <p:cNvSpPr/>
+            <p:nvPr/>
+          </p:nvSpPr>
+          <p:spPr>
+            <a:xfrm>
+              <a:off x="402476" y="5739696"/>
+              <a:ext cx="530961" cy="252254"/>
+            </a:xfrm>
+            <a:prstGeom prst="rect">
+              <a:avLst/>
+            </a:prstGeom>
+            <a:solidFill>
+              <a:schemeClr val="accent2">
+                <a:lumMod val="20000"/>
+                <a:lumOff val="80000"/>
+              </a:schemeClr>
+            </a:solidFill>
+            <a:ln w="12700">
+              <a:solidFill>
+                <a:schemeClr val="tx1"/>
+              </a:solidFill>
+            </a:ln>
+          </p:spPr>
+          <p:style>
+            <a:lnRef idx="2">
+              <a:schemeClr val="accent1">
+                <a:shade val="50000"/>
+              </a:schemeClr>
+            </a:lnRef>
+            <a:fillRef idx="1">
+              <a:schemeClr val="accent1"/>
+            </a:fillRef>
+            <a:effectRef idx="0">
+              <a:schemeClr val="accent1"/>
+            </a:effectRef>
+            <a:fontRef idx="minor">
+              <a:schemeClr val="lt1"/>
+            </a:fontRef>
+          </p:style>
+          <p:txBody>
+            <a:bodyPr rtlCol="0" anchor="ctr"/>
+            <a:lstStyle/>
+            <a:p>
+              <a:pPr algn="ctr"/>
+              <a:endParaRPr lang="it-IT"/>
+            </a:p>
+          </p:txBody>
+        </p:sp>
+      </p:grpSp>
+      <p:grpSp>
+        <p:nvGrpSpPr>
+          <p:cNvPr id="8" name="Gruppo 7"/>
+          <p:cNvGrpSpPr/>
+          <p:nvPr/>
+        </p:nvGrpSpPr>
+        <p:grpSpPr>
+          <a:xfrm>
+            <a:off x="6806673" y="63017"/>
+            <a:ext cx="1926426" cy="1214172"/>
+            <a:chOff x="402476" y="5184618"/>
+            <a:chExt cx="1926426" cy="1214172"/>
+          </a:xfrm>
+        </p:grpSpPr>
+        <p:sp>
+          <p:nvSpPr>
+            <p:cNvPr id="9" name="Ovale 8"/>
+            <p:cNvSpPr/>
+            <p:nvPr/>
+          </p:nvSpPr>
+          <p:spPr>
+            <a:xfrm>
+              <a:off x="667957" y="5332857"/>
+              <a:ext cx="1660945" cy="1065933"/>
+            </a:xfrm>
+            <a:prstGeom prst="ellipse">
+              <a:avLst/>
+            </a:prstGeom>
+            <a:solidFill>
+              <a:schemeClr val="accent2">
+                <a:lumMod val="20000"/>
+                <a:lumOff val="80000"/>
+              </a:schemeClr>
+            </a:solidFill>
+            <a:ln w="12700">
+              <a:solidFill>
+                <a:schemeClr val="tx1"/>
+              </a:solidFill>
+            </a:ln>
+          </p:spPr>
+          <p:style>
+            <a:lnRef idx="2">
+              <a:schemeClr val="accent1">
+                <a:shade val="50000"/>
+              </a:schemeClr>
+            </a:lnRef>
+            <a:fillRef idx="1">
+              <a:schemeClr val="accent1"/>
+            </a:fillRef>
+            <a:effectRef idx="0">
+              <a:schemeClr val="accent1"/>
+            </a:effectRef>
+            <a:fontRef idx="minor">
+              <a:schemeClr val="lt1"/>
+            </a:fontRef>
+          </p:style>
+          <p:txBody>
+            <a:bodyPr rtlCol="0" anchor="ctr"/>
+            <a:lstStyle/>
+            <a:p>
+              <a:pPr algn="ctr"/>
+              <a:r>
+                <a:rPr lang="it-IT" sz="1200" dirty="0">
+                  <a:solidFill>
+                    <a:schemeClr val="tx1"/>
+                  </a:solidFill>
+                  <a:latin typeface="Century Schoolbook" panose="02040604050505020304" pitchFamily="18" charset="0"/>
+                </a:rPr>
+                <a:t>Park Service GUI Actor</a:t>
+              </a:r>
+            </a:p>
+            <a:p>
+              <a:pPr lvl="0" algn="ctr"/>
+              <a:r>
+                <a:rPr lang="it-IT" sz="1100" i="1" dirty="0">
+                  <a:solidFill>
+                    <a:prstClr val="black"/>
+                  </a:solidFill>
+                  <a:latin typeface="Century Schoolbook" panose="02040604050505020304" pitchFamily="18" charset="0"/>
+                </a:rPr>
+                <a:t>(client’s)</a:t>
+              </a:r>
+              <a:endParaRPr lang="it-IT" sz="1400" i="1" dirty="0">
+                <a:solidFill>
+                  <a:prstClr val="black"/>
+                </a:solidFill>
+                <a:latin typeface="Century Schoolbook" panose="02040604050505020304" pitchFamily="18" charset="0"/>
+              </a:endParaRPr>
+            </a:p>
+          </p:txBody>
+        </p:sp>
+        <p:sp>
+          <p:nvSpPr>
+            <p:cNvPr id="10" name="Triangolo isoscele 9"/>
+            <p:cNvSpPr/>
+            <p:nvPr/>
+          </p:nvSpPr>
+          <p:spPr>
+            <a:xfrm rot="16200000">
+              <a:off x="1350190" y="5205064"/>
+              <a:ext cx="296478" cy="255585"/>
+            </a:xfrm>
+            <a:prstGeom prst="triangle">
+              <a:avLst/>
+            </a:prstGeom>
+            <a:solidFill>
+              <a:srgbClr val="FF0000"/>
+            </a:solidFill>
+            <a:ln w="12700">
+              <a:solidFill>
+                <a:schemeClr val="tx1"/>
+              </a:solidFill>
+            </a:ln>
+          </p:spPr>
+          <p:style>
+            <a:lnRef idx="2">
+              <a:schemeClr val="accent1">
+                <a:shade val="50000"/>
+              </a:schemeClr>
+            </a:lnRef>
+            <a:fillRef idx="1">
+              <a:schemeClr val="accent1"/>
+            </a:fillRef>
+            <a:effectRef idx="0">
+              <a:schemeClr val="accent1"/>
+            </a:effectRef>
+            <a:fontRef idx="minor">
+              <a:schemeClr val="lt1"/>
+            </a:fontRef>
+          </p:style>
+          <p:txBody>
+            <a:bodyPr rtlCol="0" anchor="ctr"/>
+            <a:lstStyle/>
+            <a:p>
+              <a:pPr algn="ctr"/>
+              <a:endParaRPr lang="it-IT"/>
+            </a:p>
+          </p:txBody>
+        </p:sp>
+        <p:sp>
+          <p:nvSpPr>
+            <p:cNvPr id="11" name="Rettangolo 10"/>
+            <p:cNvSpPr/>
+            <p:nvPr/>
+          </p:nvSpPr>
+          <p:spPr>
+            <a:xfrm>
+              <a:off x="402476" y="5739696"/>
+              <a:ext cx="530961" cy="252254"/>
+            </a:xfrm>
+            <a:prstGeom prst="rect">
+              <a:avLst/>
+            </a:prstGeom>
+            <a:solidFill>
+              <a:schemeClr val="accent2">
+                <a:lumMod val="20000"/>
+                <a:lumOff val="80000"/>
+              </a:schemeClr>
+            </a:solidFill>
+            <a:ln w="12700">
+              <a:solidFill>
+                <a:schemeClr val="tx1"/>
+              </a:solidFill>
+            </a:ln>
+          </p:spPr>
+          <p:style>
+            <a:lnRef idx="2">
+              <a:schemeClr val="accent1">
+                <a:shade val="50000"/>
+              </a:schemeClr>
+            </a:lnRef>
+            <a:fillRef idx="1">
+              <a:schemeClr val="accent1"/>
+            </a:fillRef>
+            <a:effectRef idx="0">
+              <a:schemeClr val="accent1"/>
+            </a:effectRef>
+            <a:fontRef idx="minor">
+              <a:schemeClr val="lt1"/>
+            </a:fontRef>
+          </p:style>
+          <p:txBody>
+            <a:bodyPr rtlCol="0" anchor="ctr"/>
+            <a:lstStyle/>
+            <a:p>
+              <a:pPr algn="ctr"/>
+              <a:endParaRPr lang="it-IT"/>
+            </a:p>
+          </p:txBody>
+        </p:sp>
+      </p:grpSp>
+      <p:sp>
+        <p:nvSpPr>
+          <p:cNvPr id="12" name="CasellaDiTesto 11"/>
+          <p:cNvSpPr txBox="1"/>
+          <p:nvPr/>
+        </p:nvSpPr>
+        <p:spPr>
+          <a:xfrm>
+            <a:off x="8863522" y="2404911"/>
+            <a:ext cx="1208985" cy="276999"/>
+          </a:xfrm>
+          <a:prstGeom prst="rect">
+            <a:avLst/>
+          </a:prstGeom>
+          <a:noFill/>
+        </p:spPr>
+        <p:txBody>
+          <a:bodyPr wrap="none" rtlCol="0">
+            <a:spAutoFit/>
+          </a:bodyPr>
+          <a:lstStyle/>
+          <a:p>
+            <a:r>
+              <a:rPr lang="it-IT" sz="1200" dirty="0">
+                <a:solidFill>
+                  <a:schemeClr val="accent1">
+                    <a:lumMod val="50000"/>
+                  </a:schemeClr>
+                </a:solidFill>
+                <a:latin typeface="Bookman Old Style" panose="02050604050505020204" pitchFamily="18" charset="0"/>
+              </a:rPr>
+              <a:t>goto</a:t>
+            </a:r>
+            <a:r>
+              <a:rPr lang="it-IT" sz="1200" dirty="0" smtClean="0">
+                <a:solidFill>
+                  <a:schemeClr val="accent1">
+                    <a:lumMod val="50000"/>
+                  </a:schemeClr>
+                </a:solidFill>
+                <a:latin typeface="Bookman Old Style" panose="02050604050505020204" pitchFamily="18" charset="0"/>
+              </a:rPr>
+              <a:t>( PLACE )</a:t>
+            </a:r>
+            <a:endParaRPr lang="it-IT" sz="1200" dirty="0">
+              <a:solidFill>
+                <a:schemeClr val="accent1">
+                  <a:lumMod val="50000"/>
+                </a:schemeClr>
+              </a:solidFill>
+              <a:latin typeface="Bookman Old Style" panose="02050604050505020204" pitchFamily="18" charset="0"/>
+            </a:endParaRPr>
+          </a:p>
+        </p:txBody>
+      </p:sp>
+      <p:grpSp>
+        <p:nvGrpSpPr>
+          <p:cNvPr id="13" name="Gruppo 12"/>
+          <p:cNvGrpSpPr/>
+          <p:nvPr/>
+        </p:nvGrpSpPr>
+        <p:grpSpPr>
+          <a:xfrm>
+            <a:off x="10170434" y="2233174"/>
+            <a:ext cx="1926426" cy="1214172"/>
+            <a:chOff x="402476" y="5184618"/>
+            <a:chExt cx="1926426" cy="1214172"/>
+          </a:xfrm>
+        </p:grpSpPr>
+        <p:sp>
+          <p:nvSpPr>
+            <p:cNvPr id="14" name="Ovale 13"/>
+            <p:cNvSpPr/>
+            <p:nvPr/>
+          </p:nvSpPr>
+          <p:spPr>
+            <a:xfrm>
+              <a:off x="667957" y="5332857"/>
+              <a:ext cx="1660945" cy="1065933"/>
+            </a:xfrm>
+            <a:prstGeom prst="ellipse">
+              <a:avLst/>
+            </a:prstGeom>
+            <a:solidFill>
+              <a:schemeClr val="accent2">
+                <a:lumMod val="20000"/>
+                <a:lumOff val="80000"/>
+              </a:schemeClr>
+            </a:solidFill>
+            <a:ln w="12700">
+              <a:solidFill>
+                <a:schemeClr val="tx1"/>
+              </a:solidFill>
+            </a:ln>
+          </p:spPr>
+          <p:style>
+            <a:lnRef idx="2">
+              <a:schemeClr val="accent1">
+                <a:shade val="50000"/>
+              </a:schemeClr>
+            </a:lnRef>
+            <a:fillRef idx="1">
+              <a:schemeClr val="accent1"/>
+            </a:fillRef>
+            <a:effectRef idx="0">
+              <a:schemeClr val="accent1"/>
+            </a:effectRef>
+            <a:fontRef idx="minor">
+              <a:schemeClr val="lt1"/>
+            </a:fontRef>
+          </p:style>
+          <p:txBody>
+            <a:bodyPr rtlCol="0" anchor="ctr"/>
+            <a:lstStyle/>
+            <a:p>
+              <a:pPr algn="ctr"/>
+              <a:r>
+                <a:rPr lang="it-IT" sz="1200" dirty="0">
+                  <a:solidFill>
+                    <a:schemeClr val="tx1"/>
+                  </a:solidFill>
+                  <a:latin typeface="Century Schoolbook" panose="02040604050505020304" pitchFamily="18" charset="0"/>
+                </a:rPr>
+                <a:t>Trolley</a:t>
+              </a:r>
+            </a:p>
+            <a:p>
+              <a:pPr algn="ctr"/>
+              <a:r>
+                <a:rPr lang="it-IT" sz="1200" dirty="0">
+                  <a:solidFill>
+                    <a:schemeClr val="tx1"/>
+                  </a:solidFill>
+                  <a:latin typeface="Century Schoolbook" panose="02040604050505020304" pitchFamily="18" charset="0"/>
+                </a:rPr>
+                <a:t>Actor</a:t>
+              </a:r>
+              <a:endParaRPr lang="it-IT" sz="1400" i="1" dirty="0">
+                <a:solidFill>
+                  <a:schemeClr val="tx1"/>
+                </a:solidFill>
+                <a:latin typeface="Century Schoolbook" panose="02040604050505020304" pitchFamily="18" charset="0"/>
+              </a:endParaRPr>
+            </a:p>
+          </p:txBody>
+        </p:sp>
+        <p:sp>
+          <p:nvSpPr>
+            <p:cNvPr id="15" name="Triangolo isoscele 14"/>
+            <p:cNvSpPr/>
+            <p:nvPr/>
+          </p:nvSpPr>
+          <p:spPr>
+            <a:xfrm rot="16200000">
+              <a:off x="1350190" y="5205064"/>
+              <a:ext cx="296478" cy="255585"/>
+            </a:xfrm>
+            <a:prstGeom prst="triangle">
+              <a:avLst/>
+            </a:prstGeom>
+            <a:solidFill>
+              <a:srgbClr val="FF0000"/>
+            </a:solidFill>
+            <a:ln w="12700">
+              <a:solidFill>
+                <a:schemeClr val="tx1"/>
+              </a:solidFill>
+            </a:ln>
+          </p:spPr>
+          <p:style>
+            <a:lnRef idx="2">
+              <a:schemeClr val="accent1">
+                <a:shade val="50000"/>
+              </a:schemeClr>
+            </a:lnRef>
+            <a:fillRef idx="1">
+              <a:schemeClr val="accent1"/>
+            </a:fillRef>
+            <a:effectRef idx="0">
+              <a:schemeClr val="accent1"/>
+            </a:effectRef>
+            <a:fontRef idx="minor">
+              <a:schemeClr val="lt1"/>
+            </a:fontRef>
+          </p:style>
+          <p:txBody>
+            <a:bodyPr rtlCol="0" anchor="ctr"/>
+            <a:lstStyle/>
+            <a:p>
+              <a:pPr algn="ctr"/>
+              <a:endParaRPr lang="it-IT"/>
+            </a:p>
+          </p:txBody>
+        </p:sp>
+        <p:sp>
+          <p:nvSpPr>
+            <p:cNvPr id="16" name="Rettangolo 15"/>
+            <p:cNvSpPr/>
+            <p:nvPr/>
+          </p:nvSpPr>
+          <p:spPr>
+            <a:xfrm>
+              <a:off x="402476" y="5739696"/>
+              <a:ext cx="530961" cy="252254"/>
+            </a:xfrm>
+            <a:prstGeom prst="rect">
+              <a:avLst/>
+            </a:prstGeom>
+            <a:solidFill>
+              <a:schemeClr val="accent2">
+                <a:lumMod val="20000"/>
+                <a:lumOff val="80000"/>
+              </a:schemeClr>
+            </a:solidFill>
+            <a:ln w="12700">
+              <a:solidFill>
+                <a:schemeClr val="tx1"/>
+              </a:solidFill>
+            </a:ln>
+          </p:spPr>
+          <p:style>
+            <a:lnRef idx="2">
+              <a:schemeClr val="accent1">
+                <a:shade val="50000"/>
+              </a:schemeClr>
+            </a:lnRef>
+            <a:fillRef idx="1">
+              <a:schemeClr val="accent1"/>
+            </a:fillRef>
+            <a:effectRef idx="0">
+              <a:schemeClr val="accent1"/>
+            </a:effectRef>
+            <a:fontRef idx="minor">
+              <a:schemeClr val="lt1"/>
+            </a:fontRef>
+          </p:style>
+          <p:txBody>
+            <a:bodyPr rtlCol="0" anchor="ctr"/>
+            <a:lstStyle/>
+            <a:p>
+              <a:pPr algn="ctr"/>
+              <a:endParaRPr lang="it-IT"/>
+            </a:p>
+          </p:txBody>
+        </p:sp>
+      </p:grpSp>
+      <p:sp>
+        <p:nvSpPr>
+          <p:cNvPr id="17" name="CasellaDiTesto 16">
+            <a:extLst>
+              <a:ext uri="{FF2B5EF4-FFF2-40B4-BE49-F238E27FC236}">
+                <a16:creationId xmlns:a16="http://schemas.microsoft.com/office/drawing/2014/main" id="{4A099A57-10E0-4444-B880-8BDB97CEC528}"/>
+              </a:ext>
+            </a:extLst>
+          </p:cNvPr>
+          <p:cNvSpPr txBox="1"/>
+          <p:nvPr/>
+        </p:nvSpPr>
+        <p:spPr>
+          <a:xfrm>
+            <a:off x="8773898" y="3105426"/>
+            <a:ext cx="1396536" cy="276999"/>
+          </a:xfrm>
+          <a:prstGeom prst="rect">
+            <a:avLst/>
+          </a:prstGeom>
+          <a:noFill/>
+        </p:spPr>
+        <p:txBody>
+          <a:bodyPr wrap="none" rtlCol="0">
+            <a:spAutoFit/>
+          </a:bodyPr>
+          <a:lstStyle/>
+          <a:p>
+            <a:r>
+              <a:rPr lang="it-IT" sz="1200" dirty="0" smtClean="0">
+                <a:solidFill>
+                  <a:schemeClr val="accent1">
+                    <a:lumMod val="50000"/>
+                  </a:schemeClr>
+                </a:solidFill>
+                <a:latin typeface="Bookman Old Style" panose="02050604050505020204" pitchFamily="18" charset="0"/>
+              </a:rPr>
+              <a:t>movementDone</a:t>
+            </a:r>
+            <a:endParaRPr lang="it-IT" sz="1200" dirty="0">
+              <a:solidFill>
+                <a:schemeClr val="accent1">
+                  <a:lumMod val="50000"/>
+                </a:schemeClr>
+              </a:solidFill>
+              <a:latin typeface="Bookman Old Style" panose="02050604050505020204" pitchFamily="18" charset="0"/>
+            </a:endParaRPr>
+          </a:p>
+        </p:txBody>
+      </p:sp>
+      <p:cxnSp>
+        <p:nvCxnSpPr>
+          <p:cNvPr id="18" name="Connettore 2 17">
+            <a:extLst>
+              <a:ext uri="{FF2B5EF4-FFF2-40B4-BE49-F238E27FC236}">
+                <a16:creationId xmlns:a16="http://schemas.microsoft.com/office/drawing/2014/main" id="{BE37B216-493D-4D05-A4A1-43831B1C7A66}"/>
+              </a:ext>
+            </a:extLst>
+          </p:cNvPr>
+          <p:cNvCxnSpPr>
+            <a:cxnSpLocks/>
+          </p:cNvCxnSpPr>
+          <p:nvPr/>
+        </p:nvCxnSpPr>
+        <p:spPr>
+          <a:xfrm>
+            <a:off x="8975306" y="2775311"/>
+            <a:ext cx="939801" cy="0"/>
+          </a:xfrm>
+          <a:prstGeom prst="straightConnector1">
+            <a:avLst/>
+          </a:prstGeom>
+          <a:ln w="19050">
+            <a:solidFill>
+              <a:schemeClr val="accent1">
+                <a:lumMod val="75000"/>
+              </a:schemeClr>
+            </a:solidFill>
+            <a:prstDash val="sysDash"/>
+            <a:headEnd type="none" w="med" len="med"/>
+            <a:tailEnd type="arrow" w="med" len="med"/>
+          </a:ln>
+        </p:spPr>
+        <p:style>
+          <a:lnRef idx="1">
+            <a:schemeClr val="accent1"/>
+          </a:lnRef>
+          <a:fillRef idx="0">
+            <a:schemeClr val="accent1"/>
+          </a:fillRef>
+          <a:effectRef idx="0">
+            <a:schemeClr val="accent1"/>
+          </a:effectRef>
+          <a:fontRef idx="minor">
+            <a:schemeClr val="tx1"/>
+          </a:fontRef>
+        </p:style>
+      </p:cxnSp>
+      <p:cxnSp>
+        <p:nvCxnSpPr>
+          <p:cNvPr id="19" name="Connettore 2 18">
+            <a:extLst>
+              <a:ext uri="{FF2B5EF4-FFF2-40B4-BE49-F238E27FC236}">
+                <a16:creationId xmlns:a16="http://schemas.microsoft.com/office/drawing/2014/main" id="{DDF4BAC5-C951-40AF-9F3B-573D340AFF4C}"/>
+              </a:ext>
+            </a:extLst>
+          </p:cNvPr>
+          <p:cNvCxnSpPr>
+            <a:cxnSpLocks/>
+          </p:cNvCxnSpPr>
+          <p:nvPr/>
+        </p:nvCxnSpPr>
+        <p:spPr>
+          <a:xfrm flipH="1">
+            <a:off x="8975306" y="3010383"/>
+            <a:ext cx="939802" cy="0"/>
+          </a:xfrm>
+          <a:prstGeom prst="straightConnector1">
+            <a:avLst/>
+          </a:prstGeom>
+          <a:ln w="19050">
+            <a:solidFill>
+              <a:schemeClr val="accent1">
+                <a:lumMod val="75000"/>
+              </a:schemeClr>
+            </a:solidFill>
+            <a:prstDash val="sysDash"/>
+            <a:headEnd type="none" w="med" len="med"/>
+            <a:tailEnd type="arrow" w="med" len="med"/>
+          </a:ln>
+        </p:spPr>
+        <p:style>
+          <a:lnRef idx="1">
+            <a:schemeClr val="accent1"/>
+          </a:lnRef>
+          <a:fillRef idx="0">
+            <a:schemeClr val="accent1"/>
+          </a:fillRef>
+          <a:effectRef idx="0">
+            <a:schemeClr val="accent1"/>
+          </a:effectRef>
+          <a:fontRef idx="minor">
+            <a:schemeClr val="tx1"/>
+          </a:fontRef>
+        </p:style>
+      </p:cxnSp>
+      <p:sp>
+        <p:nvSpPr>
+          <p:cNvPr id="20" name="CasellaDiTesto 19">
+            <a:extLst>
+              <a:ext uri="{FF2B5EF4-FFF2-40B4-BE49-F238E27FC236}">
+                <a16:creationId xmlns:a16="http://schemas.microsoft.com/office/drawing/2014/main" id="{9E3ABB73-53B1-4E01-A367-19BE7724D678}"/>
+              </a:ext>
+            </a:extLst>
+          </p:cNvPr>
+          <p:cNvSpPr txBox="1"/>
+          <p:nvPr/>
+        </p:nvSpPr>
+        <p:spPr>
+          <a:xfrm>
+            <a:off x="8310807" y="1215980"/>
+            <a:ext cx="1786066" cy="646331"/>
+          </a:xfrm>
+          <a:prstGeom prst="rect">
+            <a:avLst/>
+          </a:prstGeom>
+          <a:noFill/>
+        </p:spPr>
+        <p:txBody>
+          <a:bodyPr wrap="none" rtlCol="0">
+            <a:spAutoFit/>
+          </a:bodyPr>
+          <a:lstStyle/>
+          <a:p>
+            <a:r>
+              <a:rPr lang="it-IT" sz="1200" dirty="0">
+                <a:solidFill>
+                  <a:schemeClr val="accent1">
+                    <a:lumMod val="50000"/>
+                  </a:schemeClr>
+                </a:solidFill>
+                <a:latin typeface="Bookman Old Style" panose="02050604050505020204" pitchFamily="18" charset="0"/>
+              </a:rPr>
+              <a:t>tokenid</a:t>
+            </a:r>
+            <a:r>
+              <a:rPr lang="it-IT" sz="1200" dirty="0" smtClean="0">
+                <a:solidFill>
+                  <a:schemeClr val="accent1">
+                    <a:lumMod val="50000"/>
+                  </a:schemeClr>
+                </a:solidFill>
+                <a:latin typeface="Bookman Old Style" panose="02050604050505020204" pitchFamily="18" charset="0"/>
+              </a:rPr>
+              <a:t>( TOKENID )</a:t>
+            </a:r>
+            <a:endParaRPr lang="it-IT" sz="1200" dirty="0">
+              <a:solidFill>
+                <a:schemeClr val="accent1">
+                  <a:lumMod val="50000"/>
+                </a:schemeClr>
+              </a:solidFill>
+              <a:latin typeface="Bookman Old Style" panose="02050604050505020204" pitchFamily="18" charset="0"/>
+            </a:endParaRPr>
+          </a:p>
+          <a:p>
+            <a:r>
+              <a:rPr lang="it-IT" sz="1200" dirty="0">
+                <a:solidFill>
+                  <a:schemeClr val="accent1">
+                    <a:lumMod val="50000"/>
+                  </a:schemeClr>
+                </a:solidFill>
+                <a:latin typeface="Bookman Old Style" panose="02050604050505020204" pitchFamily="18" charset="0"/>
+              </a:rPr>
+              <a:t>slotnum</a:t>
+            </a:r>
+            <a:r>
+              <a:rPr lang="it-IT" sz="1200" dirty="0" smtClean="0">
+                <a:solidFill>
+                  <a:schemeClr val="accent1">
+                    <a:lumMod val="50000"/>
+                  </a:schemeClr>
+                </a:solidFill>
+                <a:latin typeface="Bookman Old Style" panose="02050604050505020204" pitchFamily="18" charset="0"/>
+              </a:rPr>
+              <a:t>( SLOTNUM )</a:t>
+            </a:r>
+            <a:endParaRPr lang="it-IT" sz="1200" dirty="0">
+              <a:solidFill>
+                <a:schemeClr val="accent1">
+                  <a:lumMod val="50000"/>
+                </a:schemeClr>
+              </a:solidFill>
+              <a:latin typeface="Bookman Old Style" panose="02050604050505020204" pitchFamily="18" charset="0"/>
+            </a:endParaRPr>
+          </a:p>
+          <a:p>
+            <a:r>
+              <a:rPr lang="it-IT" sz="1200" dirty="0">
+                <a:solidFill>
+                  <a:schemeClr val="accent1">
+                    <a:lumMod val="50000"/>
+                  </a:schemeClr>
+                </a:solidFill>
+                <a:latin typeface="Bookman Old Style" panose="02050604050505020204" pitchFamily="18" charset="0"/>
+              </a:rPr>
+              <a:t>notice</a:t>
+            </a:r>
+            <a:r>
+              <a:rPr lang="it-IT" sz="1200" dirty="0" smtClean="0">
+                <a:solidFill>
+                  <a:schemeClr val="accent1">
+                    <a:lumMod val="50000"/>
+                  </a:schemeClr>
+                </a:solidFill>
+                <a:latin typeface="Bookman Old Style" panose="02050604050505020204" pitchFamily="18" charset="0"/>
+              </a:rPr>
+              <a:t>( NOTICE )</a:t>
+            </a:r>
+            <a:endParaRPr lang="it-IT" sz="1200" dirty="0">
+              <a:solidFill>
+                <a:schemeClr val="accent1">
+                  <a:lumMod val="50000"/>
+                </a:schemeClr>
+              </a:solidFill>
+              <a:latin typeface="Bookman Old Style" panose="02050604050505020204" pitchFamily="18" charset="0"/>
+            </a:endParaRPr>
+          </a:p>
+        </p:txBody>
+      </p:sp>
+      <p:cxnSp>
+        <p:nvCxnSpPr>
+          <p:cNvPr id="21" name="Connettore 2 20">
+            <a:extLst>
+              <a:ext uri="{FF2B5EF4-FFF2-40B4-BE49-F238E27FC236}">
+                <a16:creationId xmlns:a16="http://schemas.microsoft.com/office/drawing/2014/main" id="{EBAE31D2-1376-4464-8F7F-B8F299C61934}"/>
+              </a:ext>
+            </a:extLst>
+          </p:cNvPr>
+          <p:cNvCxnSpPr>
+            <a:cxnSpLocks/>
+          </p:cNvCxnSpPr>
+          <p:nvPr/>
+        </p:nvCxnSpPr>
+        <p:spPr>
+          <a:xfrm flipV="1">
+            <a:off x="8076362" y="1402942"/>
+            <a:ext cx="0" cy="712010"/>
+          </a:xfrm>
+          <a:prstGeom prst="straightConnector1">
+            <a:avLst/>
+          </a:prstGeom>
+          <a:ln w="19050">
+            <a:solidFill>
+              <a:schemeClr val="accent1">
+                <a:lumMod val="75000"/>
+              </a:schemeClr>
+            </a:solidFill>
+            <a:prstDash val="sysDash"/>
+            <a:headEnd type="none" w="med" len="med"/>
+            <a:tailEnd type="arrow" w="med" len="med"/>
+          </a:ln>
+        </p:spPr>
+        <p:style>
+          <a:lnRef idx="1">
+            <a:schemeClr val="accent1"/>
+          </a:lnRef>
+          <a:fillRef idx="0">
+            <a:schemeClr val="accent1"/>
+          </a:fillRef>
+          <a:effectRef idx="0">
+            <a:schemeClr val="accent1"/>
+          </a:effectRef>
+          <a:fontRef idx="minor">
+            <a:schemeClr val="tx1"/>
+          </a:fontRef>
+        </p:style>
+      </p:cxnSp>
+      <p:grpSp>
+        <p:nvGrpSpPr>
+          <p:cNvPr id="22" name="Gruppo 21"/>
+          <p:cNvGrpSpPr/>
+          <p:nvPr/>
+        </p:nvGrpSpPr>
+        <p:grpSpPr>
+          <a:xfrm>
+            <a:off x="589666" y="3624361"/>
+            <a:ext cx="1973200" cy="1256013"/>
+            <a:chOff x="402476" y="3280190"/>
+            <a:chExt cx="1926426" cy="1214172"/>
+          </a:xfrm>
+        </p:grpSpPr>
+        <p:sp>
+          <p:nvSpPr>
+            <p:cNvPr id="23" name="Ovale 22"/>
+            <p:cNvSpPr/>
+            <p:nvPr/>
+          </p:nvSpPr>
+          <p:spPr>
+            <a:xfrm>
+              <a:off x="667957" y="3428429"/>
+              <a:ext cx="1660945" cy="1065933"/>
+            </a:xfrm>
+            <a:prstGeom prst="ellipse">
+              <a:avLst/>
+            </a:prstGeom>
+            <a:solidFill>
+              <a:schemeClr val="accent2">
+                <a:lumMod val="20000"/>
+                <a:lumOff val="80000"/>
+              </a:schemeClr>
+            </a:solidFill>
+            <a:ln w="12700">
+              <a:solidFill>
+                <a:schemeClr val="tx1"/>
+              </a:solidFill>
+            </a:ln>
+          </p:spPr>
+          <p:style>
+            <a:lnRef idx="2">
+              <a:schemeClr val="accent1">
+                <a:shade val="50000"/>
+              </a:schemeClr>
+            </a:lnRef>
+            <a:fillRef idx="1">
+              <a:schemeClr val="accent1"/>
+            </a:fillRef>
+            <a:effectRef idx="0">
+              <a:schemeClr val="accent1"/>
+            </a:effectRef>
+            <a:fontRef idx="minor">
+              <a:schemeClr val="lt1"/>
+            </a:fontRef>
+          </p:style>
+          <p:txBody>
+            <a:bodyPr rtlCol="0" anchor="ctr"/>
+            <a:lstStyle/>
+            <a:p>
+              <a:pPr algn="ctr"/>
+              <a:r>
+                <a:rPr lang="it-IT" sz="1200" dirty="0">
+                  <a:solidFill>
+                    <a:schemeClr val="tx1"/>
+                  </a:solidFill>
+                  <a:latin typeface="Century Schoolbook" panose="02040604050505020304" pitchFamily="18" charset="0"/>
+                </a:rPr>
+                <a:t>Sonar</a:t>
+              </a:r>
+            </a:p>
+            <a:p>
+              <a:pPr algn="ctr"/>
+              <a:r>
+                <a:rPr lang="it-IT" sz="1200" dirty="0">
+                  <a:solidFill>
+                    <a:schemeClr val="tx1"/>
+                  </a:solidFill>
+                  <a:latin typeface="Century Schoolbook" panose="02040604050505020304" pitchFamily="18" charset="0"/>
+                </a:rPr>
+                <a:t>Actor</a:t>
+              </a:r>
+            </a:p>
+          </p:txBody>
+        </p:sp>
+        <p:sp>
+          <p:nvSpPr>
+            <p:cNvPr id="24" name="Triangolo isoscele 23"/>
+            <p:cNvSpPr/>
+            <p:nvPr/>
+          </p:nvSpPr>
+          <p:spPr>
+            <a:xfrm rot="16200000">
+              <a:off x="1350190" y="3300636"/>
+              <a:ext cx="296478" cy="255585"/>
+            </a:xfrm>
+            <a:prstGeom prst="triangle">
+              <a:avLst/>
+            </a:prstGeom>
+            <a:solidFill>
+              <a:srgbClr val="FF0000"/>
+            </a:solidFill>
+            <a:ln w="12700">
+              <a:solidFill>
+                <a:schemeClr val="tx1"/>
+              </a:solidFill>
+            </a:ln>
+          </p:spPr>
+          <p:style>
+            <a:lnRef idx="2">
+              <a:schemeClr val="accent1">
+                <a:shade val="50000"/>
+              </a:schemeClr>
+            </a:lnRef>
+            <a:fillRef idx="1">
+              <a:schemeClr val="accent1"/>
+            </a:fillRef>
+            <a:effectRef idx="0">
+              <a:schemeClr val="accent1"/>
+            </a:effectRef>
+            <a:fontRef idx="minor">
+              <a:schemeClr val="lt1"/>
+            </a:fontRef>
+          </p:style>
+          <p:txBody>
+            <a:bodyPr rtlCol="0" anchor="ctr"/>
+            <a:lstStyle/>
+            <a:p>
+              <a:pPr algn="ctr"/>
+              <a:endParaRPr lang="it-IT"/>
+            </a:p>
+          </p:txBody>
+        </p:sp>
+        <p:sp>
+          <p:nvSpPr>
+            <p:cNvPr id="25" name="Rettangolo 24"/>
+            <p:cNvSpPr/>
+            <p:nvPr/>
+          </p:nvSpPr>
+          <p:spPr>
+            <a:xfrm>
+              <a:off x="402476" y="3835268"/>
+              <a:ext cx="530961" cy="252254"/>
+            </a:xfrm>
+            <a:prstGeom prst="rect">
+              <a:avLst/>
+            </a:prstGeom>
+            <a:solidFill>
+              <a:schemeClr val="accent2">
+                <a:lumMod val="20000"/>
+                <a:lumOff val="80000"/>
+              </a:schemeClr>
+            </a:solidFill>
+            <a:ln w="12700">
+              <a:solidFill>
+                <a:schemeClr val="tx1"/>
+              </a:solidFill>
+            </a:ln>
+          </p:spPr>
+          <p:style>
+            <a:lnRef idx="2">
+              <a:schemeClr val="accent1">
+                <a:shade val="50000"/>
+              </a:schemeClr>
+            </a:lnRef>
+            <a:fillRef idx="1">
+              <a:schemeClr val="accent1"/>
+            </a:fillRef>
+            <a:effectRef idx="0">
+              <a:schemeClr val="accent1"/>
+            </a:effectRef>
+            <a:fontRef idx="minor">
+              <a:schemeClr val="lt1"/>
+            </a:fontRef>
+          </p:style>
+          <p:txBody>
+            <a:bodyPr rtlCol="0" anchor="ctr"/>
+            <a:lstStyle/>
+            <a:p>
+              <a:pPr algn="ctr"/>
+              <a:endParaRPr lang="it-IT"/>
+            </a:p>
+          </p:txBody>
+        </p:sp>
+      </p:grpSp>
+      <p:grpSp>
+        <p:nvGrpSpPr>
+          <p:cNvPr id="26" name="Gruppo 25"/>
+          <p:cNvGrpSpPr/>
+          <p:nvPr/>
+        </p:nvGrpSpPr>
+        <p:grpSpPr>
+          <a:xfrm>
+            <a:off x="754943" y="939409"/>
+            <a:ext cx="1985480" cy="1166175"/>
+            <a:chOff x="402476" y="309828"/>
+            <a:chExt cx="1926426" cy="1214172"/>
+          </a:xfrm>
+        </p:grpSpPr>
+        <p:sp>
+          <p:nvSpPr>
+            <p:cNvPr id="27" name="Ovale 26"/>
+            <p:cNvSpPr/>
+            <p:nvPr/>
+          </p:nvSpPr>
+          <p:spPr>
+            <a:xfrm>
+              <a:off x="667957" y="458067"/>
+              <a:ext cx="1660945" cy="1065933"/>
+            </a:xfrm>
+            <a:prstGeom prst="ellipse">
+              <a:avLst/>
+            </a:prstGeom>
+            <a:solidFill>
+              <a:schemeClr val="accent2">
+                <a:lumMod val="20000"/>
+                <a:lumOff val="80000"/>
+              </a:schemeClr>
+            </a:solidFill>
+            <a:ln w="12700">
+              <a:solidFill>
+                <a:schemeClr val="tx1"/>
+              </a:solidFill>
+            </a:ln>
+          </p:spPr>
+          <p:style>
+            <a:lnRef idx="2">
+              <a:schemeClr val="accent1">
+                <a:shade val="50000"/>
+              </a:schemeClr>
+            </a:lnRef>
+            <a:fillRef idx="1">
+              <a:schemeClr val="accent1"/>
+            </a:fillRef>
+            <a:effectRef idx="0">
+              <a:schemeClr val="accent1"/>
+            </a:effectRef>
+            <a:fontRef idx="minor">
+              <a:schemeClr val="lt1"/>
+            </a:fontRef>
+          </p:style>
+          <p:txBody>
+            <a:bodyPr rtlCol="0" anchor="ctr"/>
+            <a:lstStyle/>
+            <a:p>
+              <a:pPr algn="ctr"/>
+              <a:r>
+                <a:rPr lang="it-IT" sz="1200" dirty="0">
+                  <a:solidFill>
+                    <a:schemeClr val="tx1"/>
+                  </a:solidFill>
+                  <a:latin typeface="Century Schoolbook" panose="02040604050505020304" pitchFamily="18" charset="0"/>
+                </a:rPr>
+                <a:t>Weight</a:t>
+              </a:r>
+            </a:p>
+            <a:p>
+              <a:pPr algn="ctr"/>
+              <a:r>
+                <a:rPr lang="it-IT" sz="1200" dirty="0">
+                  <a:solidFill>
+                    <a:schemeClr val="tx1"/>
+                  </a:solidFill>
+                  <a:latin typeface="Century Schoolbook" panose="02040604050505020304" pitchFamily="18" charset="0"/>
+                </a:rPr>
+                <a:t>Actor</a:t>
+              </a:r>
+            </a:p>
+          </p:txBody>
+        </p:sp>
+        <p:sp>
+          <p:nvSpPr>
+            <p:cNvPr id="28" name="Triangolo isoscele 27"/>
+            <p:cNvSpPr/>
+            <p:nvPr/>
+          </p:nvSpPr>
+          <p:spPr>
+            <a:xfrm rot="16200000">
+              <a:off x="1350190" y="330274"/>
+              <a:ext cx="296478" cy="255585"/>
+            </a:xfrm>
+            <a:prstGeom prst="triangle">
+              <a:avLst/>
+            </a:prstGeom>
+            <a:solidFill>
+              <a:srgbClr val="FF0000"/>
+            </a:solidFill>
+            <a:ln w="12700">
+              <a:solidFill>
+                <a:schemeClr val="tx1"/>
+              </a:solidFill>
+            </a:ln>
+          </p:spPr>
+          <p:style>
+            <a:lnRef idx="2">
+              <a:schemeClr val="accent1">
+                <a:shade val="50000"/>
+              </a:schemeClr>
+            </a:lnRef>
+            <a:fillRef idx="1">
+              <a:schemeClr val="accent1"/>
+            </a:fillRef>
+            <a:effectRef idx="0">
+              <a:schemeClr val="accent1"/>
+            </a:effectRef>
+            <a:fontRef idx="minor">
+              <a:schemeClr val="lt1"/>
+            </a:fontRef>
+          </p:style>
+          <p:txBody>
+            <a:bodyPr rtlCol="0" anchor="ctr"/>
+            <a:lstStyle/>
+            <a:p>
+              <a:pPr algn="ctr"/>
+              <a:endParaRPr lang="it-IT"/>
+            </a:p>
+          </p:txBody>
+        </p:sp>
+        <p:sp>
+          <p:nvSpPr>
+            <p:cNvPr id="29" name="Rettangolo 28"/>
+            <p:cNvSpPr/>
+            <p:nvPr/>
+          </p:nvSpPr>
+          <p:spPr>
+            <a:xfrm>
+              <a:off x="402476" y="864906"/>
+              <a:ext cx="530961" cy="252254"/>
+            </a:xfrm>
+            <a:prstGeom prst="rect">
+              <a:avLst/>
+            </a:prstGeom>
+            <a:solidFill>
+              <a:schemeClr val="accent2">
+                <a:lumMod val="20000"/>
+                <a:lumOff val="80000"/>
+              </a:schemeClr>
+            </a:solidFill>
+            <a:ln w="12700">
+              <a:solidFill>
+                <a:schemeClr val="tx1"/>
+              </a:solidFill>
+            </a:ln>
+          </p:spPr>
+          <p:style>
+            <a:lnRef idx="2">
+              <a:schemeClr val="accent1">
+                <a:shade val="50000"/>
+              </a:schemeClr>
+            </a:lnRef>
+            <a:fillRef idx="1">
+              <a:schemeClr val="accent1"/>
+            </a:fillRef>
+            <a:effectRef idx="0">
+              <a:schemeClr val="accent1"/>
+            </a:effectRef>
+            <a:fontRef idx="minor">
+              <a:schemeClr val="lt1"/>
+            </a:fontRef>
+          </p:style>
+          <p:txBody>
+            <a:bodyPr rtlCol="0" anchor="ctr"/>
+            <a:lstStyle/>
+            <a:p>
+              <a:pPr algn="ctr"/>
+              <a:endParaRPr lang="it-IT"/>
+            </a:p>
+          </p:txBody>
+        </p:sp>
+      </p:grpSp>
+      <p:sp>
+        <p:nvSpPr>
+          <p:cNvPr id="30" name="Figura a mano libera 29"/>
+          <p:cNvSpPr/>
+          <p:nvPr/>
+        </p:nvSpPr>
+        <p:spPr>
+          <a:xfrm rot="2336109">
+            <a:off x="2517359" y="1980810"/>
+            <a:ext cx="990600" cy="693809"/>
+          </a:xfrm>
+          <a:custGeom>
+            <a:avLst/>
+            <a:gdLst>
+              <a:gd name="connsiteX0" fmla="*/ 0 w 990600"/>
+              <a:gd name="connsiteY0" fmla="*/ 439954 h 638334"/>
+              <a:gd name="connsiteX1" fmla="*/ 314325 w 990600"/>
+              <a:gd name="connsiteY1" fmla="*/ 439954 h 638334"/>
+              <a:gd name="connsiteX2" fmla="*/ 390525 w 990600"/>
+              <a:gd name="connsiteY2" fmla="*/ 1804 h 638334"/>
+              <a:gd name="connsiteX3" fmla="*/ 571500 w 990600"/>
+              <a:gd name="connsiteY3" fmla="*/ 630454 h 638334"/>
+              <a:gd name="connsiteX4" fmla="*/ 685800 w 990600"/>
+              <a:gd name="connsiteY4" fmla="*/ 354229 h 638334"/>
+              <a:gd name="connsiteX5" fmla="*/ 990600 w 990600"/>
+              <a:gd name="connsiteY5" fmla="*/ 344704 h 638334"/>
+            </a:gdLst>
+            <a:ahLst/>
+            <a:cxnLst>
+              <a:cxn ang="0">
+                <a:pos x="connsiteX0" y="connsiteY0"/>
+              </a:cxn>
+              <a:cxn ang="0">
+                <a:pos x="connsiteX1" y="connsiteY1"/>
+              </a:cxn>
+              <a:cxn ang="0">
+                <a:pos x="connsiteX2" y="connsiteY2"/>
+              </a:cxn>
+              <a:cxn ang="0">
+                <a:pos x="connsiteX3" y="connsiteY3"/>
+              </a:cxn>
+              <a:cxn ang="0">
+                <a:pos x="connsiteX4" y="connsiteY4"/>
+              </a:cxn>
+              <a:cxn ang="0">
+                <a:pos x="connsiteX5" y="connsiteY5"/>
+              </a:cxn>
+            </a:cxnLst>
+            <a:rect l="l" t="t" r="r" b="b"/>
+            <a:pathLst>
+              <a:path w="990600" h="638334">
+                <a:moveTo>
+                  <a:pt x="0" y="439954"/>
+                </a:moveTo>
+                <a:cubicBezTo>
+                  <a:pt x="124619" y="476466"/>
+                  <a:pt x="249238" y="512979"/>
+                  <a:pt x="314325" y="439954"/>
+                </a:cubicBezTo>
+                <a:cubicBezTo>
+                  <a:pt x="379412" y="366929"/>
+                  <a:pt x="347663" y="-29946"/>
+                  <a:pt x="390525" y="1804"/>
+                </a:cubicBezTo>
+                <a:cubicBezTo>
+                  <a:pt x="433387" y="33554"/>
+                  <a:pt x="522288" y="571717"/>
+                  <a:pt x="571500" y="630454"/>
+                </a:cubicBezTo>
+                <a:cubicBezTo>
+                  <a:pt x="620713" y="689192"/>
+                  <a:pt x="615950" y="401854"/>
+                  <a:pt x="685800" y="354229"/>
+                </a:cubicBezTo>
+                <a:cubicBezTo>
+                  <a:pt x="755650" y="306604"/>
+                  <a:pt x="873125" y="325654"/>
+                  <a:pt x="990600" y="344704"/>
+                </a:cubicBezTo>
+              </a:path>
+            </a:pathLst>
+          </a:custGeom>
+          <a:noFill/>
+          <a:ln w="15875">
+            <a:solidFill>
+              <a:schemeClr val="accent6">
+                <a:lumMod val="75000"/>
+              </a:schemeClr>
+            </a:solidFill>
+            <a:tailEnd type="arrow"/>
+          </a:ln>
+        </p:spPr>
+        <p:style>
+          <a:lnRef idx="2">
+            <a:schemeClr val="accent1">
+              <a:shade val="50000"/>
+            </a:schemeClr>
+          </a:lnRef>
+          <a:fillRef idx="1">
+            <a:schemeClr val="accent1"/>
+          </a:fillRef>
+          <a:effectRef idx="0">
+            <a:schemeClr val="accent1"/>
+          </a:effectRef>
+          <a:fontRef idx="minor">
+            <a:schemeClr val="lt1"/>
+          </a:fontRef>
+        </p:style>
+        <p:txBody>
+          <a:bodyPr rtlCol="0" anchor="ctr"/>
+          <a:lstStyle/>
+          <a:p>
+            <a:pPr algn="ctr"/>
+            <a:endParaRPr lang="it-IT"/>
+          </a:p>
+        </p:txBody>
+      </p:sp>
+      <p:sp>
+        <p:nvSpPr>
+          <p:cNvPr id="31" name="Figura a mano libera 30"/>
+          <p:cNvSpPr/>
+          <p:nvPr/>
+        </p:nvSpPr>
+        <p:spPr>
+          <a:xfrm rot="19450095">
+            <a:off x="2376368" y="3112937"/>
+            <a:ext cx="990600" cy="638334"/>
+          </a:xfrm>
+          <a:custGeom>
+            <a:avLst/>
+            <a:gdLst>
+              <a:gd name="connsiteX0" fmla="*/ 0 w 990600"/>
+              <a:gd name="connsiteY0" fmla="*/ 439954 h 638334"/>
+              <a:gd name="connsiteX1" fmla="*/ 314325 w 990600"/>
+              <a:gd name="connsiteY1" fmla="*/ 439954 h 638334"/>
+              <a:gd name="connsiteX2" fmla="*/ 390525 w 990600"/>
+              <a:gd name="connsiteY2" fmla="*/ 1804 h 638334"/>
+              <a:gd name="connsiteX3" fmla="*/ 571500 w 990600"/>
+              <a:gd name="connsiteY3" fmla="*/ 630454 h 638334"/>
+              <a:gd name="connsiteX4" fmla="*/ 685800 w 990600"/>
+              <a:gd name="connsiteY4" fmla="*/ 354229 h 638334"/>
+              <a:gd name="connsiteX5" fmla="*/ 990600 w 990600"/>
+              <a:gd name="connsiteY5" fmla="*/ 344704 h 638334"/>
+            </a:gdLst>
+            <a:ahLst/>
+            <a:cxnLst>
+              <a:cxn ang="0">
+                <a:pos x="connsiteX0" y="connsiteY0"/>
+              </a:cxn>
+              <a:cxn ang="0">
+                <a:pos x="connsiteX1" y="connsiteY1"/>
+              </a:cxn>
+              <a:cxn ang="0">
+                <a:pos x="connsiteX2" y="connsiteY2"/>
+              </a:cxn>
+              <a:cxn ang="0">
+                <a:pos x="connsiteX3" y="connsiteY3"/>
+              </a:cxn>
+              <a:cxn ang="0">
+                <a:pos x="connsiteX4" y="connsiteY4"/>
+              </a:cxn>
+              <a:cxn ang="0">
+                <a:pos x="connsiteX5" y="connsiteY5"/>
+              </a:cxn>
+            </a:cxnLst>
+            <a:rect l="l" t="t" r="r" b="b"/>
+            <a:pathLst>
+              <a:path w="990600" h="638334">
+                <a:moveTo>
+                  <a:pt x="0" y="439954"/>
+                </a:moveTo>
+                <a:cubicBezTo>
+                  <a:pt x="124619" y="476466"/>
+                  <a:pt x="249238" y="512979"/>
+                  <a:pt x="314325" y="439954"/>
+                </a:cubicBezTo>
+                <a:cubicBezTo>
+                  <a:pt x="379412" y="366929"/>
+                  <a:pt x="347663" y="-29946"/>
+                  <a:pt x="390525" y="1804"/>
+                </a:cubicBezTo>
+                <a:cubicBezTo>
+                  <a:pt x="433387" y="33554"/>
+                  <a:pt x="522288" y="571717"/>
+                  <a:pt x="571500" y="630454"/>
+                </a:cubicBezTo>
+                <a:cubicBezTo>
+                  <a:pt x="620713" y="689192"/>
+                  <a:pt x="615950" y="401854"/>
+                  <a:pt x="685800" y="354229"/>
+                </a:cubicBezTo>
+                <a:cubicBezTo>
+                  <a:pt x="755650" y="306604"/>
+                  <a:pt x="873125" y="325654"/>
+                  <a:pt x="990600" y="344704"/>
+                </a:cubicBezTo>
+              </a:path>
+            </a:pathLst>
+          </a:custGeom>
+          <a:noFill/>
+          <a:ln w="15875">
+            <a:solidFill>
+              <a:schemeClr val="accent6">
+                <a:lumMod val="75000"/>
+              </a:schemeClr>
+            </a:solidFill>
+            <a:tailEnd type="arrow"/>
+          </a:ln>
+        </p:spPr>
+        <p:style>
+          <a:lnRef idx="2">
+            <a:schemeClr val="accent1">
+              <a:shade val="50000"/>
+            </a:schemeClr>
+          </a:lnRef>
+          <a:fillRef idx="1">
+            <a:schemeClr val="accent1"/>
+          </a:fillRef>
+          <a:effectRef idx="0">
+            <a:schemeClr val="accent1"/>
+          </a:effectRef>
+          <a:fontRef idx="minor">
+            <a:schemeClr val="lt1"/>
+          </a:fontRef>
+        </p:style>
+        <p:txBody>
+          <a:bodyPr rtlCol="0" anchor="ctr"/>
+          <a:lstStyle/>
+          <a:p>
+            <a:pPr algn="ctr"/>
+            <a:endParaRPr lang="it-IT"/>
+          </a:p>
+        </p:txBody>
+      </p:sp>
+      <p:sp>
+        <p:nvSpPr>
+          <p:cNvPr id="32" name="CasellaDiTesto 31"/>
+          <p:cNvSpPr txBox="1"/>
+          <p:nvPr/>
+        </p:nvSpPr>
+        <p:spPr>
+          <a:xfrm>
+            <a:off x="3022601" y="1515233"/>
+            <a:ext cx="1375698" cy="461665"/>
+          </a:xfrm>
+          <a:prstGeom prst="rect">
+            <a:avLst/>
+          </a:prstGeom>
+          <a:noFill/>
+        </p:spPr>
+        <p:txBody>
+          <a:bodyPr wrap="none" rtlCol="0">
+            <a:spAutoFit/>
+          </a:bodyPr>
+          <a:lstStyle/>
+          <a:p>
+            <a:r>
+              <a:rPr lang="it-IT" sz="1200" dirty="0">
+                <a:solidFill>
+                  <a:schemeClr val="accent6">
+                    <a:lumMod val="50000"/>
+                  </a:schemeClr>
+                </a:solidFill>
+                <a:latin typeface="Bookman Old Style" panose="02050604050505020204" pitchFamily="18" charset="0"/>
+              </a:rPr>
+              <a:t>indoorCleared</a:t>
+            </a:r>
+          </a:p>
+          <a:p>
+            <a:r>
+              <a:rPr lang="it-IT" sz="1200" dirty="0">
+                <a:solidFill>
+                  <a:schemeClr val="accent6">
+                    <a:lumMod val="50000"/>
+                  </a:schemeClr>
+                </a:solidFill>
+                <a:latin typeface="Bookman Old Style" panose="02050604050505020204" pitchFamily="18" charset="0"/>
+              </a:rPr>
+              <a:t>indoorOccupied</a:t>
+            </a:r>
+          </a:p>
+        </p:txBody>
+      </p:sp>
+      <p:sp>
+        <p:nvSpPr>
+          <p:cNvPr id="33" name="CasellaDiTesto 32"/>
+          <p:cNvSpPr txBox="1"/>
+          <p:nvPr/>
+        </p:nvSpPr>
+        <p:spPr>
+          <a:xfrm>
+            <a:off x="2187109" y="4933574"/>
+            <a:ext cx="1476686" cy="461665"/>
+          </a:xfrm>
+          <a:prstGeom prst="rect">
+            <a:avLst/>
+          </a:prstGeom>
+          <a:noFill/>
+        </p:spPr>
+        <p:txBody>
+          <a:bodyPr wrap="none" rtlCol="0">
+            <a:spAutoFit/>
+          </a:bodyPr>
+          <a:lstStyle/>
+          <a:p>
+            <a:r>
+              <a:rPr lang="it-IT" sz="1200" dirty="0">
+                <a:solidFill>
+                  <a:schemeClr val="accent6">
+                    <a:lumMod val="50000"/>
+                  </a:schemeClr>
+                </a:solidFill>
+                <a:latin typeface="Bookman Old Style" panose="02050604050505020204" pitchFamily="18" charset="0"/>
+              </a:rPr>
+              <a:t>outdoorCleared</a:t>
+            </a:r>
+          </a:p>
+          <a:p>
+            <a:r>
+              <a:rPr lang="it-IT" sz="1200" dirty="0">
+                <a:solidFill>
+                  <a:schemeClr val="accent6">
+                    <a:lumMod val="50000"/>
+                  </a:schemeClr>
+                </a:solidFill>
+                <a:latin typeface="Bookman Old Style" panose="02050604050505020204" pitchFamily="18" charset="0"/>
+              </a:rPr>
+              <a:t>outdoorOccupied</a:t>
+            </a:r>
+          </a:p>
+        </p:txBody>
+      </p:sp>
+      <p:grpSp>
+        <p:nvGrpSpPr>
+          <p:cNvPr id="39" name="Gruppo 38">
+            <a:extLst>
+              <a:ext uri="{FF2B5EF4-FFF2-40B4-BE49-F238E27FC236}">
+                <a16:creationId xmlns:a16="http://schemas.microsoft.com/office/drawing/2014/main" id="{6461771D-B972-49AF-943B-06ADB7720DB1}"/>
+              </a:ext>
+            </a:extLst>
+          </p:cNvPr>
+          <p:cNvGrpSpPr/>
+          <p:nvPr/>
+        </p:nvGrpSpPr>
+        <p:grpSpPr>
+          <a:xfrm>
+            <a:off x="3430139" y="2255389"/>
+            <a:ext cx="1926426" cy="1214172"/>
+            <a:chOff x="402476" y="309828"/>
+            <a:chExt cx="1926426" cy="1214172"/>
+          </a:xfrm>
+        </p:grpSpPr>
+        <p:sp>
+          <p:nvSpPr>
+            <p:cNvPr id="40" name="Ovale 39">
+              <a:extLst>
+                <a:ext uri="{FF2B5EF4-FFF2-40B4-BE49-F238E27FC236}">
+                  <a16:creationId xmlns:a16="http://schemas.microsoft.com/office/drawing/2014/main" id="{8EF13FE2-45C2-4D58-8FD1-34FA7D851B91}"/>
+                </a:ext>
+              </a:extLst>
+            </p:cNvPr>
+            <p:cNvSpPr/>
+            <p:nvPr/>
+          </p:nvSpPr>
+          <p:spPr>
+            <a:xfrm>
+              <a:off x="674277" y="462824"/>
+              <a:ext cx="1654625" cy="1061176"/>
+            </a:xfrm>
+            <a:prstGeom prst="ellipse">
+              <a:avLst/>
+            </a:prstGeom>
+            <a:solidFill>
+              <a:schemeClr val="accent2">
+                <a:lumMod val="20000"/>
+                <a:lumOff val="80000"/>
+              </a:schemeClr>
+            </a:solidFill>
+            <a:ln w="12700">
+              <a:solidFill>
+                <a:schemeClr val="tx1"/>
+              </a:solidFill>
+            </a:ln>
+          </p:spPr>
+          <p:style>
+            <a:lnRef idx="2">
+              <a:schemeClr val="accent1">
+                <a:shade val="50000"/>
+              </a:schemeClr>
+            </a:lnRef>
+            <a:fillRef idx="1">
+              <a:schemeClr val="accent1"/>
+            </a:fillRef>
+            <a:effectRef idx="0">
+              <a:schemeClr val="accent1"/>
+            </a:effectRef>
+            <a:fontRef idx="minor">
+              <a:schemeClr val="lt1"/>
+            </a:fontRef>
+          </p:style>
+          <p:txBody>
+            <a:bodyPr rtlCol="0" anchor="ctr"/>
+            <a:lstStyle/>
+            <a:p>
+              <a:pPr algn="ctr"/>
+              <a:r>
+                <a:rPr lang="it-IT" sz="1200" dirty="0">
+                  <a:solidFill>
+                    <a:schemeClr val="tx1"/>
+                  </a:solidFill>
+                  <a:latin typeface="Century Schoolbook" panose="02040604050505020304" pitchFamily="18" charset="0"/>
+                </a:rPr>
+                <a:t>Sensors Broker Actor</a:t>
+              </a:r>
+            </a:p>
+          </p:txBody>
+        </p:sp>
+        <p:sp>
+          <p:nvSpPr>
+            <p:cNvPr id="41" name="Triangolo isoscele 40">
+              <a:extLst>
+                <a:ext uri="{FF2B5EF4-FFF2-40B4-BE49-F238E27FC236}">
+                  <a16:creationId xmlns:a16="http://schemas.microsoft.com/office/drawing/2014/main" id="{9AA67E13-583F-45E2-9B64-7825601DE4A0}"/>
+                </a:ext>
+              </a:extLst>
+            </p:cNvPr>
+            <p:cNvSpPr/>
+            <p:nvPr/>
+          </p:nvSpPr>
+          <p:spPr>
+            <a:xfrm rot="16200000">
+              <a:off x="1350190" y="330274"/>
+              <a:ext cx="296478" cy="255585"/>
+            </a:xfrm>
+            <a:prstGeom prst="triangle">
+              <a:avLst/>
+            </a:prstGeom>
+            <a:solidFill>
+              <a:srgbClr val="FF0000"/>
+            </a:solidFill>
+            <a:ln w="12700">
+              <a:solidFill>
+                <a:schemeClr val="tx1"/>
+              </a:solidFill>
+            </a:ln>
+          </p:spPr>
+          <p:style>
+            <a:lnRef idx="2">
+              <a:schemeClr val="accent1">
+                <a:shade val="50000"/>
+              </a:schemeClr>
+            </a:lnRef>
+            <a:fillRef idx="1">
+              <a:schemeClr val="accent1"/>
+            </a:fillRef>
+            <a:effectRef idx="0">
+              <a:schemeClr val="accent1"/>
+            </a:effectRef>
+            <a:fontRef idx="minor">
+              <a:schemeClr val="lt1"/>
+            </a:fontRef>
+          </p:style>
+          <p:txBody>
+            <a:bodyPr rtlCol="0" anchor="ctr"/>
+            <a:lstStyle/>
+            <a:p>
+              <a:pPr algn="ctr"/>
+              <a:endParaRPr lang="it-IT"/>
+            </a:p>
+          </p:txBody>
+        </p:sp>
+        <p:sp>
+          <p:nvSpPr>
+            <p:cNvPr id="42" name="Rettangolo 41">
+              <a:extLst>
+                <a:ext uri="{FF2B5EF4-FFF2-40B4-BE49-F238E27FC236}">
+                  <a16:creationId xmlns:a16="http://schemas.microsoft.com/office/drawing/2014/main" id="{F4640F4C-9031-41B6-BA63-FE09946B9809}"/>
+                </a:ext>
+              </a:extLst>
+            </p:cNvPr>
+            <p:cNvSpPr/>
+            <p:nvPr/>
+          </p:nvSpPr>
+          <p:spPr>
+            <a:xfrm>
+              <a:off x="402476" y="864906"/>
+              <a:ext cx="530961" cy="252254"/>
+            </a:xfrm>
+            <a:prstGeom prst="rect">
+              <a:avLst/>
+            </a:prstGeom>
+            <a:solidFill>
+              <a:schemeClr val="accent2">
+                <a:lumMod val="20000"/>
+                <a:lumOff val="80000"/>
+              </a:schemeClr>
+            </a:solidFill>
+            <a:ln w="12700">
+              <a:solidFill>
+                <a:schemeClr val="tx1"/>
+              </a:solidFill>
+            </a:ln>
+          </p:spPr>
+          <p:style>
+            <a:lnRef idx="2">
+              <a:schemeClr val="accent1">
+                <a:shade val="50000"/>
+              </a:schemeClr>
+            </a:lnRef>
+            <a:fillRef idx="1">
+              <a:schemeClr val="accent1"/>
+            </a:fillRef>
+            <a:effectRef idx="0">
+              <a:schemeClr val="accent1"/>
+            </a:effectRef>
+            <a:fontRef idx="minor">
+              <a:schemeClr val="lt1"/>
+            </a:fontRef>
+          </p:style>
+          <p:txBody>
+            <a:bodyPr rtlCol="0" anchor="ctr"/>
+            <a:lstStyle/>
+            <a:p>
+              <a:pPr algn="ctr"/>
+              <a:endParaRPr lang="it-IT"/>
+            </a:p>
+          </p:txBody>
+        </p:sp>
+      </p:grpSp>
+      <p:sp>
+        <p:nvSpPr>
+          <p:cNvPr id="47" name="CasellaDiTesto 46">
+            <a:extLst>
+              <a:ext uri="{FF2B5EF4-FFF2-40B4-BE49-F238E27FC236}">
+                <a16:creationId xmlns:a16="http://schemas.microsoft.com/office/drawing/2014/main" id="{BA4AB18F-E696-4E62-94CB-F6F59FC9A59F}"/>
+              </a:ext>
+            </a:extLst>
+          </p:cNvPr>
+          <p:cNvSpPr txBox="1"/>
+          <p:nvPr/>
+        </p:nvSpPr>
+        <p:spPr>
+          <a:xfrm>
+            <a:off x="5426223" y="2258200"/>
+            <a:ext cx="1260281" cy="461665"/>
+          </a:xfrm>
+          <a:prstGeom prst="rect">
+            <a:avLst/>
+          </a:prstGeom>
+          <a:noFill/>
+        </p:spPr>
+        <p:txBody>
+          <a:bodyPr wrap="none" rtlCol="0">
+            <a:spAutoFit/>
+          </a:bodyPr>
+          <a:lstStyle/>
+          <a:p>
+            <a:r>
+              <a:rPr lang="it-IT" sz="1200" dirty="0" smtClean="0">
+                <a:solidFill>
+                  <a:schemeClr val="accent4">
+                    <a:lumMod val="50000"/>
+                  </a:schemeClr>
+                </a:solidFill>
+                <a:latin typeface="Bookman Old Style" panose="02050604050505020204" pitchFamily="18" charset="0"/>
+              </a:rPr>
+              <a:t>indoorStatus</a:t>
+            </a:r>
+            <a:endParaRPr lang="it-IT" sz="1200" dirty="0">
+              <a:solidFill>
+                <a:schemeClr val="accent4">
+                  <a:lumMod val="50000"/>
+                </a:schemeClr>
+              </a:solidFill>
+              <a:latin typeface="Bookman Old Style" panose="02050604050505020204" pitchFamily="18" charset="0"/>
+            </a:endParaRPr>
+          </a:p>
+          <a:p>
+            <a:r>
+              <a:rPr lang="it-IT" sz="1200" dirty="0" smtClean="0">
+                <a:solidFill>
+                  <a:schemeClr val="accent4">
+                    <a:lumMod val="50000"/>
+                  </a:schemeClr>
+                </a:solidFill>
+                <a:latin typeface="Bookman Old Style" panose="02050604050505020204" pitchFamily="18" charset="0"/>
+              </a:rPr>
+              <a:t>outdoorStatus</a:t>
+            </a:r>
+            <a:endParaRPr lang="it-IT" sz="1200" dirty="0">
+              <a:solidFill>
+                <a:schemeClr val="accent4">
+                  <a:lumMod val="50000"/>
+                </a:schemeClr>
+              </a:solidFill>
+              <a:latin typeface="Bookman Old Style" panose="02050604050505020204" pitchFamily="18" charset="0"/>
+            </a:endParaRPr>
+          </a:p>
+        </p:txBody>
+      </p:sp>
+      <p:sp>
+        <p:nvSpPr>
+          <p:cNvPr id="48" name="CasellaDiTesto 47">
+            <a:extLst>
+              <a:ext uri="{FF2B5EF4-FFF2-40B4-BE49-F238E27FC236}">
+                <a16:creationId xmlns:a16="http://schemas.microsoft.com/office/drawing/2014/main" id="{BA4AB18F-E696-4E62-94CB-F6F59FC9A59F}"/>
+              </a:ext>
+            </a:extLst>
+          </p:cNvPr>
+          <p:cNvSpPr txBox="1"/>
+          <p:nvPr/>
+        </p:nvSpPr>
+        <p:spPr>
+          <a:xfrm>
+            <a:off x="5177934" y="3170422"/>
+            <a:ext cx="2218877" cy="461665"/>
+          </a:xfrm>
+          <a:prstGeom prst="rect">
+            <a:avLst/>
+          </a:prstGeom>
+          <a:noFill/>
+        </p:spPr>
+        <p:txBody>
+          <a:bodyPr wrap="none" rtlCol="0">
+            <a:spAutoFit/>
+          </a:bodyPr>
+          <a:lstStyle/>
+          <a:p>
+            <a:r>
+              <a:rPr lang="it-IT" sz="1200" dirty="0">
+                <a:solidFill>
+                  <a:schemeClr val="accent4">
+                    <a:lumMod val="50000"/>
+                  </a:schemeClr>
+                </a:solidFill>
+                <a:latin typeface="Bookman Old Style" panose="02050604050505020204" pitchFamily="18" charset="0"/>
+              </a:rPr>
+              <a:t>indoorStatus</a:t>
+            </a:r>
+            <a:r>
+              <a:rPr lang="it-IT" sz="1200" dirty="0" smtClean="0">
+                <a:solidFill>
+                  <a:schemeClr val="accent4">
+                    <a:lumMod val="50000"/>
+                  </a:schemeClr>
+                </a:solidFill>
+                <a:latin typeface="Bookman Old Style" panose="02050604050505020204" pitchFamily="18" charset="0"/>
+              </a:rPr>
+              <a:t>( free / occ. )</a:t>
+            </a:r>
+            <a:endParaRPr lang="it-IT" sz="1200" dirty="0">
+              <a:solidFill>
+                <a:schemeClr val="accent4">
+                  <a:lumMod val="50000"/>
+                </a:schemeClr>
+              </a:solidFill>
+              <a:latin typeface="Bookman Old Style" panose="02050604050505020204" pitchFamily="18" charset="0"/>
+            </a:endParaRPr>
+          </a:p>
+          <a:p>
+            <a:r>
+              <a:rPr lang="it-IT" sz="1200" dirty="0" smtClean="0">
+                <a:solidFill>
+                  <a:schemeClr val="accent4">
+                    <a:lumMod val="50000"/>
+                  </a:schemeClr>
+                </a:solidFill>
+                <a:latin typeface="Bookman Old Style" panose="02050604050505020204" pitchFamily="18" charset="0"/>
+              </a:rPr>
+              <a:t>outdoorStatus( free / occ. )</a:t>
+            </a:r>
+            <a:endParaRPr lang="it-IT" sz="1200" dirty="0">
+              <a:solidFill>
+                <a:schemeClr val="accent4">
+                  <a:lumMod val="50000"/>
+                </a:schemeClr>
+              </a:solidFill>
+              <a:latin typeface="Bookman Old Style" panose="02050604050505020204" pitchFamily="18" charset="0"/>
+            </a:endParaRPr>
+          </a:p>
+        </p:txBody>
+      </p:sp>
+      <p:cxnSp>
+        <p:nvCxnSpPr>
+          <p:cNvPr id="52" name="Connettore 2 51">
+            <a:extLst>
+              <a:ext uri="{FF2B5EF4-FFF2-40B4-BE49-F238E27FC236}">
+                <a16:creationId xmlns:a16="http://schemas.microsoft.com/office/drawing/2014/main" id="{EBAE31D2-1376-4464-8F7F-B8F299C61934}"/>
+              </a:ext>
+            </a:extLst>
+          </p:cNvPr>
+          <p:cNvCxnSpPr>
+            <a:cxnSpLocks/>
+          </p:cNvCxnSpPr>
+          <p:nvPr/>
+        </p:nvCxnSpPr>
+        <p:spPr>
+          <a:xfrm>
+            <a:off x="7809662" y="1423182"/>
+            <a:ext cx="0" cy="691769"/>
+          </a:xfrm>
+          <a:prstGeom prst="straightConnector1">
+            <a:avLst/>
+          </a:prstGeom>
+          <a:ln w="19050">
+            <a:solidFill>
+              <a:schemeClr val="accent1">
+                <a:lumMod val="75000"/>
+              </a:schemeClr>
+            </a:solidFill>
+            <a:prstDash val="sysDash"/>
+            <a:headEnd type="none" w="med" len="med"/>
+            <a:tailEnd type="arrow" w="med" len="med"/>
+          </a:ln>
+        </p:spPr>
+        <p:style>
+          <a:lnRef idx="1">
+            <a:schemeClr val="accent1"/>
+          </a:lnRef>
+          <a:fillRef idx="0">
+            <a:schemeClr val="accent1"/>
+          </a:fillRef>
+          <a:effectRef idx="0">
+            <a:schemeClr val="accent1"/>
+          </a:effectRef>
+          <a:fontRef idx="minor">
+            <a:schemeClr val="tx1"/>
+          </a:fontRef>
+        </p:style>
+      </p:cxnSp>
+      <p:sp>
+        <p:nvSpPr>
+          <p:cNvPr id="53" name="CasellaDiTesto 52">
+            <a:extLst>
+              <a:ext uri="{FF2B5EF4-FFF2-40B4-BE49-F238E27FC236}">
+                <a16:creationId xmlns:a16="http://schemas.microsoft.com/office/drawing/2014/main" id="{9E3ABB73-53B1-4E01-A367-19BE7724D678}"/>
+              </a:ext>
+            </a:extLst>
+          </p:cNvPr>
+          <p:cNvSpPr txBox="1"/>
+          <p:nvPr/>
+        </p:nvSpPr>
+        <p:spPr>
+          <a:xfrm>
+            <a:off x="5854711" y="1253757"/>
+            <a:ext cx="1981633" cy="646331"/>
+          </a:xfrm>
+          <a:prstGeom prst="rect">
+            <a:avLst/>
+          </a:prstGeom>
+          <a:noFill/>
+        </p:spPr>
+        <p:txBody>
+          <a:bodyPr wrap="none" rtlCol="0">
+            <a:spAutoFit/>
+          </a:bodyPr>
+          <a:lstStyle/>
+          <a:p>
+            <a:r>
+              <a:rPr lang="it-IT" sz="1200" dirty="0" smtClean="0">
+                <a:solidFill>
+                  <a:schemeClr val="accent1">
+                    <a:lumMod val="50000"/>
+                  </a:schemeClr>
+                </a:solidFill>
+                <a:latin typeface="Bookman Old Style" panose="02050604050505020204" pitchFamily="18" charset="0"/>
+              </a:rPr>
+              <a:t>enterRequest</a:t>
+            </a:r>
+          </a:p>
+          <a:p>
+            <a:r>
+              <a:rPr lang="it-IT" sz="1200" dirty="0" smtClean="0">
+                <a:solidFill>
+                  <a:schemeClr val="accent1">
+                    <a:lumMod val="50000"/>
+                  </a:schemeClr>
+                </a:solidFill>
+                <a:latin typeface="Bookman Old Style" panose="02050604050505020204" pitchFamily="18" charset="0"/>
+              </a:rPr>
+              <a:t>carEnter</a:t>
+            </a:r>
+          </a:p>
+          <a:p>
+            <a:r>
+              <a:rPr lang="it-IT" sz="1200" dirty="0" smtClean="0">
+                <a:solidFill>
+                  <a:schemeClr val="accent1">
+                    <a:lumMod val="50000"/>
+                  </a:schemeClr>
+                </a:solidFill>
+                <a:latin typeface="Bookman Old Style" panose="02050604050505020204" pitchFamily="18" charset="0"/>
+              </a:rPr>
+              <a:t>exitRequest( TOKENID )</a:t>
+            </a:r>
+            <a:endParaRPr lang="it-IT" sz="1200" dirty="0">
+              <a:solidFill>
+                <a:schemeClr val="accent1">
+                  <a:lumMod val="50000"/>
+                </a:schemeClr>
+              </a:solidFill>
+              <a:latin typeface="Bookman Old Style" panose="02050604050505020204" pitchFamily="18" charset="0"/>
+            </a:endParaRPr>
+          </a:p>
+        </p:txBody>
+      </p:sp>
+      <p:grpSp>
+        <p:nvGrpSpPr>
+          <p:cNvPr id="54" name="Gruppo 53"/>
+          <p:cNvGrpSpPr/>
+          <p:nvPr/>
+        </p:nvGrpSpPr>
+        <p:grpSpPr>
+          <a:xfrm>
+            <a:off x="6937096" y="4227111"/>
+            <a:ext cx="1926426" cy="1214172"/>
+            <a:chOff x="402476" y="5184618"/>
+            <a:chExt cx="1926426" cy="1214172"/>
+          </a:xfrm>
+        </p:grpSpPr>
+        <p:sp>
+          <p:nvSpPr>
+            <p:cNvPr id="55" name="Ovale 54"/>
+            <p:cNvSpPr/>
+            <p:nvPr/>
+          </p:nvSpPr>
+          <p:spPr>
+            <a:xfrm>
+              <a:off x="667957" y="5332857"/>
+              <a:ext cx="1660945" cy="1065933"/>
+            </a:xfrm>
+            <a:prstGeom prst="ellipse">
+              <a:avLst/>
+            </a:prstGeom>
+            <a:solidFill>
+              <a:schemeClr val="accent2">
+                <a:lumMod val="20000"/>
+                <a:lumOff val="80000"/>
+              </a:schemeClr>
+            </a:solidFill>
+            <a:ln w="12700">
+              <a:solidFill>
+                <a:schemeClr val="tx1"/>
+              </a:solidFill>
+            </a:ln>
+          </p:spPr>
+          <p:style>
+            <a:lnRef idx="2">
+              <a:schemeClr val="accent1">
+                <a:shade val="50000"/>
+              </a:schemeClr>
+            </a:lnRef>
+            <a:fillRef idx="1">
+              <a:schemeClr val="accent1"/>
+            </a:fillRef>
+            <a:effectRef idx="0">
+              <a:schemeClr val="accent1"/>
+            </a:effectRef>
+            <a:fontRef idx="minor">
+              <a:schemeClr val="lt1"/>
+            </a:fontRef>
+          </p:style>
+          <p:txBody>
+            <a:bodyPr rtlCol="0" anchor="ctr"/>
+            <a:lstStyle/>
+            <a:p>
+              <a:pPr algn="ctr"/>
+              <a:r>
+                <a:rPr lang="it-IT" sz="1200" dirty="0">
+                  <a:solidFill>
+                    <a:schemeClr val="tx1"/>
+                  </a:solidFill>
+                  <a:latin typeface="Century Schoolbook" panose="02040604050505020304" pitchFamily="18" charset="0"/>
+                </a:rPr>
+                <a:t>Park Service Status GUI Actor</a:t>
+              </a:r>
+            </a:p>
+            <a:p>
+              <a:pPr lvl="0" algn="ctr"/>
+              <a:r>
+                <a:rPr lang="it-IT" sz="1100" i="1" dirty="0">
+                  <a:solidFill>
+                    <a:prstClr val="black"/>
+                  </a:solidFill>
+                  <a:latin typeface="Century Schoolbook" panose="02040604050505020304" pitchFamily="18" charset="0"/>
+                </a:rPr>
+                <a:t>(manager’s)</a:t>
+              </a:r>
+              <a:endParaRPr lang="it-IT" sz="1400" i="1" dirty="0">
+                <a:solidFill>
+                  <a:prstClr val="black"/>
+                </a:solidFill>
+                <a:latin typeface="Century Schoolbook" panose="02040604050505020304" pitchFamily="18" charset="0"/>
+              </a:endParaRPr>
+            </a:p>
+          </p:txBody>
+        </p:sp>
+        <p:sp>
+          <p:nvSpPr>
+            <p:cNvPr id="56" name="Triangolo isoscele 55"/>
+            <p:cNvSpPr/>
+            <p:nvPr/>
+          </p:nvSpPr>
+          <p:spPr>
+            <a:xfrm rot="16200000">
+              <a:off x="1350190" y="5205064"/>
+              <a:ext cx="296478" cy="255585"/>
+            </a:xfrm>
+            <a:prstGeom prst="triangle">
+              <a:avLst/>
+            </a:prstGeom>
+            <a:solidFill>
+              <a:srgbClr val="FF0000"/>
+            </a:solidFill>
+            <a:ln w="12700">
+              <a:solidFill>
+                <a:schemeClr val="tx1"/>
+              </a:solidFill>
+            </a:ln>
+          </p:spPr>
+          <p:style>
+            <a:lnRef idx="2">
+              <a:schemeClr val="accent1">
+                <a:shade val="50000"/>
+              </a:schemeClr>
+            </a:lnRef>
+            <a:fillRef idx="1">
+              <a:schemeClr val="accent1"/>
+            </a:fillRef>
+            <a:effectRef idx="0">
+              <a:schemeClr val="accent1"/>
+            </a:effectRef>
+            <a:fontRef idx="minor">
+              <a:schemeClr val="lt1"/>
+            </a:fontRef>
+          </p:style>
+          <p:txBody>
+            <a:bodyPr rtlCol="0" anchor="ctr"/>
+            <a:lstStyle/>
+            <a:p>
+              <a:pPr algn="ctr"/>
+              <a:endParaRPr lang="it-IT"/>
+            </a:p>
+          </p:txBody>
+        </p:sp>
+        <p:sp>
+          <p:nvSpPr>
+            <p:cNvPr id="57" name="Rettangolo 56"/>
+            <p:cNvSpPr/>
+            <p:nvPr/>
+          </p:nvSpPr>
+          <p:spPr>
+            <a:xfrm>
+              <a:off x="402476" y="5739696"/>
+              <a:ext cx="530961" cy="252254"/>
+            </a:xfrm>
+            <a:prstGeom prst="rect">
+              <a:avLst/>
+            </a:prstGeom>
+            <a:solidFill>
+              <a:schemeClr val="accent2">
+                <a:lumMod val="20000"/>
+                <a:lumOff val="80000"/>
+              </a:schemeClr>
+            </a:solidFill>
+            <a:ln w="12700">
+              <a:solidFill>
+                <a:schemeClr val="tx1"/>
+              </a:solidFill>
+            </a:ln>
+          </p:spPr>
+          <p:style>
+            <a:lnRef idx="2">
+              <a:schemeClr val="accent1">
+                <a:shade val="50000"/>
+              </a:schemeClr>
+            </a:lnRef>
+            <a:fillRef idx="1">
+              <a:schemeClr val="accent1"/>
+            </a:fillRef>
+            <a:effectRef idx="0">
+              <a:schemeClr val="accent1"/>
+            </a:effectRef>
+            <a:fontRef idx="minor">
+              <a:schemeClr val="lt1"/>
+            </a:fontRef>
+          </p:style>
+          <p:txBody>
+            <a:bodyPr rtlCol="0" anchor="ctr"/>
+            <a:lstStyle/>
+            <a:p>
+              <a:pPr algn="ctr"/>
+              <a:endParaRPr lang="it-IT"/>
+            </a:p>
+          </p:txBody>
+        </p:sp>
+      </p:grpSp>
+      <p:sp>
+        <p:nvSpPr>
+          <p:cNvPr id="58" name="Figura a mano libera 57"/>
+          <p:cNvSpPr/>
+          <p:nvPr/>
+        </p:nvSpPr>
+        <p:spPr>
+          <a:xfrm rot="19800000">
+            <a:off x="6153739" y="5166083"/>
+            <a:ext cx="990600" cy="638334"/>
+          </a:xfrm>
+          <a:custGeom>
+            <a:avLst/>
+            <a:gdLst>
+              <a:gd name="connsiteX0" fmla="*/ 0 w 990600"/>
+              <a:gd name="connsiteY0" fmla="*/ 439954 h 638334"/>
+              <a:gd name="connsiteX1" fmla="*/ 314325 w 990600"/>
+              <a:gd name="connsiteY1" fmla="*/ 439954 h 638334"/>
+              <a:gd name="connsiteX2" fmla="*/ 390525 w 990600"/>
+              <a:gd name="connsiteY2" fmla="*/ 1804 h 638334"/>
+              <a:gd name="connsiteX3" fmla="*/ 571500 w 990600"/>
+              <a:gd name="connsiteY3" fmla="*/ 630454 h 638334"/>
+              <a:gd name="connsiteX4" fmla="*/ 685800 w 990600"/>
+              <a:gd name="connsiteY4" fmla="*/ 354229 h 638334"/>
+              <a:gd name="connsiteX5" fmla="*/ 990600 w 990600"/>
+              <a:gd name="connsiteY5" fmla="*/ 344704 h 638334"/>
+            </a:gdLst>
+            <a:ahLst/>
+            <a:cxnLst>
+              <a:cxn ang="0">
+                <a:pos x="connsiteX0" y="connsiteY0"/>
+              </a:cxn>
+              <a:cxn ang="0">
+                <a:pos x="connsiteX1" y="connsiteY1"/>
+              </a:cxn>
+              <a:cxn ang="0">
+                <a:pos x="connsiteX2" y="connsiteY2"/>
+              </a:cxn>
+              <a:cxn ang="0">
+                <a:pos x="connsiteX3" y="connsiteY3"/>
+              </a:cxn>
+              <a:cxn ang="0">
+                <a:pos x="connsiteX4" y="connsiteY4"/>
+              </a:cxn>
+              <a:cxn ang="0">
+                <a:pos x="connsiteX5" y="connsiteY5"/>
+              </a:cxn>
+            </a:cxnLst>
+            <a:rect l="l" t="t" r="r" b="b"/>
+            <a:pathLst>
+              <a:path w="990600" h="638334">
+                <a:moveTo>
+                  <a:pt x="0" y="439954"/>
+                </a:moveTo>
+                <a:cubicBezTo>
+                  <a:pt x="124619" y="476466"/>
+                  <a:pt x="249238" y="512979"/>
+                  <a:pt x="314325" y="439954"/>
+                </a:cubicBezTo>
+                <a:cubicBezTo>
+                  <a:pt x="379412" y="366929"/>
+                  <a:pt x="347663" y="-29946"/>
+                  <a:pt x="390525" y="1804"/>
+                </a:cubicBezTo>
+                <a:cubicBezTo>
+                  <a:pt x="433387" y="33554"/>
+                  <a:pt x="522288" y="571717"/>
+                  <a:pt x="571500" y="630454"/>
+                </a:cubicBezTo>
+                <a:cubicBezTo>
+                  <a:pt x="620713" y="689192"/>
+                  <a:pt x="615950" y="401854"/>
+                  <a:pt x="685800" y="354229"/>
+                </a:cubicBezTo>
+                <a:cubicBezTo>
+                  <a:pt x="755650" y="306604"/>
+                  <a:pt x="873125" y="325654"/>
+                  <a:pt x="990600" y="344704"/>
+                </a:cubicBezTo>
+              </a:path>
+            </a:pathLst>
+          </a:custGeom>
+          <a:noFill/>
+          <a:ln w="15875">
+            <a:solidFill>
+              <a:schemeClr val="accent6">
+                <a:lumMod val="75000"/>
+              </a:schemeClr>
+            </a:solidFill>
+            <a:tailEnd type="arrow"/>
+          </a:ln>
+        </p:spPr>
+        <p:style>
+          <a:lnRef idx="2">
+            <a:schemeClr val="accent1">
+              <a:shade val="50000"/>
+            </a:schemeClr>
+          </a:lnRef>
+          <a:fillRef idx="1">
+            <a:schemeClr val="accent1"/>
+          </a:fillRef>
+          <a:effectRef idx="0">
+            <a:schemeClr val="accent1"/>
+          </a:effectRef>
+          <a:fontRef idx="minor">
+            <a:schemeClr val="lt1"/>
+          </a:fontRef>
+        </p:style>
+        <p:txBody>
+          <a:bodyPr rtlCol="0" anchor="ctr"/>
+          <a:lstStyle/>
+          <a:p>
+            <a:pPr algn="ctr"/>
+            <a:endParaRPr lang="it-IT"/>
+          </a:p>
+        </p:txBody>
+      </p:sp>
+      <p:grpSp>
+        <p:nvGrpSpPr>
+          <p:cNvPr id="59" name="Gruppo 58"/>
+          <p:cNvGrpSpPr/>
+          <p:nvPr/>
+        </p:nvGrpSpPr>
+        <p:grpSpPr>
+          <a:xfrm>
+            <a:off x="4300844" y="5466541"/>
+            <a:ext cx="1926426" cy="1214172"/>
+            <a:chOff x="402476" y="5184618"/>
+            <a:chExt cx="1926426" cy="1214172"/>
+          </a:xfrm>
+        </p:grpSpPr>
+        <p:sp>
+          <p:nvSpPr>
+            <p:cNvPr id="60" name="Ovale 59"/>
+            <p:cNvSpPr/>
+            <p:nvPr/>
+          </p:nvSpPr>
+          <p:spPr>
+            <a:xfrm>
+              <a:off x="667957" y="5332857"/>
+              <a:ext cx="1660945" cy="1065933"/>
+            </a:xfrm>
+            <a:prstGeom prst="ellipse">
+              <a:avLst/>
+            </a:prstGeom>
+            <a:solidFill>
+              <a:schemeClr val="accent2">
+                <a:lumMod val="20000"/>
+                <a:lumOff val="80000"/>
+              </a:schemeClr>
+            </a:solidFill>
+            <a:ln w="12700">
+              <a:solidFill>
+                <a:schemeClr val="tx1"/>
+              </a:solidFill>
+            </a:ln>
+          </p:spPr>
+          <p:style>
+            <a:lnRef idx="2">
+              <a:schemeClr val="accent1">
+                <a:shade val="50000"/>
+              </a:schemeClr>
+            </a:lnRef>
+            <a:fillRef idx="1">
+              <a:schemeClr val="accent1"/>
+            </a:fillRef>
+            <a:effectRef idx="0">
+              <a:schemeClr val="accent1"/>
+            </a:effectRef>
+            <a:fontRef idx="minor">
+              <a:schemeClr val="lt1"/>
+            </a:fontRef>
+          </p:style>
+          <p:txBody>
+            <a:bodyPr rtlCol="0" anchor="ctr"/>
+            <a:lstStyle/>
+            <a:p>
+              <a:pPr algn="ctr"/>
+              <a:r>
+                <a:rPr lang="it-IT" sz="1200" dirty="0">
+                  <a:solidFill>
+                    <a:schemeClr val="tx1"/>
+                  </a:solidFill>
+                  <a:latin typeface="Century Schoolbook" panose="02040604050505020304" pitchFamily="18" charset="0"/>
+                </a:rPr>
+                <a:t>Thermometer</a:t>
+              </a:r>
+            </a:p>
+            <a:p>
+              <a:pPr algn="ctr"/>
+              <a:r>
+                <a:rPr lang="it-IT" sz="1200" dirty="0">
+                  <a:solidFill>
+                    <a:schemeClr val="tx1"/>
+                  </a:solidFill>
+                  <a:latin typeface="Century Schoolbook" panose="02040604050505020304" pitchFamily="18" charset="0"/>
+                </a:rPr>
+                <a:t>Actor</a:t>
+              </a:r>
+            </a:p>
+          </p:txBody>
+        </p:sp>
+        <p:sp>
+          <p:nvSpPr>
+            <p:cNvPr id="61" name="Triangolo isoscele 60"/>
+            <p:cNvSpPr/>
+            <p:nvPr/>
+          </p:nvSpPr>
+          <p:spPr>
+            <a:xfrm rot="16200000">
+              <a:off x="1350190" y="5205064"/>
+              <a:ext cx="296478" cy="255585"/>
+            </a:xfrm>
+            <a:prstGeom prst="triangle">
+              <a:avLst/>
+            </a:prstGeom>
+            <a:solidFill>
+              <a:srgbClr val="FF0000"/>
+            </a:solidFill>
+            <a:ln w="12700">
+              <a:solidFill>
+                <a:schemeClr val="tx1"/>
+              </a:solidFill>
+            </a:ln>
+          </p:spPr>
+          <p:style>
+            <a:lnRef idx="2">
+              <a:schemeClr val="accent1">
+                <a:shade val="50000"/>
+              </a:schemeClr>
+            </a:lnRef>
+            <a:fillRef idx="1">
+              <a:schemeClr val="accent1"/>
+            </a:fillRef>
+            <a:effectRef idx="0">
+              <a:schemeClr val="accent1"/>
+            </a:effectRef>
+            <a:fontRef idx="minor">
+              <a:schemeClr val="lt1"/>
+            </a:fontRef>
+          </p:style>
+          <p:txBody>
+            <a:bodyPr rtlCol="0" anchor="ctr"/>
+            <a:lstStyle/>
+            <a:p>
+              <a:pPr algn="ctr"/>
+              <a:endParaRPr lang="it-IT"/>
+            </a:p>
+          </p:txBody>
+        </p:sp>
+        <p:sp>
+          <p:nvSpPr>
+            <p:cNvPr id="62" name="Rettangolo 61"/>
+            <p:cNvSpPr/>
+            <p:nvPr/>
+          </p:nvSpPr>
+          <p:spPr>
+            <a:xfrm>
+              <a:off x="402476" y="5739696"/>
+              <a:ext cx="530961" cy="252254"/>
+            </a:xfrm>
+            <a:prstGeom prst="rect">
+              <a:avLst/>
+            </a:prstGeom>
+            <a:solidFill>
+              <a:schemeClr val="accent2">
+                <a:lumMod val="20000"/>
+                <a:lumOff val="80000"/>
+              </a:schemeClr>
+            </a:solidFill>
+            <a:ln w="12700">
+              <a:solidFill>
+                <a:schemeClr val="tx1"/>
+              </a:solidFill>
+            </a:ln>
+          </p:spPr>
+          <p:style>
+            <a:lnRef idx="2">
+              <a:schemeClr val="accent1">
+                <a:shade val="50000"/>
+              </a:schemeClr>
+            </a:lnRef>
+            <a:fillRef idx="1">
+              <a:schemeClr val="accent1"/>
+            </a:fillRef>
+            <a:effectRef idx="0">
+              <a:schemeClr val="accent1"/>
+            </a:effectRef>
+            <a:fontRef idx="minor">
+              <a:schemeClr val="lt1"/>
+            </a:fontRef>
+          </p:style>
+          <p:txBody>
+            <a:bodyPr rtlCol="0" anchor="ctr"/>
+            <a:lstStyle/>
+            <a:p>
+              <a:pPr algn="ctr"/>
+              <a:endParaRPr lang="it-IT"/>
+            </a:p>
+          </p:txBody>
+        </p:sp>
+      </p:grpSp>
+      <p:sp>
+        <p:nvSpPr>
+          <p:cNvPr id="63" name="CasellaDiTesto 62"/>
+          <p:cNvSpPr txBox="1"/>
+          <p:nvPr/>
+        </p:nvSpPr>
+        <p:spPr>
+          <a:xfrm>
+            <a:off x="6114928" y="5813318"/>
+            <a:ext cx="1606530" cy="276999"/>
+          </a:xfrm>
+          <a:prstGeom prst="rect">
+            <a:avLst/>
+          </a:prstGeom>
+          <a:noFill/>
+        </p:spPr>
+        <p:txBody>
+          <a:bodyPr wrap="none" rtlCol="0">
+            <a:spAutoFit/>
+          </a:bodyPr>
+          <a:lstStyle/>
+          <a:p>
+            <a:r>
+              <a:rPr lang="it-IT" sz="1200" dirty="0" smtClean="0">
+                <a:solidFill>
+                  <a:schemeClr val="accent6">
+                    <a:lumMod val="50000"/>
+                  </a:schemeClr>
+                </a:solidFill>
+                <a:latin typeface="Bookman Old Style" panose="02050604050505020204" pitchFamily="18" charset="0"/>
+              </a:rPr>
+              <a:t>temperature( VAL )</a:t>
+            </a:r>
+            <a:endParaRPr lang="it-IT" sz="1200" dirty="0">
+              <a:solidFill>
+                <a:schemeClr val="accent6">
+                  <a:lumMod val="50000"/>
+                </a:schemeClr>
+              </a:solidFill>
+              <a:latin typeface="Bookman Old Style" panose="02050604050505020204" pitchFamily="18" charset="0"/>
+            </a:endParaRPr>
+          </a:p>
+        </p:txBody>
+      </p:sp>
+      <p:grpSp>
+        <p:nvGrpSpPr>
+          <p:cNvPr id="64" name="Gruppo 63"/>
+          <p:cNvGrpSpPr/>
+          <p:nvPr/>
+        </p:nvGrpSpPr>
+        <p:grpSpPr>
+          <a:xfrm>
+            <a:off x="10072507" y="4252369"/>
+            <a:ext cx="1926426" cy="1214172"/>
+            <a:chOff x="402476" y="5184618"/>
+            <a:chExt cx="1926426" cy="1214172"/>
+          </a:xfrm>
+        </p:grpSpPr>
+        <p:sp>
+          <p:nvSpPr>
+            <p:cNvPr id="65" name="Ovale 64"/>
+            <p:cNvSpPr/>
+            <p:nvPr/>
+          </p:nvSpPr>
+          <p:spPr>
+            <a:xfrm>
+              <a:off x="667957" y="5332857"/>
+              <a:ext cx="1660945" cy="1065933"/>
+            </a:xfrm>
+            <a:prstGeom prst="ellipse">
+              <a:avLst/>
+            </a:prstGeom>
+            <a:solidFill>
+              <a:schemeClr val="accent2">
+                <a:lumMod val="20000"/>
+                <a:lumOff val="80000"/>
+              </a:schemeClr>
+            </a:solidFill>
+            <a:ln w="12700">
+              <a:solidFill>
+                <a:schemeClr val="tx1"/>
+              </a:solidFill>
+            </a:ln>
+          </p:spPr>
+          <p:style>
+            <a:lnRef idx="2">
+              <a:schemeClr val="accent1">
+                <a:shade val="50000"/>
+              </a:schemeClr>
+            </a:lnRef>
+            <a:fillRef idx="1">
+              <a:schemeClr val="accent1"/>
+            </a:fillRef>
+            <a:effectRef idx="0">
+              <a:schemeClr val="accent1"/>
+            </a:effectRef>
+            <a:fontRef idx="minor">
+              <a:schemeClr val="lt1"/>
+            </a:fontRef>
+          </p:style>
+          <p:txBody>
+            <a:bodyPr rtlCol="0" anchor="ctr"/>
+            <a:lstStyle/>
+            <a:p>
+              <a:pPr algn="ctr"/>
+              <a:r>
+                <a:rPr lang="it-IT" sz="1200" dirty="0">
+                  <a:solidFill>
+                    <a:schemeClr val="tx1"/>
+                  </a:solidFill>
+                  <a:latin typeface="Century Schoolbook" panose="02040604050505020304" pitchFamily="18" charset="0"/>
+                </a:rPr>
+                <a:t>Fan</a:t>
+              </a:r>
+            </a:p>
+            <a:p>
+              <a:pPr algn="ctr"/>
+              <a:r>
+                <a:rPr lang="it-IT" sz="1200" dirty="0">
+                  <a:solidFill>
+                    <a:schemeClr val="tx1"/>
+                  </a:solidFill>
+                  <a:latin typeface="Century Schoolbook" panose="02040604050505020304" pitchFamily="18" charset="0"/>
+                </a:rPr>
+                <a:t>Actor</a:t>
+              </a:r>
+              <a:endParaRPr lang="it-IT" sz="1400" i="1" dirty="0">
+                <a:solidFill>
+                  <a:schemeClr val="tx1"/>
+                </a:solidFill>
+                <a:latin typeface="Century Schoolbook" panose="02040604050505020304" pitchFamily="18" charset="0"/>
+              </a:endParaRPr>
+            </a:p>
+          </p:txBody>
+        </p:sp>
+        <p:sp>
+          <p:nvSpPr>
+            <p:cNvPr id="66" name="Triangolo isoscele 65"/>
+            <p:cNvSpPr/>
+            <p:nvPr/>
+          </p:nvSpPr>
+          <p:spPr>
+            <a:xfrm rot="16200000">
+              <a:off x="1350190" y="5205064"/>
+              <a:ext cx="296478" cy="255585"/>
+            </a:xfrm>
+            <a:prstGeom prst="triangle">
+              <a:avLst/>
+            </a:prstGeom>
+            <a:solidFill>
+              <a:srgbClr val="FF0000"/>
+            </a:solidFill>
+            <a:ln w="12700">
+              <a:solidFill>
+                <a:schemeClr val="tx1"/>
+              </a:solidFill>
+            </a:ln>
+          </p:spPr>
+          <p:style>
+            <a:lnRef idx="2">
+              <a:schemeClr val="accent1">
+                <a:shade val="50000"/>
+              </a:schemeClr>
+            </a:lnRef>
+            <a:fillRef idx="1">
+              <a:schemeClr val="accent1"/>
+            </a:fillRef>
+            <a:effectRef idx="0">
+              <a:schemeClr val="accent1"/>
+            </a:effectRef>
+            <a:fontRef idx="minor">
+              <a:schemeClr val="lt1"/>
+            </a:fontRef>
+          </p:style>
+          <p:txBody>
+            <a:bodyPr rtlCol="0" anchor="ctr"/>
+            <a:lstStyle/>
+            <a:p>
+              <a:pPr algn="ctr"/>
+              <a:endParaRPr lang="it-IT"/>
+            </a:p>
+          </p:txBody>
+        </p:sp>
+        <p:sp>
+          <p:nvSpPr>
+            <p:cNvPr id="67" name="Rettangolo 66"/>
+            <p:cNvSpPr/>
+            <p:nvPr/>
+          </p:nvSpPr>
+          <p:spPr>
+            <a:xfrm>
+              <a:off x="402476" y="5739696"/>
+              <a:ext cx="530961" cy="252254"/>
+            </a:xfrm>
+            <a:prstGeom prst="rect">
+              <a:avLst/>
+            </a:prstGeom>
+            <a:solidFill>
+              <a:schemeClr val="accent2">
+                <a:lumMod val="20000"/>
+                <a:lumOff val="80000"/>
+              </a:schemeClr>
+            </a:solidFill>
+            <a:ln w="12700">
+              <a:solidFill>
+                <a:schemeClr val="tx1"/>
+              </a:solidFill>
+            </a:ln>
+          </p:spPr>
+          <p:style>
+            <a:lnRef idx="2">
+              <a:schemeClr val="accent1">
+                <a:shade val="50000"/>
+              </a:schemeClr>
+            </a:lnRef>
+            <a:fillRef idx="1">
+              <a:schemeClr val="accent1"/>
+            </a:fillRef>
+            <a:effectRef idx="0">
+              <a:schemeClr val="accent1"/>
+            </a:effectRef>
+            <a:fontRef idx="minor">
+              <a:schemeClr val="lt1"/>
+            </a:fontRef>
+          </p:style>
+          <p:txBody>
+            <a:bodyPr rtlCol="0" anchor="ctr"/>
+            <a:lstStyle/>
+            <a:p>
+              <a:pPr algn="ctr"/>
+              <a:endParaRPr lang="it-IT"/>
+            </a:p>
+          </p:txBody>
+        </p:sp>
+      </p:grpSp>
+      <p:cxnSp>
+        <p:nvCxnSpPr>
+          <p:cNvPr id="68" name="Connettore 2 67">
+            <a:extLst>
+              <a:ext uri="{FF2B5EF4-FFF2-40B4-BE49-F238E27FC236}">
+                <a16:creationId xmlns:a16="http://schemas.microsoft.com/office/drawing/2014/main" id="{EBAE31D2-1376-4464-8F7F-B8F299C61934}"/>
+              </a:ext>
+            </a:extLst>
+          </p:cNvPr>
+          <p:cNvCxnSpPr>
+            <a:cxnSpLocks/>
+          </p:cNvCxnSpPr>
+          <p:nvPr/>
+        </p:nvCxnSpPr>
+        <p:spPr>
+          <a:xfrm>
+            <a:off x="7917338" y="3648332"/>
+            <a:ext cx="0" cy="612219"/>
+          </a:xfrm>
+          <a:prstGeom prst="straightConnector1">
+            <a:avLst/>
+          </a:prstGeom>
+          <a:ln w="19050">
+            <a:solidFill>
+              <a:schemeClr val="accent1">
+                <a:lumMod val="75000"/>
+              </a:schemeClr>
+            </a:solidFill>
+            <a:prstDash val="sysDash"/>
+            <a:headEnd type="none" w="med" len="med"/>
+            <a:tailEnd type="arrow" w="med" len="med"/>
+          </a:ln>
+        </p:spPr>
+        <p:style>
+          <a:lnRef idx="1">
+            <a:schemeClr val="accent1"/>
+          </a:lnRef>
+          <a:fillRef idx="0">
+            <a:schemeClr val="accent1"/>
+          </a:fillRef>
+          <a:effectRef idx="0">
+            <a:schemeClr val="accent1"/>
+          </a:effectRef>
+          <a:fontRef idx="minor">
+            <a:schemeClr val="tx1"/>
+          </a:fontRef>
+        </p:style>
+      </p:cxnSp>
+      <p:sp>
+        <p:nvSpPr>
+          <p:cNvPr id="70" name="CasellaDiTesto 69">
+            <a:extLst>
+              <a:ext uri="{FF2B5EF4-FFF2-40B4-BE49-F238E27FC236}">
+                <a16:creationId xmlns:a16="http://schemas.microsoft.com/office/drawing/2014/main" id="{9E3ABB73-53B1-4E01-A367-19BE7724D678}"/>
+              </a:ext>
+            </a:extLst>
+          </p:cNvPr>
+          <p:cNvSpPr txBox="1"/>
+          <p:nvPr/>
+        </p:nvSpPr>
+        <p:spPr>
+          <a:xfrm>
+            <a:off x="6171691" y="3730052"/>
+            <a:ext cx="1790875" cy="276999"/>
+          </a:xfrm>
+          <a:prstGeom prst="rect">
+            <a:avLst/>
+          </a:prstGeom>
+          <a:noFill/>
+        </p:spPr>
+        <p:txBody>
+          <a:bodyPr wrap="none" rtlCol="0">
+            <a:spAutoFit/>
+          </a:bodyPr>
+          <a:lstStyle/>
+          <a:p>
+            <a:r>
+              <a:rPr lang="it-IT" sz="1200" dirty="0" smtClean="0">
+                <a:solidFill>
+                  <a:schemeClr val="accent1">
+                    <a:lumMod val="50000"/>
+                  </a:schemeClr>
+                </a:solidFill>
+                <a:latin typeface="Bookman Old Style" panose="02050604050505020204" pitchFamily="18" charset="0"/>
+              </a:rPr>
+              <a:t>slot( NUM , STATUS )</a:t>
+            </a:r>
+            <a:endParaRPr lang="it-IT" sz="1200" dirty="0">
+              <a:solidFill>
+                <a:schemeClr val="accent1">
+                  <a:lumMod val="50000"/>
+                </a:schemeClr>
+              </a:solidFill>
+              <a:latin typeface="Bookman Old Style" panose="02050604050505020204" pitchFamily="18" charset="0"/>
+            </a:endParaRPr>
+          </a:p>
+        </p:txBody>
+      </p:sp>
+      <p:cxnSp>
+        <p:nvCxnSpPr>
+          <p:cNvPr id="71" name="Connettore 2 70"/>
+          <p:cNvCxnSpPr/>
+          <p:nvPr/>
+        </p:nvCxnSpPr>
+        <p:spPr>
+          <a:xfrm>
+            <a:off x="8975306" y="4933574"/>
+            <a:ext cx="945711" cy="0"/>
+          </a:xfrm>
+          <a:prstGeom prst="straightConnector1">
+            <a:avLst/>
+          </a:prstGeom>
+          <a:ln w="19050">
+            <a:solidFill>
+              <a:schemeClr val="accent1">
+                <a:lumMod val="75000"/>
+              </a:schemeClr>
+            </a:solidFill>
+            <a:prstDash val="sysDash"/>
+            <a:headEnd type="none" w="med" len="med"/>
+            <a:tailEnd type="arrow" w="med" len="med"/>
+          </a:ln>
+        </p:spPr>
+        <p:style>
+          <a:lnRef idx="1">
+            <a:schemeClr val="accent1"/>
+          </a:lnRef>
+          <a:fillRef idx="0">
+            <a:schemeClr val="accent1"/>
+          </a:fillRef>
+          <a:effectRef idx="0">
+            <a:schemeClr val="accent1"/>
+          </a:effectRef>
+          <a:fontRef idx="minor">
+            <a:schemeClr val="tx1"/>
+          </a:fontRef>
+        </p:style>
+      </p:cxnSp>
+      <p:sp>
+        <p:nvSpPr>
+          <p:cNvPr id="72" name="CasellaDiTesto 71"/>
+          <p:cNvSpPr txBox="1"/>
+          <p:nvPr/>
+        </p:nvSpPr>
+        <p:spPr>
+          <a:xfrm>
+            <a:off x="9045897" y="4426986"/>
+            <a:ext cx="798617" cy="461665"/>
+          </a:xfrm>
+          <a:prstGeom prst="rect">
+            <a:avLst/>
+          </a:prstGeom>
+          <a:noFill/>
+        </p:spPr>
+        <p:txBody>
+          <a:bodyPr wrap="none" rtlCol="0">
+            <a:spAutoFit/>
+          </a:bodyPr>
+          <a:lstStyle/>
+          <a:p>
+            <a:r>
+              <a:rPr lang="it-IT" sz="1200" dirty="0" smtClean="0">
+                <a:solidFill>
+                  <a:schemeClr val="accent1">
+                    <a:lumMod val="50000"/>
+                  </a:schemeClr>
+                </a:solidFill>
+                <a:latin typeface="Bookman Old Style" panose="02050604050505020204" pitchFamily="18" charset="0"/>
+              </a:rPr>
+              <a:t>fanStart</a:t>
+            </a:r>
+          </a:p>
+          <a:p>
+            <a:r>
+              <a:rPr lang="it-IT" sz="1200" dirty="0" smtClean="0">
+                <a:solidFill>
+                  <a:schemeClr val="accent1">
+                    <a:lumMod val="50000"/>
+                  </a:schemeClr>
+                </a:solidFill>
+                <a:latin typeface="Bookman Old Style" panose="02050604050505020204" pitchFamily="18" charset="0"/>
+              </a:rPr>
+              <a:t>fanStop</a:t>
+            </a:r>
+            <a:endParaRPr lang="it-IT" sz="1200" dirty="0">
+              <a:solidFill>
+                <a:schemeClr val="accent1">
+                  <a:lumMod val="50000"/>
+                </a:schemeClr>
+              </a:solidFill>
+              <a:latin typeface="Bookman Old Style" panose="02050604050505020204" pitchFamily="18" charset="0"/>
+            </a:endParaRPr>
+          </a:p>
+        </p:txBody>
+      </p:sp>
+      <p:cxnSp>
+        <p:nvCxnSpPr>
+          <p:cNvPr id="69" name="Connettore 2 68">
+            <a:extLst>
+              <a:ext uri="{FF2B5EF4-FFF2-40B4-BE49-F238E27FC236}">
+                <a16:creationId xmlns:a16="http://schemas.microsoft.com/office/drawing/2014/main" id="{EBAE31D2-1376-4464-8F7F-B8F299C61934}"/>
+              </a:ext>
+            </a:extLst>
+          </p:cNvPr>
+          <p:cNvCxnSpPr>
+            <a:cxnSpLocks/>
+          </p:cNvCxnSpPr>
+          <p:nvPr/>
+        </p:nvCxnSpPr>
+        <p:spPr>
+          <a:xfrm flipV="1">
+            <a:off x="8773898" y="3447346"/>
+            <a:ext cx="1829570" cy="967052"/>
+          </a:xfrm>
+          <a:prstGeom prst="straightConnector1">
+            <a:avLst/>
+          </a:prstGeom>
+          <a:ln w="19050">
+            <a:solidFill>
+              <a:schemeClr val="accent1">
+                <a:lumMod val="75000"/>
+              </a:schemeClr>
+            </a:solidFill>
+            <a:prstDash val="sysDash"/>
+            <a:headEnd type="none" w="med" len="med"/>
+            <a:tailEnd type="arrow" w="med" len="med"/>
+          </a:ln>
+        </p:spPr>
+        <p:style>
+          <a:lnRef idx="1">
+            <a:schemeClr val="accent1"/>
+          </a:lnRef>
+          <a:fillRef idx="0">
+            <a:schemeClr val="accent1"/>
+          </a:fillRef>
+          <a:effectRef idx="0">
+            <a:schemeClr val="accent1"/>
+          </a:effectRef>
+          <a:fontRef idx="minor">
+            <a:schemeClr val="tx1"/>
+          </a:fontRef>
+        </p:style>
+      </p:cxnSp>
+      <p:sp>
+        <p:nvSpPr>
+          <p:cNvPr id="73" name="CasellaDiTesto 72">
+            <a:extLst>
+              <a:ext uri="{FF2B5EF4-FFF2-40B4-BE49-F238E27FC236}">
+                <a16:creationId xmlns:a16="http://schemas.microsoft.com/office/drawing/2014/main" id="{9E3ABB73-53B1-4E01-A367-19BE7724D678}"/>
+              </a:ext>
+            </a:extLst>
+          </p:cNvPr>
+          <p:cNvSpPr txBox="1"/>
+          <p:nvPr/>
+        </p:nvSpPr>
+        <p:spPr>
+          <a:xfrm>
+            <a:off x="8522878" y="3638937"/>
+            <a:ext cx="1043876" cy="461665"/>
+          </a:xfrm>
+          <a:prstGeom prst="rect">
+            <a:avLst/>
+          </a:prstGeom>
+          <a:noFill/>
+        </p:spPr>
+        <p:txBody>
+          <a:bodyPr wrap="none" rtlCol="0">
+            <a:spAutoFit/>
+          </a:bodyPr>
+          <a:lstStyle/>
+          <a:p>
+            <a:r>
+              <a:rPr lang="it-IT" sz="1200" dirty="0" smtClean="0">
+                <a:solidFill>
+                  <a:schemeClr val="accent1">
+                    <a:lumMod val="50000"/>
+                  </a:schemeClr>
+                </a:solidFill>
+                <a:latin typeface="Bookman Old Style" panose="02050604050505020204" pitchFamily="18" charset="0"/>
+              </a:rPr>
+              <a:t>startTrolley</a:t>
+            </a:r>
+          </a:p>
+          <a:p>
+            <a:r>
+              <a:rPr lang="it-IT" sz="1200" dirty="0" smtClean="0">
+                <a:solidFill>
+                  <a:schemeClr val="accent1">
+                    <a:lumMod val="50000"/>
+                  </a:schemeClr>
+                </a:solidFill>
+                <a:latin typeface="Bookman Old Style" panose="02050604050505020204" pitchFamily="18" charset="0"/>
+              </a:rPr>
+              <a:t>stopTrolley</a:t>
+            </a:r>
+            <a:endParaRPr lang="it-IT" sz="1200" dirty="0">
+              <a:solidFill>
+                <a:schemeClr val="accent1">
+                  <a:lumMod val="50000"/>
+                </a:schemeClr>
+              </a:solidFill>
+              <a:latin typeface="Bookman Old Style" panose="02050604050505020204" pitchFamily="18" charset="0"/>
+            </a:endParaRPr>
+          </a:p>
+        </p:txBody>
+      </p:sp>
+      <p:grpSp>
+        <p:nvGrpSpPr>
+          <p:cNvPr id="75" name="Gruppo 74"/>
+          <p:cNvGrpSpPr/>
+          <p:nvPr/>
+        </p:nvGrpSpPr>
+        <p:grpSpPr>
+          <a:xfrm>
+            <a:off x="6954125" y="6574918"/>
+            <a:ext cx="1926426" cy="1214172"/>
+            <a:chOff x="402476" y="5184618"/>
+            <a:chExt cx="1926426" cy="1214172"/>
+          </a:xfrm>
+        </p:grpSpPr>
+        <p:sp>
+          <p:nvSpPr>
+            <p:cNvPr id="76" name="Ovale 75"/>
+            <p:cNvSpPr/>
+            <p:nvPr/>
+          </p:nvSpPr>
+          <p:spPr>
+            <a:xfrm>
+              <a:off x="667957" y="5332857"/>
+              <a:ext cx="1660945" cy="1065933"/>
+            </a:xfrm>
+            <a:prstGeom prst="ellipse">
+              <a:avLst/>
+            </a:prstGeom>
+            <a:solidFill>
+              <a:schemeClr val="accent2">
+                <a:lumMod val="20000"/>
+                <a:lumOff val="80000"/>
+              </a:schemeClr>
+            </a:solidFill>
+            <a:ln w="12700">
+              <a:solidFill>
+                <a:schemeClr val="tx1"/>
+              </a:solidFill>
+            </a:ln>
+          </p:spPr>
+          <p:style>
+            <a:lnRef idx="2">
+              <a:schemeClr val="accent1">
+                <a:shade val="50000"/>
+              </a:schemeClr>
+            </a:lnRef>
+            <a:fillRef idx="1">
+              <a:schemeClr val="accent1"/>
+            </a:fillRef>
+            <a:effectRef idx="0">
+              <a:schemeClr val="accent1"/>
+            </a:effectRef>
+            <a:fontRef idx="minor">
+              <a:schemeClr val="lt1"/>
+            </a:fontRef>
+          </p:style>
+          <p:txBody>
+            <a:bodyPr rtlCol="0" anchor="ctr"/>
+            <a:lstStyle/>
+            <a:p>
+              <a:pPr algn="ctr"/>
+              <a:r>
+                <a:rPr lang="it-IT" sz="1200" dirty="0">
+                  <a:solidFill>
+                    <a:schemeClr val="tx1"/>
+                  </a:solidFill>
+                  <a:latin typeface="Century Schoolbook" panose="02040604050505020304" pitchFamily="18" charset="0"/>
+                </a:rPr>
+                <a:t>Temperature Sentinel Actor</a:t>
+              </a:r>
+            </a:p>
+          </p:txBody>
+        </p:sp>
+        <p:sp>
+          <p:nvSpPr>
+            <p:cNvPr id="77" name="Triangolo isoscele 76"/>
+            <p:cNvSpPr/>
+            <p:nvPr/>
+          </p:nvSpPr>
+          <p:spPr>
+            <a:xfrm rot="16200000">
+              <a:off x="1350190" y="5205064"/>
+              <a:ext cx="296478" cy="255585"/>
+            </a:xfrm>
+            <a:prstGeom prst="triangle">
+              <a:avLst/>
+            </a:prstGeom>
+            <a:solidFill>
+              <a:srgbClr val="FF0000"/>
+            </a:solidFill>
+            <a:ln w="12700">
+              <a:solidFill>
+                <a:schemeClr val="tx1"/>
+              </a:solidFill>
+            </a:ln>
+          </p:spPr>
+          <p:style>
+            <a:lnRef idx="2">
+              <a:schemeClr val="accent1">
+                <a:shade val="50000"/>
+              </a:schemeClr>
+            </a:lnRef>
+            <a:fillRef idx="1">
+              <a:schemeClr val="accent1"/>
+            </a:fillRef>
+            <a:effectRef idx="0">
+              <a:schemeClr val="accent1"/>
+            </a:effectRef>
+            <a:fontRef idx="minor">
+              <a:schemeClr val="lt1"/>
+            </a:fontRef>
+          </p:style>
+          <p:txBody>
+            <a:bodyPr rtlCol="0" anchor="ctr"/>
+            <a:lstStyle/>
+            <a:p>
+              <a:pPr algn="ctr"/>
+              <a:endParaRPr lang="it-IT"/>
+            </a:p>
+          </p:txBody>
+        </p:sp>
+        <p:sp>
+          <p:nvSpPr>
+            <p:cNvPr id="78" name="Rettangolo 77"/>
+            <p:cNvSpPr/>
+            <p:nvPr/>
+          </p:nvSpPr>
+          <p:spPr>
+            <a:xfrm>
+              <a:off x="402476" y="5739696"/>
+              <a:ext cx="530961" cy="252254"/>
+            </a:xfrm>
+            <a:prstGeom prst="rect">
+              <a:avLst/>
+            </a:prstGeom>
+            <a:solidFill>
+              <a:schemeClr val="accent2">
+                <a:lumMod val="20000"/>
+                <a:lumOff val="80000"/>
+              </a:schemeClr>
+            </a:solidFill>
+            <a:ln w="12700">
+              <a:solidFill>
+                <a:schemeClr val="tx1"/>
+              </a:solidFill>
+            </a:ln>
+          </p:spPr>
+          <p:style>
+            <a:lnRef idx="2">
+              <a:schemeClr val="accent1">
+                <a:shade val="50000"/>
+              </a:schemeClr>
+            </a:lnRef>
+            <a:fillRef idx="1">
+              <a:schemeClr val="accent1"/>
+            </a:fillRef>
+            <a:effectRef idx="0">
+              <a:schemeClr val="accent1"/>
+            </a:effectRef>
+            <a:fontRef idx="minor">
+              <a:schemeClr val="lt1"/>
+            </a:fontRef>
+          </p:style>
+          <p:txBody>
+            <a:bodyPr rtlCol="0" anchor="ctr"/>
+            <a:lstStyle/>
+            <a:p>
+              <a:pPr algn="ctr"/>
+              <a:endParaRPr lang="it-IT"/>
+            </a:p>
+          </p:txBody>
+        </p:sp>
+      </p:grpSp>
+      <p:grpSp>
+        <p:nvGrpSpPr>
+          <p:cNvPr id="79" name="Gruppo 78"/>
+          <p:cNvGrpSpPr/>
+          <p:nvPr/>
+        </p:nvGrpSpPr>
+        <p:grpSpPr>
+          <a:xfrm>
+            <a:off x="3657694" y="4145128"/>
+            <a:ext cx="1926426" cy="1214172"/>
+            <a:chOff x="402476" y="5184618"/>
+            <a:chExt cx="1926426" cy="1214172"/>
+          </a:xfrm>
+        </p:grpSpPr>
+        <p:sp>
+          <p:nvSpPr>
+            <p:cNvPr id="80" name="Ovale 79"/>
+            <p:cNvSpPr/>
+            <p:nvPr/>
+          </p:nvSpPr>
+          <p:spPr>
+            <a:xfrm>
+              <a:off x="667957" y="5332857"/>
+              <a:ext cx="1660945" cy="1065933"/>
+            </a:xfrm>
+            <a:prstGeom prst="ellipse">
+              <a:avLst/>
+            </a:prstGeom>
+            <a:solidFill>
+              <a:schemeClr val="accent2">
+                <a:lumMod val="20000"/>
+                <a:lumOff val="80000"/>
+              </a:schemeClr>
+            </a:solidFill>
+            <a:ln w="12700">
+              <a:solidFill>
+                <a:schemeClr val="tx1"/>
+              </a:solidFill>
+            </a:ln>
+          </p:spPr>
+          <p:style>
+            <a:lnRef idx="2">
+              <a:schemeClr val="accent1">
+                <a:shade val="50000"/>
+              </a:schemeClr>
+            </a:lnRef>
+            <a:fillRef idx="1">
+              <a:schemeClr val="accent1"/>
+            </a:fillRef>
+            <a:effectRef idx="0">
+              <a:schemeClr val="accent1"/>
+            </a:effectRef>
+            <a:fontRef idx="minor">
+              <a:schemeClr val="lt1"/>
+            </a:fontRef>
+          </p:style>
+          <p:txBody>
+            <a:bodyPr rtlCol="0" anchor="ctr"/>
+            <a:lstStyle/>
+            <a:p>
+              <a:pPr algn="ctr"/>
+              <a:r>
+                <a:rPr lang="it-IT" sz="1200" dirty="0">
+                  <a:solidFill>
+                    <a:schemeClr val="tx1"/>
+                  </a:solidFill>
+                  <a:latin typeface="Century Schoolbook" panose="02040604050505020304" pitchFamily="18" charset="0"/>
+                </a:rPr>
+                <a:t>Outdoor Sentinel Actor</a:t>
+              </a:r>
+            </a:p>
+          </p:txBody>
+        </p:sp>
+        <p:sp>
+          <p:nvSpPr>
+            <p:cNvPr id="81" name="Triangolo isoscele 80"/>
+            <p:cNvSpPr/>
+            <p:nvPr/>
+          </p:nvSpPr>
+          <p:spPr>
+            <a:xfrm rot="16200000">
+              <a:off x="1350190" y="5205064"/>
+              <a:ext cx="296478" cy="255585"/>
+            </a:xfrm>
+            <a:prstGeom prst="triangle">
+              <a:avLst/>
+            </a:prstGeom>
+            <a:solidFill>
+              <a:srgbClr val="FF0000"/>
+            </a:solidFill>
+            <a:ln w="12700">
+              <a:solidFill>
+                <a:schemeClr val="tx1"/>
+              </a:solidFill>
+            </a:ln>
+          </p:spPr>
+          <p:style>
+            <a:lnRef idx="2">
+              <a:schemeClr val="accent1">
+                <a:shade val="50000"/>
+              </a:schemeClr>
+            </a:lnRef>
+            <a:fillRef idx="1">
+              <a:schemeClr val="accent1"/>
+            </a:fillRef>
+            <a:effectRef idx="0">
+              <a:schemeClr val="accent1"/>
+            </a:effectRef>
+            <a:fontRef idx="minor">
+              <a:schemeClr val="lt1"/>
+            </a:fontRef>
+          </p:style>
+          <p:txBody>
+            <a:bodyPr rtlCol="0" anchor="ctr"/>
+            <a:lstStyle/>
+            <a:p>
+              <a:pPr algn="ctr"/>
+              <a:endParaRPr lang="it-IT"/>
+            </a:p>
+          </p:txBody>
+        </p:sp>
+        <p:sp>
+          <p:nvSpPr>
+            <p:cNvPr id="82" name="Rettangolo 81"/>
+            <p:cNvSpPr/>
+            <p:nvPr/>
+          </p:nvSpPr>
+          <p:spPr>
+            <a:xfrm>
+              <a:off x="402476" y="5739696"/>
+              <a:ext cx="530961" cy="252254"/>
+            </a:xfrm>
+            <a:prstGeom prst="rect">
+              <a:avLst/>
+            </a:prstGeom>
+            <a:solidFill>
+              <a:schemeClr val="accent2">
+                <a:lumMod val="20000"/>
+                <a:lumOff val="80000"/>
+              </a:schemeClr>
+            </a:solidFill>
+            <a:ln w="12700">
+              <a:solidFill>
+                <a:schemeClr val="tx1"/>
+              </a:solidFill>
+            </a:ln>
+          </p:spPr>
+          <p:style>
+            <a:lnRef idx="2">
+              <a:schemeClr val="accent1">
+                <a:shade val="50000"/>
+              </a:schemeClr>
+            </a:lnRef>
+            <a:fillRef idx="1">
+              <a:schemeClr val="accent1"/>
+            </a:fillRef>
+            <a:effectRef idx="0">
+              <a:schemeClr val="accent1"/>
+            </a:effectRef>
+            <a:fontRef idx="minor">
+              <a:schemeClr val="lt1"/>
+            </a:fontRef>
+          </p:style>
+          <p:txBody>
+            <a:bodyPr rtlCol="0" anchor="ctr"/>
+            <a:lstStyle/>
+            <a:p>
+              <a:pPr algn="ctr"/>
+              <a:endParaRPr lang="it-IT"/>
+            </a:p>
+          </p:txBody>
+        </p:sp>
+      </p:grpSp>
+      <p:sp>
+        <p:nvSpPr>
+          <p:cNvPr id="105" name="Figura a mano libera 104"/>
+          <p:cNvSpPr/>
+          <p:nvPr/>
+        </p:nvSpPr>
+        <p:spPr>
+          <a:xfrm>
+            <a:off x="5754405" y="4521569"/>
+            <a:ext cx="990600" cy="638334"/>
+          </a:xfrm>
+          <a:custGeom>
+            <a:avLst/>
+            <a:gdLst>
+              <a:gd name="connsiteX0" fmla="*/ 0 w 990600"/>
+              <a:gd name="connsiteY0" fmla="*/ 439954 h 638334"/>
+              <a:gd name="connsiteX1" fmla="*/ 314325 w 990600"/>
+              <a:gd name="connsiteY1" fmla="*/ 439954 h 638334"/>
+              <a:gd name="connsiteX2" fmla="*/ 390525 w 990600"/>
+              <a:gd name="connsiteY2" fmla="*/ 1804 h 638334"/>
+              <a:gd name="connsiteX3" fmla="*/ 571500 w 990600"/>
+              <a:gd name="connsiteY3" fmla="*/ 630454 h 638334"/>
+              <a:gd name="connsiteX4" fmla="*/ 685800 w 990600"/>
+              <a:gd name="connsiteY4" fmla="*/ 354229 h 638334"/>
+              <a:gd name="connsiteX5" fmla="*/ 990600 w 990600"/>
+              <a:gd name="connsiteY5" fmla="*/ 344704 h 638334"/>
+            </a:gdLst>
+            <a:ahLst/>
+            <a:cxnLst>
+              <a:cxn ang="0">
+                <a:pos x="connsiteX0" y="connsiteY0"/>
+              </a:cxn>
+              <a:cxn ang="0">
+                <a:pos x="connsiteX1" y="connsiteY1"/>
+              </a:cxn>
+              <a:cxn ang="0">
+                <a:pos x="connsiteX2" y="connsiteY2"/>
+              </a:cxn>
+              <a:cxn ang="0">
+                <a:pos x="connsiteX3" y="connsiteY3"/>
+              </a:cxn>
+              <a:cxn ang="0">
+                <a:pos x="connsiteX4" y="connsiteY4"/>
+              </a:cxn>
+              <a:cxn ang="0">
+                <a:pos x="connsiteX5" y="connsiteY5"/>
+              </a:cxn>
+            </a:cxnLst>
+            <a:rect l="l" t="t" r="r" b="b"/>
+            <a:pathLst>
+              <a:path w="990600" h="638334">
+                <a:moveTo>
+                  <a:pt x="0" y="439954"/>
+                </a:moveTo>
+                <a:cubicBezTo>
+                  <a:pt x="124619" y="476466"/>
+                  <a:pt x="249238" y="512979"/>
+                  <a:pt x="314325" y="439954"/>
+                </a:cubicBezTo>
+                <a:cubicBezTo>
+                  <a:pt x="379412" y="366929"/>
+                  <a:pt x="347663" y="-29946"/>
+                  <a:pt x="390525" y="1804"/>
+                </a:cubicBezTo>
+                <a:cubicBezTo>
+                  <a:pt x="433387" y="33554"/>
+                  <a:pt x="522288" y="571717"/>
+                  <a:pt x="571500" y="630454"/>
+                </a:cubicBezTo>
+                <a:cubicBezTo>
+                  <a:pt x="620713" y="689192"/>
+                  <a:pt x="615950" y="401854"/>
+                  <a:pt x="685800" y="354229"/>
+                </a:cubicBezTo>
+                <a:cubicBezTo>
+                  <a:pt x="755650" y="306604"/>
+                  <a:pt x="873125" y="325654"/>
+                  <a:pt x="990600" y="344704"/>
+                </a:cubicBezTo>
+              </a:path>
+            </a:pathLst>
+          </a:custGeom>
+          <a:noFill/>
+          <a:ln w="15875">
+            <a:solidFill>
+              <a:schemeClr val="accent6">
+                <a:lumMod val="75000"/>
+              </a:schemeClr>
+            </a:solidFill>
+            <a:tailEnd type="arrow"/>
+          </a:ln>
+        </p:spPr>
+        <p:style>
+          <a:lnRef idx="2">
+            <a:schemeClr val="accent1">
+              <a:shade val="50000"/>
+            </a:schemeClr>
+          </a:lnRef>
+          <a:fillRef idx="1">
+            <a:schemeClr val="accent1"/>
+          </a:fillRef>
+          <a:effectRef idx="0">
+            <a:schemeClr val="accent1"/>
+          </a:effectRef>
+          <a:fontRef idx="minor">
+            <a:schemeClr val="lt1"/>
+          </a:fontRef>
+        </p:style>
+        <p:txBody>
+          <a:bodyPr rtlCol="0" anchor="ctr"/>
+          <a:lstStyle/>
+          <a:p>
+            <a:pPr algn="ctr"/>
+            <a:endParaRPr lang="it-IT"/>
+          </a:p>
+        </p:txBody>
+      </p:sp>
+      <p:sp>
+        <p:nvSpPr>
+          <p:cNvPr id="111" name="Figura a mano libera 110"/>
+          <p:cNvSpPr/>
+          <p:nvPr/>
+        </p:nvSpPr>
+        <p:spPr>
+          <a:xfrm rot="1800000">
+            <a:off x="6076954" y="6440121"/>
+            <a:ext cx="990600" cy="671249"/>
+          </a:xfrm>
+          <a:custGeom>
+            <a:avLst/>
+            <a:gdLst>
+              <a:gd name="connsiteX0" fmla="*/ 0 w 990600"/>
+              <a:gd name="connsiteY0" fmla="*/ 439954 h 638334"/>
+              <a:gd name="connsiteX1" fmla="*/ 314325 w 990600"/>
+              <a:gd name="connsiteY1" fmla="*/ 439954 h 638334"/>
+              <a:gd name="connsiteX2" fmla="*/ 390525 w 990600"/>
+              <a:gd name="connsiteY2" fmla="*/ 1804 h 638334"/>
+              <a:gd name="connsiteX3" fmla="*/ 571500 w 990600"/>
+              <a:gd name="connsiteY3" fmla="*/ 630454 h 638334"/>
+              <a:gd name="connsiteX4" fmla="*/ 685800 w 990600"/>
+              <a:gd name="connsiteY4" fmla="*/ 354229 h 638334"/>
+              <a:gd name="connsiteX5" fmla="*/ 990600 w 990600"/>
+              <a:gd name="connsiteY5" fmla="*/ 344704 h 638334"/>
+            </a:gdLst>
+            <a:ahLst/>
+            <a:cxnLst>
+              <a:cxn ang="0">
+                <a:pos x="connsiteX0" y="connsiteY0"/>
+              </a:cxn>
+              <a:cxn ang="0">
+                <a:pos x="connsiteX1" y="connsiteY1"/>
+              </a:cxn>
+              <a:cxn ang="0">
+                <a:pos x="connsiteX2" y="connsiteY2"/>
+              </a:cxn>
+              <a:cxn ang="0">
+                <a:pos x="connsiteX3" y="connsiteY3"/>
+              </a:cxn>
+              <a:cxn ang="0">
+                <a:pos x="connsiteX4" y="connsiteY4"/>
+              </a:cxn>
+              <a:cxn ang="0">
+                <a:pos x="connsiteX5" y="connsiteY5"/>
+              </a:cxn>
+            </a:cxnLst>
+            <a:rect l="l" t="t" r="r" b="b"/>
+            <a:pathLst>
+              <a:path w="990600" h="638334">
+                <a:moveTo>
+                  <a:pt x="0" y="439954"/>
+                </a:moveTo>
+                <a:cubicBezTo>
+                  <a:pt x="124619" y="476466"/>
+                  <a:pt x="249238" y="512979"/>
+                  <a:pt x="314325" y="439954"/>
+                </a:cubicBezTo>
+                <a:cubicBezTo>
+                  <a:pt x="379412" y="366929"/>
+                  <a:pt x="347663" y="-29946"/>
+                  <a:pt x="390525" y="1804"/>
+                </a:cubicBezTo>
+                <a:cubicBezTo>
+                  <a:pt x="433387" y="33554"/>
+                  <a:pt x="522288" y="571717"/>
+                  <a:pt x="571500" y="630454"/>
+                </a:cubicBezTo>
+                <a:cubicBezTo>
+                  <a:pt x="620713" y="689192"/>
+                  <a:pt x="615950" y="401854"/>
+                  <a:pt x="685800" y="354229"/>
+                </a:cubicBezTo>
+                <a:cubicBezTo>
+                  <a:pt x="755650" y="306604"/>
+                  <a:pt x="873125" y="325654"/>
+                  <a:pt x="990600" y="344704"/>
+                </a:cubicBezTo>
+              </a:path>
+            </a:pathLst>
+          </a:custGeom>
+          <a:noFill/>
+          <a:ln w="15875">
+            <a:solidFill>
+              <a:schemeClr val="accent6">
+                <a:lumMod val="75000"/>
+              </a:schemeClr>
+            </a:solidFill>
+            <a:tailEnd type="arrow"/>
+          </a:ln>
+        </p:spPr>
+        <p:style>
+          <a:lnRef idx="2">
+            <a:schemeClr val="accent1">
+              <a:shade val="50000"/>
+            </a:schemeClr>
+          </a:lnRef>
+          <a:fillRef idx="1">
+            <a:schemeClr val="accent1"/>
+          </a:fillRef>
+          <a:effectRef idx="0">
+            <a:schemeClr val="accent1"/>
+          </a:effectRef>
+          <a:fontRef idx="minor">
+            <a:schemeClr val="lt1"/>
+          </a:fontRef>
+        </p:style>
+        <p:txBody>
+          <a:bodyPr rtlCol="0" anchor="ctr"/>
+          <a:lstStyle/>
+          <a:p>
+            <a:pPr algn="ctr"/>
+            <a:endParaRPr lang="it-IT"/>
+          </a:p>
+        </p:txBody>
+      </p:sp>
+      <p:sp>
+        <p:nvSpPr>
+          <p:cNvPr id="112" name="Figura a mano libera 111"/>
+          <p:cNvSpPr/>
+          <p:nvPr/>
+        </p:nvSpPr>
+        <p:spPr>
+          <a:xfrm rot="16200000">
+            <a:off x="7467266" y="5710908"/>
+            <a:ext cx="990600" cy="638334"/>
+          </a:xfrm>
+          <a:custGeom>
+            <a:avLst/>
+            <a:gdLst>
+              <a:gd name="connsiteX0" fmla="*/ 0 w 990600"/>
+              <a:gd name="connsiteY0" fmla="*/ 439954 h 638334"/>
+              <a:gd name="connsiteX1" fmla="*/ 314325 w 990600"/>
+              <a:gd name="connsiteY1" fmla="*/ 439954 h 638334"/>
+              <a:gd name="connsiteX2" fmla="*/ 390525 w 990600"/>
+              <a:gd name="connsiteY2" fmla="*/ 1804 h 638334"/>
+              <a:gd name="connsiteX3" fmla="*/ 571500 w 990600"/>
+              <a:gd name="connsiteY3" fmla="*/ 630454 h 638334"/>
+              <a:gd name="connsiteX4" fmla="*/ 685800 w 990600"/>
+              <a:gd name="connsiteY4" fmla="*/ 354229 h 638334"/>
+              <a:gd name="connsiteX5" fmla="*/ 990600 w 990600"/>
+              <a:gd name="connsiteY5" fmla="*/ 344704 h 638334"/>
+            </a:gdLst>
+            <a:ahLst/>
+            <a:cxnLst>
+              <a:cxn ang="0">
+                <a:pos x="connsiteX0" y="connsiteY0"/>
+              </a:cxn>
+              <a:cxn ang="0">
+                <a:pos x="connsiteX1" y="connsiteY1"/>
+              </a:cxn>
+              <a:cxn ang="0">
+                <a:pos x="connsiteX2" y="connsiteY2"/>
+              </a:cxn>
+              <a:cxn ang="0">
+                <a:pos x="connsiteX3" y="connsiteY3"/>
+              </a:cxn>
+              <a:cxn ang="0">
+                <a:pos x="connsiteX4" y="connsiteY4"/>
+              </a:cxn>
+              <a:cxn ang="0">
+                <a:pos x="connsiteX5" y="connsiteY5"/>
+              </a:cxn>
+            </a:cxnLst>
+            <a:rect l="l" t="t" r="r" b="b"/>
+            <a:pathLst>
+              <a:path w="990600" h="638334">
+                <a:moveTo>
+                  <a:pt x="0" y="439954"/>
+                </a:moveTo>
+                <a:cubicBezTo>
+                  <a:pt x="124619" y="476466"/>
+                  <a:pt x="249238" y="512979"/>
+                  <a:pt x="314325" y="439954"/>
+                </a:cubicBezTo>
+                <a:cubicBezTo>
+                  <a:pt x="379412" y="366929"/>
+                  <a:pt x="347663" y="-29946"/>
+                  <a:pt x="390525" y="1804"/>
+                </a:cubicBezTo>
+                <a:cubicBezTo>
+                  <a:pt x="433387" y="33554"/>
+                  <a:pt x="522288" y="571717"/>
+                  <a:pt x="571500" y="630454"/>
+                </a:cubicBezTo>
+                <a:cubicBezTo>
+                  <a:pt x="620713" y="689192"/>
+                  <a:pt x="615950" y="401854"/>
+                  <a:pt x="685800" y="354229"/>
+                </a:cubicBezTo>
+                <a:cubicBezTo>
+                  <a:pt x="755650" y="306604"/>
+                  <a:pt x="873125" y="325654"/>
+                  <a:pt x="990600" y="344704"/>
+                </a:cubicBezTo>
+              </a:path>
+            </a:pathLst>
+          </a:custGeom>
+          <a:noFill/>
+          <a:ln w="15875">
+            <a:solidFill>
+              <a:schemeClr val="accent6">
+                <a:lumMod val="75000"/>
+              </a:schemeClr>
+            </a:solidFill>
+            <a:tailEnd type="arrow"/>
+          </a:ln>
+        </p:spPr>
+        <p:style>
+          <a:lnRef idx="2">
+            <a:schemeClr val="accent1">
+              <a:shade val="50000"/>
+            </a:schemeClr>
+          </a:lnRef>
+          <a:fillRef idx="1">
+            <a:schemeClr val="accent1"/>
+          </a:fillRef>
+          <a:effectRef idx="0">
+            <a:schemeClr val="accent1"/>
+          </a:effectRef>
+          <a:fontRef idx="minor">
+            <a:schemeClr val="lt1"/>
+          </a:fontRef>
+        </p:style>
+        <p:txBody>
+          <a:bodyPr rtlCol="0" anchor="ctr"/>
+          <a:lstStyle/>
+          <a:p>
+            <a:pPr algn="ctr"/>
+            <a:endParaRPr lang="it-IT"/>
+          </a:p>
+        </p:txBody>
+      </p:sp>
+      <p:sp>
+        <p:nvSpPr>
+          <p:cNvPr id="113" name="CasellaDiTesto 112"/>
+          <p:cNvSpPr txBox="1"/>
+          <p:nvPr/>
+        </p:nvSpPr>
+        <p:spPr>
+          <a:xfrm>
+            <a:off x="8061156" y="6091842"/>
+            <a:ext cx="2191626" cy="461665"/>
+          </a:xfrm>
+          <a:prstGeom prst="rect">
+            <a:avLst/>
+          </a:prstGeom>
+          <a:noFill/>
+        </p:spPr>
+        <p:txBody>
+          <a:bodyPr wrap="none" rtlCol="0">
+            <a:spAutoFit/>
+          </a:bodyPr>
+          <a:lstStyle/>
+          <a:p>
+            <a:r>
+              <a:rPr lang="it-IT" sz="1200" dirty="0" smtClean="0">
+                <a:solidFill>
+                  <a:schemeClr val="accent6">
+                    <a:lumMod val="50000"/>
+                  </a:schemeClr>
+                </a:solidFill>
+                <a:latin typeface="Bookman Old Style" panose="02050604050505020204" pitchFamily="18" charset="0"/>
+              </a:rPr>
+              <a:t>temperatureAlarm</a:t>
+            </a:r>
+          </a:p>
+          <a:p>
+            <a:r>
+              <a:rPr lang="it-IT" sz="1200" dirty="0" smtClean="0">
+                <a:solidFill>
+                  <a:schemeClr val="accent6">
+                    <a:lumMod val="50000"/>
+                  </a:schemeClr>
+                </a:solidFill>
+                <a:latin typeface="Bookman Old Style" panose="02050604050505020204" pitchFamily="18" charset="0"/>
+              </a:rPr>
+              <a:t>temperatureAlarmRevoked</a:t>
+            </a:r>
+            <a:endParaRPr lang="it-IT" sz="1200" dirty="0">
+              <a:solidFill>
+                <a:schemeClr val="accent6">
+                  <a:lumMod val="50000"/>
+                </a:schemeClr>
+              </a:solidFill>
+              <a:latin typeface="Bookman Old Style" panose="02050604050505020204" pitchFamily="18" charset="0"/>
+            </a:endParaRPr>
+          </a:p>
+        </p:txBody>
+      </p:sp>
+      <p:grpSp>
+        <p:nvGrpSpPr>
+          <p:cNvPr id="114" name="Gruppo 113"/>
+          <p:cNvGrpSpPr/>
+          <p:nvPr/>
+        </p:nvGrpSpPr>
+        <p:grpSpPr>
+          <a:xfrm>
+            <a:off x="10361887" y="177099"/>
+            <a:ext cx="1660945" cy="1214172"/>
+            <a:chOff x="7744200" y="2907063"/>
+            <a:chExt cx="1660945" cy="1214172"/>
+          </a:xfrm>
+        </p:grpSpPr>
+        <p:sp>
+          <p:nvSpPr>
+            <p:cNvPr id="115" name="Ovale 114"/>
+            <p:cNvSpPr/>
+            <p:nvPr/>
+          </p:nvSpPr>
+          <p:spPr>
+            <a:xfrm>
+              <a:off x="7744200" y="3055302"/>
+              <a:ext cx="1660945" cy="1065933"/>
+            </a:xfrm>
+            <a:prstGeom prst="ellipse">
+              <a:avLst/>
+            </a:prstGeom>
+            <a:solidFill>
+              <a:schemeClr val="accent4">
+                <a:lumMod val="20000"/>
+                <a:lumOff val="80000"/>
+              </a:schemeClr>
+            </a:solidFill>
+            <a:ln w="12700">
+              <a:solidFill>
+                <a:schemeClr val="tx1"/>
+              </a:solidFill>
+            </a:ln>
+          </p:spPr>
+          <p:style>
+            <a:lnRef idx="2">
+              <a:schemeClr val="accent1">
+                <a:shade val="50000"/>
+              </a:schemeClr>
+            </a:lnRef>
+            <a:fillRef idx="1">
+              <a:schemeClr val="accent1"/>
+            </a:fillRef>
+            <a:effectRef idx="0">
+              <a:schemeClr val="accent1"/>
+            </a:effectRef>
+            <a:fontRef idx="minor">
+              <a:schemeClr val="lt1"/>
+            </a:fontRef>
+          </p:style>
+          <p:txBody>
+            <a:bodyPr rtlCol="0" anchor="ctr"/>
+            <a:lstStyle/>
+            <a:p>
+              <a:pPr algn="ctr"/>
+              <a:r>
+                <a:rPr lang="it-IT" sz="1200" dirty="0">
+                  <a:solidFill>
+                    <a:schemeClr val="tx1"/>
+                  </a:solidFill>
+                  <a:latin typeface="Century Schoolbook" panose="02040604050505020304" pitchFamily="18" charset="0"/>
+                </a:rPr>
+                <a:t>Client GUI</a:t>
+              </a:r>
+            </a:p>
+            <a:p>
+              <a:pPr lvl="0" algn="ctr"/>
+              <a:r>
+                <a:rPr lang="it-IT" sz="1100" i="1" dirty="0">
+                  <a:solidFill>
+                    <a:prstClr val="black"/>
+                  </a:solidFill>
+                  <a:latin typeface="Century Schoolbook" panose="02040604050505020304" pitchFamily="18" charset="0"/>
+                </a:rPr>
+                <a:t>(Web GUI)</a:t>
+              </a:r>
+              <a:endParaRPr lang="it-IT" sz="1400" i="1" dirty="0">
+                <a:solidFill>
+                  <a:prstClr val="black"/>
+                </a:solidFill>
+                <a:latin typeface="Century Schoolbook" panose="02040604050505020304" pitchFamily="18" charset="0"/>
+              </a:endParaRPr>
+            </a:p>
+          </p:txBody>
+        </p:sp>
+        <p:sp>
+          <p:nvSpPr>
+            <p:cNvPr id="116" name="Triangolo isoscele 115"/>
+            <p:cNvSpPr/>
+            <p:nvPr/>
+          </p:nvSpPr>
+          <p:spPr>
+            <a:xfrm rot="16200000">
+              <a:off x="8426433" y="2927509"/>
+              <a:ext cx="296478" cy="255585"/>
+            </a:xfrm>
+            <a:prstGeom prst="triangle">
+              <a:avLst/>
+            </a:prstGeom>
+            <a:solidFill>
+              <a:srgbClr val="FF0000"/>
+            </a:solidFill>
+            <a:ln w="12700">
+              <a:solidFill>
+                <a:schemeClr val="tx1"/>
+              </a:solidFill>
+            </a:ln>
+          </p:spPr>
+          <p:style>
+            <a:lnRef idx="2">
+              <a:schemeClr val="accent1">
+                <a:shade val="50000"/>
+              </a:schemeClr>
+            </a:lnRef>
+            <a:fillRef idx="1">
+              <a:schemeClr val="accent1"/>
+            </a:fillRef>
+            <a:effectRef idx="0">
+              <a:schemeClr val="accent1"/>
+            </a:effectRef>
+            <a:fontRef idx="minor">
+              <a:schemeClr val="lt1"/>
+            </a:fontRef>
+          </p:style>
+          <p:txBody>
+            <a:bodyPr rtlCol="0" anchor="ctr"/>
+            <a:lstStyle/>
+            <a:p>
+              <a:pPr algn="ctr"/>
+              <a:endParaRPr lang="it-IT"/>
+            </a:p>
+          </p:txBody>
+        </p:sp>
+      </p:grpSp>
+      <p:cxnSp>
+        <p:nvCxnSpPr>
+          <p:cNvPr id="117" name="Connettore 2 116">
+            <a:extLst>
+              <a:ext uri="{FF2B5EF4-FFF2-40B4-BE49-F238E27FC236}">
+                <a16:creationId xmlns:a16="http://schemas.microsoft.com/office/drawing/2014/main" id="{DDF4BAC5-C951-40AF-9F3B-573D340AFF4C}"/>
+              </a:ext>
+            </a:extLst>
+          </p:cNvPr>
+          <p:cNvCxnSpPr>
+            <a:cxnSpLocks/>
+          </p:cNvCxnSpPr>
+          <p:nvPr/>
+        </p:nvCxnSpPr>
+        <p:spPr>
+          <a:xfrm flipH="1">
+            <a:off x="8998113" y="848916"/>
+            <a:ext cx="1098760" cy="0"/>
+          </a:xfrm>
+          <a:prstGeom prst="straightConnector1">
+            <a:avLst/>
+          </a:prstGeom>
+          <a:ln w="19050">
+            <a:solidFill>
+              <a:schemeClr val="accent1">
+                <a:lumMod val="75000"/>
+              </a:schemeClr>
+            </a:solidFill>
+            <a:prstDash val="sysDash"/>
+            <a:headEnd type="none" w="med" len="med"/>
+            <a:tailEnd type="arrow" w="med" len="med"/>
+          </a:ln>
+        </p:spPr>
+        <p:style>
+          <a:lnRef idx="1">
+            <a:schemeClr val="accent1"/>
+          </a:lnRef>
+          <a:fillRef idx="0">
+            <a:schemeClr val="accent1"/>
+          </a:fillRef>
+          <a:effectRef idx="0">
+            <a:schemeClr val="accent1"/>
+          </a:effectRef>
+          <a:fontRef idx="minor">
+            <a:schemeClr val="tx1"/>
+          </a:fontRef>
+        </p:style>
+      </p:cxnSp>
+      <p:sp>
+        <p:nvSpPr>
+          <p:cNvPr id="118" name="CasellaDiTesto 117">
+            <a:extLst>
+              <a:ext uri="{FF2B5EF4-FFF2-40B4-BE49-F238E27FC236}">
+                <a16:creationId xmlns:a16="http://schemas.microsoft.com/office/drawing/2014/main" id="{9E3ABB73-53B1-4E01-A367-19BE7724D678}"/>
+              </a:ext>
+            </a:extLst>
+          </p:cNvPr>
+          <p:cNvSpPr txBox="1"/>
+          <p:nvPr/>
+        </p:nvSpPr>
+        <p:spPr>
+          <a:xfrm>
+            <a:off x="8621835" y="-16850"/>
+            <a:ext cx="1981633" cy="646331"/>
+          </a:xfrm>
+          <a:prstGeom prst="rect">
+            <a:avLst/>
+          </a:prstGeom>
+          <a:noFill/>
+        </p:spPr>
+        <p:txBody>
+          <a:bodyPr wrap="none" rtlCol="0">
+            <a:spAutoFit/>
+          </a:bodyPr>
+          <a:lstStyle/>
+          <a:p>
+            <a:r>
+              <a:rPr lang="it-IT" sz="1200" dirty="0" smtClean="0">
+                <a:solidFill>
+                  <a:schemeClr val="accent1">
+                    <a:lumMod val="50000"/>
+                  </a:schemeClr>
+                </a:solidFill>
+                <a:latin typeface="Bookman Old Style" panose="02050604050505020204" pitchFamily="18" charset="0"/>
+              </a:rPr>
+              <a:t>enterRequest</a:t>
+            </a:r>
+          </a:p>
+          <a:p>
+            <a:r>
+              <a:rPr lang="it-IT" sz="1200" dirty="0" smtClean="0">
+                <a:solidFill>
+                  <a:schemeClr val="accent1">
+                    <a:lumMod val="50000"/>
+                  </a:schemeClr>
+                </a:solidFill>
+                <a:latin typeface="Bookman Old Style" panose="02050604050505020204" pitchFamily="18" charset="0"/>
+              </a:rPr>
+              <a:t>carEnter</a:t>
+            </a:r>
+          </a:p>
+          <a:p>
+            <a:r>
+              <a:rPr lang="it-IT" sz="1200" dirty="0" smtClean="0">
+                <a:solidFill>
+                  <a:schemeClr val="accent1">
+                    <a:lumMod val="50000"/>
+                  </a:schemeClr>
+                </a:solidFill>
+                <a:latin typeface="Bookman Old Style" panose="02050604050505020204" pitchFamily="18" charset="0"/>
+              </a:rPr>
+              <a:t>exitRequest( TOKENID )</a:t>
+            </a:r>
+            <a:endParaRPr lang="it-IT" sz="1200" dirty="0">
+              <a:solidFill>
+                <a:schemeClr val="accent1">
+                  <a:lumMod val="50000"/>
+                </a:schemeClr>
+              </a:solidFill>
+              <a:latin typeface="Bookman Old Style" panose="02050604050505020204" pitchFamily="18" charset="0"/>
+            </a:endParaRPr>
+          </a:p>
+        </p:txBody>
+      </p:sp>
+      <p:sp>
+        <p:nvSpPr>
+          <p:cNvPr id="119" name="Figura a mano libera 118"/>
+          <p:cNvSpPr/>
+          <p:nvPr/>
+        </p:nvSpPr>
+        <p:spPr>
+          <a:xfrm>
+            <a:off x="2508141" y="4286547"/>
+            <a:ext cx="990600" cy="638334"/>
+          </a:xfrm>
+          <a:custGeom>
+            <a:avLst/>
+            <a:gdLst>
+              <a:gd name="connsiteX0" fmla="*/ 0 w 990600"/>
+              <a:gd name="connsiteY0" fmla="*/ 439954 h 638334"/>
+              <a:gd name="connsiteX1" fmla="*/ 314325 w 990600"/>
+              <a:gd name="connsiteY1" fmla="*/ 439954 h 638334"/>
+              <a:gd name="connsiteX2" fmla="*/ 390525 w 990600"/>
+              <a:gd name="connsiteY2" fmla="*/ 1804 h 638334"/>
+              <a:gd name="connsiteX3" fmla="*/ 571500 w 990600"/>
+              <a:gd name="connsiteY3" fmla="*/ 630454 h 638334"/>
+              <a:gd name="connsiteX4" fmla="*/ 685800 w 990600"/>
+              <a:gd name="connsiteY4" fmla="*/ 354229 h 638334"/>
+              <a:gd name="connsiteX5" fmla="*/ 990600 w 990600"/>
+              <a:gd name="connsiteY5" fmla="*/ 344704 h 638334"/>
+            </a:gdLst>
+            <a:ahLst/>
+            <a:cxnLst>
+              <a:cxn ang="0">
+                <a:pos x="connsiteX0" y="connsiteY0"/>
+              </a:cxn>
+              <a:cxn ang="0">
+                <a:pos x="connsiteX1" y="connsiteY1"/>
+              </a:cxn>
+              <a:cxn ang="0">
+                <a:pos x="connsiteX2" y="connsiteY2"/>
+              </a:cxn>
+              <a:cxn ang="0">
+                <a:pos x="connsiteX3" y="connsiteY3"/>
+              </a:cxn>
+              <a:cxn ang="0">
+                <a:pos x="connsiteX4" y="connsiteY4"/>
+              </a:cxn>
+              <a:cxn ang="0">
+                <a:pos x="connsiteX5" y="connsiteY5"/>
+              </a:cxn>
+            </a:cxnLst>
+            <a:rect l="l" t="t" r="r" b="b"/>
+            <a:pathLst>
+              <a:path w="990600" h="638334">
+                <a:moveTo>
+                  <a:pt x="0" y="439954"/>
+                </a:moveTo>
+                <a:cubicBezTo>
+                  <a:pt x="124619" y="476466"/>
+                  <a:pt x="249238" y="512979"/>
+                  <a:pt x="314325" y="439954"/>
+                </a:cubicBezTo>
+                <a:cubicBezTo>
+                  <a:pt x="379412" y="366929"/>
+                  <a:pt x="347663" y="-29946"/>
+                  <a:pt x="390525" y="1804"/>
+                </a:cubicBezTo>
+                <a:cubicBezTo>
+                  <a:pt x="433387" y="33554"/>
+                  <a:pt x="522288" y="571717"/>
+                  <a:pt x="571500" y="630454"/>
+                </a:cubicBezTo>
+                <a:cubicBezTo>
+                  <a:pt x="620713" y="689192"/>
+                  <a:pt x="615950" y="401854"/>
+                  <a:pt x="685800" y="354229"/>
+                </a:cubicBezTo>
+                <a:cubicBezTo>
+                  <a:pt x="755650" y="306604"/>
+                  <a:pt x="873125" y="325654"/>
+                  <a:pt x="990600" y="344704"/>
+                </a:cubicBezTo>
+              </a:path>
+            </a:pathLst>
+          </a:custGeom>
+          <a:noFill/>
+          <a:ln w="15875">
+            <a:solidFill>
+              <a:schemeClr val="accent6">
+                <a:lumMod val="75000"/>
+              </a:schemeClr>
+            </a:solidFill>
+            <a:tailEnd type="arrow"/>
+          </a:ln>
+        </p:spPr>
+        <p:style>
+          <a:lnRef idx="2">
+            <a:schemeClr val="accent1">
+              <a:shade val="50000"/>
+            </a:schemeClr>
+          </a:lnRef>
+          <a:fillRef idx="1">
+            <a:schemeClr val="accent1"/>
+          </a:fillRef>
+          <a:effectRef idx="0">
+            <a:schemeClr val="accent1"/>
+          </a:effectRef>
+          <a:fontRef idx="minor">
+            <a:schemeClr val="lt1"/>
+          </a:fontRef>
+        </p:style>
+        <p:txBody>
+          <a:bodyPr rtlCol="0" anchor="ctr"/>
+          <a:lstStyle/>
+          <a:p>
+            <a:pPr algn="ctr"/>
+            <a:endParaRPr lang="it-IT"/>
+          </a:p>
+        </p:txBody>
+      </p:sp>
+      <p:sp>
+        <p:nvSpPr>
+          <p:cNvPr id="120" name="CasellaDiTesto 119"/>
+          <p:cNvSpPr txBox="1"/>
+          <p:nvPr/>
+        </p:nvSpPr>
+        <p:spPr>
+          <a:xfrm>
+            <a:off x="5474346" y="4058412"/>
+            <a:ext cx="1851789" cy="461665"/>
+          </a:xfrm>
+          <a:prstGeom prst="rect">
+            <a:avLst/>
+          </a:prstGeom>
+          <a:noFill/>
+        </p:spPr>
+        <p:txBody>
+          <a:bodyPr wrap="none" rtlCol="0">
+            <a:spAutoFit/>
+          </a:bodyPr>
+          <a:lstStyle/>
+          <a:p>
+            <a:r>
+              <a:rPr lang="it-IT" sz="1200" dirty="0" smtClean="0">
+                <a:solidFill>
+                  <a:schemeClr val="accent6">
+                    <a:lumMod val="50000"/>
+                  </a:schemeClr>
+                </a:solidFill>
+                <a:latin typeface="Bookman Old Style" panose="02050604050505020204" pitchFamily="18" charset="0"/>
+              </a:rPr>
+              <a:t>outdoorAlarm</a:t>
+            </a:r>
+          </a:p>
+          <a:p>
+            <a:r>
+              <a:rPr lang="it-IT" sz="1200" dirty="0" smtClean="0">
+                <a:solidFill>
+                  <a:schemeClr val="accent6">
+                    <a:lumMod val="50000"/>
+                  </a:schemeClr>
+                </a:solidFill>
+                <a:latin typeface="Bookman Old Style" panose="02050604050505020204" pitchFamily="18" charset="0"/>
+              </a:rPr>
+              <a:t>outdoorAlarmRevoked</a:t>
+            </a:r>
+            <a:endParaRPr lang="it-IT" sz="1200" dirty="0">
+              <a:solidFill>
+                <a:schemeClr val="accent6">
+                  <a:lumMod val="50000"/>
+                </a:schemeClr>
+              </a:solidFill>
+              <a:latin typeface="Bookman Old Style" panose="02050604050505020204" pitchFamily="18" charset="0"/>
+            </a:endParaRPr>
+          </a:p>
+        </p:txBody>
+      </p:sp>
+      <p:grpSp>
+        <p:nvGrpSpPr>
+          <p:cNvPr id="121" name="Gruppo 120"/>
+          <p:cNvGrpSpPr/>
+          <p:nvPr/>
+        </p:nvGrpSpPr>
+        <p:grpSpPr>
+          <a:xfrm>
+            <a:off x="10417428" y="6065457"/>
+            <a:ext cx="1660945" cy="1214172"/>
+            <a:chOff x="7744200" y="2907063"/>
+            <a:chExt cx="1660945" cy="1214172"/>
+          </a:xfrm>
+        </p:grpSpPr>
+        <p:sp>
+          <p:nvSpPr>
+            <p:cNvPr id="122" name="Ovale 121"/>
+            <p:cNvSpPr/>
+            <p:nvPr/>
+          </p:nvSpPr>
+          <p:spPr>
+            <a:xfrm>
+              <a:off x="7744200" y="3055302"/>
+              <a:ext cx="1660945" cy="1065933"/>
+            </a:xfrm>
+            <a:prstGeom prst="ellipse">
+              <a:avLst/>
+            </a:prstGeom>
+            <a:solidFill>
+              <a:schemeClr val="accent4">
+                <a:lumMod val="20000"/>
+                <a:lumOff val="80000"/>
+              </a:schemeClr>
+            </a:solidFill>
+            <a:ln w="12700">
+              <a:solidFill>
+                <a:schemeClr val="tx1"/>
+              </a:solidFill>
+            </a:ln>
+          </p:spPr>
+          <p:style>
+            <a:lnRef idx="2">
+              <a:schemeClr val="accent1">
+                <a:shade val="50000"/>
+              </a:schemeClr>
+            </a:lnRef>
+            <a:fillRef idx="1">
+              <a:schemeClr val="accent1"/>
+            </a:fillRef>
+            <a:effectRef idx="0">
+              <a:schemeClr val="accent1"/>
+            </a:effectRef>
+            <a:fontRef idx="minor">
+              <a:schemeClr val="lt1"/>
+            </a:fontRef>
+          </p:style>
+          <p:txBody>
+            <a:bodyPr rtlCol="0" anchor="ctr"/>
+            <a:lstStyle/>
+            <a:p>
+              <a:pPr algn="ctr"/>
+              <a:r>
+                <a:rPr lang="it-IT" sz="1200" dirty="0" smtClean="0">
+                  <a:solidFill>
+                    <a:schemeClr val="tx1"/>
+                  </a:solidFill>
+                  <a:latin typeface="Century Schoolbook" panose="02040604050505020304" pitchFamily="18" charset="0"/>
+                </a:rPr>
+                <a:t>Manager GUI</a:t>
+              </a:r>
+              <a:endParaRPr lang="it-IT" sz="1200" dirty="0">
+                <a:solidFill>
+                  <a:schemeClr val="tx1"/>
+                </a:solidFill>
+                <a:latin typeface="Century Schoolbook" panose="02040604050505020304" pitchFamily="18" charset="0"/>
+              </a:endParaRPr>
+            </a:p>
+            <a:p>
+              <a:pPr lvl="0" algn="ctr"/>
+              <a:r>
+                <a:rPr lang="it-IT" sz="1100" i="1" dirty="0" smtClean="0">
+                  <a:solidFill>
+                    <a:prstClr val="black"/>
+                  </a:solidFill>
+                  <a:latin typeface="Century Schoolbook" panose="02040604050505020304" pitchFamily="18" charset="0"/>
+                </a:rPr>
+                <a:t>(Web GUI)</a:t>
+              </a:r>
+              <a:endParaRPr lang="it-IT" sz="1400" i="1" dirty="0">
+                <a:solidFill>
+                  <a:prstClr val="black"/>
+                </a:solidFill>
+                <a:latin typeface="Century Schoolbook" panose="02040604050505020304" pitchFamily="18" charset="0"/>
+              </a:endParaRPr>
+            </a:p>
+          </p:txBody>
+        </p:sp>
+        <p:sp>
+          <p:nvSpPr>
+            <p:cNvPr id="123" name="Triangolo isoscele 122"/>
+            <p:cNvSpPr/>
+            <p:nvPr/>
+          </p:nvSpPr>
+          <p:spPr>
+            <a:xfrm rot="16200000">
+              <a:off x="8426433" y="2927509"/>
+              <a:ext cx="296478" cy="255585"/>
+            </a:xfrm>
+            <a:prstGeom prst="triangle">
+              <a:avLst/>
+            </a:prstGeom>
+            <a:solidFill>
+              <a:srgbClr val="FF0000"/>
+            </a:solidFill>
+            <a:ln w="12700">
+              <a:solidFill>
+                <a:schemeClr val="tx1"/>
+              </a:solidFill>
+            </a:ln>
+          </p:spPr>
+          <p:style>
+            <a:lnRef idx="2">
+              <a:schemeClr val="accent1">
+                <a:shade val="50000"/>
+              </a:schemeClr>
+            </a:lnRef>
+            <a:fillRef idx="1">
+              <a:schemeClr val="accent1"/>
+            </a:fillRef>
+            <a:effectRef idx="0">
+              <a:schemeClr val="accent1"/>
+            </a:effectRef>
+            <a:fontRef idx="minor">
+              <a:schemeClr val="lt1"/>
+            </a:fontRef>
+          </p:style>
+          <p:txBody>
+            <a:bodyPr rtlCol="0" anchor="ctr"/>
+            <a:lstStyle/>
+            <a:p>
+              <a:pPr algn="ctr"/>
+              <a:endParaRPr lang="it-IT"/>
+            </a:p>
+          </p:txBody>
+        </p:sp>
+      </p:grpSp>
+      <p:cxnSp>
+        <p:nvCxnSpPr>
+          <p:cNvPr id="124" name="Connettore 2 123">
+            <a:extLst>
+              <a:ext uri="{FF2B5EF4-FFF2-40B4-BE49-F238E27FC236}">
+                <a16:creationId xmlns:a16="http://schemas.microsoft.com/office/drawing/2014/main" id="{DDF4BAC5-C951-40AF-9F3B-573D340AFF4C}"/>
+              </a:ext>
+            </a:extLst>
+          </p:cNvPr>
+          <p:cNvCxnSpPr>
+            <a:cxnSpLocks/>
+          </p:cNvCxnSpPr>
+          <p:nvPr/>
+        </p:nvCxnSpPr>
+        <p:spPr>
+          <a:xfrm flipH="1" flipV="1">
+            <a:off x="8659660" y="5379798"/>
+            <a:ext cx="1776254" cy="1107700"/>
+          </a:xfrm>
+          <a:prstGeom prst="straightConnector1">
+            <a:avLst/>
+          </a:prstGeom>
+          <a:ln w="19050">
+            <a:solidFill>
+              <a:schemeClr val="accent1">
+                <a:lumMod val="75000"/>
+              </a:schemeClr>
+            </a:solidFill>
+            <a:prstDash val="sysDash"/>
+            <a:headEnd type="none" w="med" len="med"/>
+            <a:tailEnd type="arrow" w="med" len="med"/>
+          </a:ln>
+        </p:spPr>
+        <p:style>
+          <a:lnRef idx="1">
+            <a:schemeClr val="accent1"/>
+          </a:lnRef>
+          <a:fillRef idx="0">
+            <a:schemeClr val="accent1"/>
+          </a:fillRef>
+          <a:effectRef idx="0">
+            <a:schemeClr val="accent1"/>
+          </a:effectRef>
+          <a:fontRef idx="minor">
+            <a:schemeClr val="tx1"/>
+          </a:fontRef>
+        </p:style>
+      </p:cxnSp>
+      <p:sp>
+        <p:nvSpPr>
+          <p:cNvPr id="125" name="CasellaDiTesto 124">
+            <a:extLst>
+              <a:ext uri="{FF2B5EF4-FFF2-40B4-BE49-F238E27FC236}">
+                <a16:creationId xmlns:a16="http://schemas.microsoft.com/office/drawing/2014/main" id="{9E3ABB73-53B1-4E01-A367-19BE7724D678}"/>
+              </a:ext>
+            </a:extLst>
+          </p:cNvPr>
+          <p:cNvSpPr txBox="1"/>
+          <p:nvPr/>
+        </p:nvSpPr>
+        <p:spPr>
+          <a:xfrm>
+            <a:off x="9782296" y="5171208"/>
+            <a:ext cx="1885453" cy="1015663"/>
+          </a:xfrm>
+          <a:prstGeom prst="rect">
+            <a:avLst/>
+          </a:prstGeom>
+          <a:noFill/>
+        </p:spPr>
+        <p:txBody>
+          <a:bodyPr wrap="none" rtlCol="0">
+            <a:spAutoFit/>
+          </a:bodyPr>
+          <a:lstStyle/>
+          <a:p>
+            <a:r>
+              <a:rPr lang="it-IT" sz="1200" dirty="0">
+                <a:solidFill>
+                  <a:schemeClr val="accent1">
+                    <a:lumMod val="50000"/>
+                  </a:schemeClr>
+                </a:solidFill>
+                <a:latin typeface="Bookman Old Style" panose="02050604050505020204" pitchFamily="18" charset="0"/>
+              </a:rPr>
+              <a:t>fanStart</a:t>
+            </a:r>
+          </a:p>
+          <a:p>
+            <a:r>
+              <a:rPr lang="it-IT" sz="1200" dirty="0">
+                <a:solidFill>
+                  <a:schemeClr val="accent1">
+                    <a:lumMod val="50000"/>
+                  </a:schemeClr>
+                </a:solidFill>
+                <a:latin typeface="Bookman Old Style" panose="02050604050505020204" pitchFamily="18" charset="0"/>
+              </a:rPr>
+              <a:t>fanStop</a:t>
+            </a:r>
+          </a:p>
+          <a:p>
+            <a:r>
+              <a:rPr lang="it-IT" sz="1200" dirty="0" smtClean="0">
+                <a:solidFill>
+                  <a:schemeClr val="accent1">
+                    <a:lumMod val="50000"/>
+                  </a:schemeClr>
+                </a:solidFill>
+                <a:latin typeface="Bookman Old Style" panose="02050604050505020204" pitchFamily="18" charset="0"/>
+              </a:rPr>
+              <a:t>fanAuto( auto / man. )</a:t>
+            </a:r>
+          </a:p>
+          <a:p>
+            <a:r>
+              <a:rPr lang="it-IT" sz="1200" dirty="0" smtClean="0">
+                <a:solidFill>
+                  <a:schemeClr val="accent1">
+                    <a:lumMod val="50000"/>
+                  </a:schemeClr>
+                </a:solidFill>
+                <a:latin typeface="Bookman Old Style" panose="02050604050505020204" pitchFamily="18" charset="0"/>
+              </a:rPr>
+              <a:t>startTrolley</a:t>
+            </a:r>
+            <a:endParaRPr lang="it-IT" sz="1200" dirty="0">
+              <a:solidFill>
+                <a:schemeClr val="accent1">
+                  <a:lumMod val="50000"/>
+                </a:schemeClr>
+              </a:solidFill>
+              <a:latin typeface="Bookman Old Style" panose="02050604050505020204" pitchFamily="18" charset="0"/>
+            </a:endParaRPr>
+          </a:p>
+          <a:p>
+            <a:r>
+              <a:rPr lang="it-IT" sz="1200" dirty="0">
+                <a:solidFill>
+                  <a:schemeClr val="accent1">
+                    <a:lumMod val="50000"/>
+                  </a:schemeClr>
+                </a:solidFill>
+                <a:latin typeface="Bookman Old Style" panose="02050604050505020204" pitchFamily="18" charset="0"/>
+              </a:rPr>
+              <a:t>stopTrolley</a:t>
+            </a:r>
+          </a:p>
+        </p:txBody>
+      </p:sp>
+      <p:sp>
+        <p:nvSpPr>
+          <p:cNvPr id="126" name="CasellaDiTesto 125"/>
+          <p:cNvSpPr txBox="1"/>
+          <p:nvPr/>
+        </p:nvSpPr>
+        <p:spPr>
+          <a:xfrm>
+            <a:off x="1103374" y="3058611"/>
+            <a:ext cx="1476686" cy="461665"/>
+          </a:xfrm>
+          <a:prstGeom prst="rect">
+            <a:avLst/>
+          </a:prstGeom>
+          <a:noFill/>
+        </p:spPr>
+        <p:txBody>
+          <a:bodyPr wrap="none" rtlCol="0">
+            <a:spAutoFit/>
+          </a:bodyPr>
+          <a:lstStyle/>
+          <a:p>
+            <a:r>
+              <a:rPr lang="it-IT" sz="1200" dirty="0">
+                <a:solidFill>
+                  <a:schemeClr val="accent6">
+                    <a:lumMod val="50000"/>
+                  </a:schemeClr>
+                </a:solidFill>
+                <a:latin typeface="Bookman Old Style" panose="02050604050505020204" pitchFamily="18" charset="0"/>
+              </a:rPr>
+              <a:t>outdoorCleared</a:t>
+            </a:r>
+          </a:p>
+          <a:p>
+            <a:r>
+              <a:rPr lang="it-IT" sz="1200" dirty="0">
+                <a:solidFill>
+                  <a:schemeClr val="accent6">
+                    <a:lumMod val="50000"/>
+                  </a:schemeClr>
+                </a:solidFill>
+                <a:latin typeface="Bookman Old Style" panose="02050604050505020204" pitchFamily="18" charset="0"/>
+              </a:rPr>
+              <a:t>outdoorOccupied</a:t>
+            </a:r>
+          </a:p>
+        </p:txBody>
+      </p:sp>
+      <p:sp>
+        <p:nvSpPr>
+          <p:cNvPr id="127" name="CasellaDiTesto 126"/>
+          <p:cNvSpPr txBox="1"/>
+          <p:nvPr/>
+        </p:nvSpPr>
+        <p:spPr>
+          <a:xfrm>
+            <a:off x="4893729" y="6827832"/>
+            <a:ext cx="1606530" cy="276999"/>
+          </a:xfrm>
+          <a:prstGeom prst="rect">
+            <a:avLst/>
+          </a:prstGeom>
+          <a:noFill/>
+        </p:spPr>
+        <p:txBody>
+          <a:bodyPr wrap="none" rtlCol="0">
+            <a:spAutoFit/>
+          </a:bodyPr>
+          <a:lstStyle/>
+          <a:p>
+            <a:r>
+              <a:rPr lang="it-IT" sz="1200" dirty="0" smtClean="0">
+                <a:solidFill>
+                  <a:schemeClr val="accent6">
+                    <a:lumMod val="50000"/>
+                  </a:schemeClr>
+                </a:solidFill>
+                <a:latin typeface="Bookman Old Style" panose="02050604050505020204" pitchFamily="18" charset="0"/>
+              </a:rPr>
+              <a:t>temperature( VAL )</a:t>
+            </a:r>
+            <a:endParaRPr lang="it-IT" sz="1200" dirty="0">
+              <a:solidFill>
+                <a:schemeClr val="accent6">
+                  <a:lumMod val="50000"/>
+                </a:schemeClr>
+              </a:solidFill>
+              <a:latin typeface="Bookman Old Style" panose="02050604050505020204" pitchFamily="18" charset="0"/>
+            </a:endParaRPr>
+          </a:p>
+        </p:txBody>
+      </p:sp>
+      <p:grpSp>
+        <p:nvGrpSpPr>
+          <p:cNvPr id="128" name="Gruppo 127"/>
+          <p:cNvGrpSpPr/>
+          <p:nvPr/>
+        </p:nvGrpSpPr>
+        <p:grpSpPr>
+          <a:xfrm>
+            <a:off x="13199901" y="2203381"/>
+            <a:ext cx="1926426" cy="1214172"/>
+            <a:chOff x="402476" y="5184618"/>
+            <a:chExt cx="1926426" cy="1214172"/>
+          </a:xfrm>
+        </p:grpSpPr>
+        <p:sp>
+          <p:nvSpPr>
+            <p:cNvPr id="129" name="Ovale 128"/>
+            <p:cNvSpPr/>
+            <p:nvPr/>
+          </p:nvSpPr>
+          <p:spPr>
+            <a:xfrm>
+              <a:off x="667957" y="5332857"/>
+              <a:ext cx="1660945" cy="1065933"/>
+            </a:xfrm>
+            <a:prstGeom prst="ellipse">
+              <a:avLst/>
+            </a:prstGeom>
+            <a:solidFill>
+              <a:schemeClr val="accent2">
+                <a:lumMod val="20000"/>
+                <a:lumOff val="80000"/>
+              </a:schemeClr>
+            </a:solidFill>
+            <a:ln w="12700">
+              <a:solidFill>
+                <a:schemeClr val="tx1"/>
+              </a:solidFill>
+            </a:ln>
+          </p:spPr>
+          <p:style>
+            <a:lnRef idx="2">
+              <a:schemeClr val="accent1">
+                <a:shade val="50000"/>
+              </a:schemeClr>
+            </a:lnRef>
+            <a:fillRef idx="1">
+              <a:schemeClr val="accent1"/>
+            </a:fillRef>
+            <a:effectRef idx="0">
+              <a:schemeClr val="accent1"/>
+            </a:effectRef>
+            <a:fontRef idx="minor">
+              <a:schemeClr val="lt1"/>
+            </a:fontRef>
+          </p:style>
+          <p:txBody>
+            <a:bodyPr rtlCol="0" anchor="ctr"/>
+            <a:lstStyle/>
+            <a:p>
+              <a:pPr algn="ctr"/>
+              <a:r>
+                <a:rPr lang="it-IT" sz="1200" dirty="0">
+                  <a:solidFill>
+                    <a:schemeClr val="tx1"/>
+                  </a:solidFill>
+                  <a:latin typeface="Century Schoolbook" panose="02040604050505020304" pitchFamily="18" charset="0"/>
+                </a:rPr>
+                <a:t>Basic</a:t>
+              </a:r>
+            </a:p>
+            <a:p>
+              <a:pPr algn="ctr"/>
+              <a:r>
+                <a:rPr lang="it-IT" sz="1200" dirty="0">
+                  <a:solidFill>
+                    <a:schemeClr val="tx1"/>
+                  </a:solidFill>
+                  <a:latin typeface="Century Schoolbook" panose="02040604050505020304" pitchFamily="18" charset="0"/>
+                </a:rPr>
+                <a:t>Robot</a:t>
+              </a:r>
+              <a:endParaRPr lang="it-IT" sz="1400" i="1" dirty="0">
+                <a:solidFill>
+                  <a:schemeClr val="tx1"/>
+                </a:solidFill>
+                <a:latin typeface="Century Schoolbook" panose="02040604050505020304" pitchFamily="18" charset="0"/>
+              </a:endParaRPr>
+            </a:p>
+          </p:txBody>
+        </p:sp>
+        <p:sp>
+          <p:nvSpPr>
+            <p:cNvPr id="130" name="Triangolo isoscele 129"/>
+            <p:cNvSpPr/>
+            <p:nvPr/>
+          </p:nvSpPr>
+          <p:spPr>
+            <a:xfrm rot="16200000">
+              <a:off x="1350190" y="5205064"/>
+              <a:ext cx="296478" cy="255585"/>
+            </a:xfrm>
+            <a:prstGeom prst="triangle">
+              <a:avLst/>
+            </a:prstGeom>
+            <a:solidFill>
+              <a:srgbClr val="FF0000"/>
+            </a:solidFill>
+            <a:ln w="12700">
+              <a:solidFill>
+                <a:schemeClr val="tx1"/>
+              </a:solidFill>
+            </a:ln>
+          </p:spPr>
+          <p:style>
+            <a:lnRef idx="2">
+              <a:schemeClr val="accent1">
+                <a:shade val="50000"/>
+              </a:schemeClr>
+            </a:lnRef>
+            <a:fillRef idx="1">
+              <a:schemeClr val="accent1"/>
+            </a:fillRef>
+            <a:effectRef idx="0">
+              <a:schemeClr val="accent1"/>
+            </a:effectRef>
+            <a:fontRef idx="minor">
+              <a:schemeClr val="lt1"/>
+            </a:fontRef>
+          </p:style>
+          <p:txBody>
+            <a:bodyPr rtlCol="0" anchor="ctr"/>
+            <a:lstStyle/>
+            <a:p>
+              <a:pPr algn="ctr"/>
+              <a:endParaRPr lang="it-IT"/>
+            </a:p>
+          </p:txBody>
+        </p:sp>
+        <p:sp>
+          <p:nvSpPr>
+            <p:cNvPr id="131" name="Rettangolo 130"/>
+            <p:cNvSpPr/>
+            <p:nvPr/>
+          </p:nvSpPr>
+          <p:spPr>
+            <a:xfrm>
+              <a:off x="402476" y="5739696"/>
+              <a:ext cx="530961" cy="252254"/>
+            </a:xfrm>
+            <a:prstGeom prst="rect">
+              <a:avLst/>
+            </a:prstGeom>
+            <a:solidFill>
+              <a:schemeClr val="accent2">
+                <a:lumMod val="20000"/>
+                <a:lumOff val="80000"/>
+              </a:schemeClr>
+            </a:solidFill>
+            <a:ln w="12700">
+              <a:solidFill>
+                <a:schemeClr val="tx1"/>
+              </a:solidFill>
+            </a:ln>
+          </p:spPr>
+          <p:style>
+            <a:lnRef idx="2">
+              <a:schemeClr val="accent1">
+                <a:shade val="50000"/>
+              </a:schemeClr>
+            </a:lnRef>
+            <a:fillRef idx="1">
+              <a:schemeClr val="accent1"/>
+            </a:fillRef>
+            <a:effectRef idx="0">
+              <a:schemeClr val="accent1"/>
+            </a:effectRef>
+            <a:fontRef idx="minor">
+              <a:schemeClr val="lt1"/>
+            </a:fontRef>
+          </p:style>
+          <p:txBody>
+            <a:bodyPr rtlCol="0" anchor="ctr"/>
+            <a:lstStyle/>
+            <a:p>
+              <a:pPr algn="ctr"/>
+              <a:endParaRPr lang="it-IT"/>
+            </a:p>
+          </p:txBody>
+        </p:sp>
+      </p:grpSp>
+      <p:grpSp>
+        <p:nvGrpSpPr>
+          <p:cNvPr id="132" name="Gruppo 131"/>
+          <p:cNvGrpSpPr/>
+          <p:nvPr/>
+        </p:nvGrpSpPr>
+        <p:grpSpPr>
+          <a:xfrm>
+            <a:off x="12223747" y="2463395"/>
+            <a:ext cx="844768" cy="342073"/>
+            <a:chOff x="8144484" y="4563130"/>
+            <a:chExt cx="844768" cy="342073"/>
+          </a:xfrm>
+        </p:grpSpPr>
+        <p:cxnSp>
+          <p:nvCxnSpPr>
+            <p:cNvPr id="133" name="Connettore 2 132"/>
+            <p:cNvCxnSpPr/>
+            <p:nvPr/>
+          </p:nvCxnSpPr>
+          <p:spPr>
+            <a:xfrm flipV="1">
+              <a:off x="8144484" y="4634422"/>
+              <a:ext cx="721852" cy="2"/>
+            </a:xfrm>
+            <a:prstGeom prst="straightConnector1">
+              <a:avLst/>
+            </a:prstGeom>
+            <a:ln w="19050">
+              <a:solidFill>
+                <a:schemeClr val="accent4">
+                  <a:lumMod val="75000"/>
+                </a:schemeClr>
+              </a:solidFill>
+              <a:headEnd type="none" w="med" len="med"/>
+              <a:tailEnd type="none" w="med" len="med"/>
+            </a:ln>
+          </p:spPr>
+          <p:style>
+            <a:lnRef idx="1">
+              <a:schemeClr val="accent1"/>
+            </a:lnRef>
+            <a:fillRef idx="0">
+              <a:schemeClr val="accent1"/>
+            </a:fillRef>
+            <a:effectRef idx="0">
+              <a:schemeClr val="accent1"/>
+            </a:effectRef>
+            <a:fontRef idx="minor">
+              <a:schemeClr val="tx1"/>
+            </a:fontRef>
+          </p:style>
+        </p:cxnSp>
+        <p:sp>
+          <p:nvSpPr>
+            <p:cNvPr id="134" name="Triangolo isoscele 133"/>
+            <p:cNvSpPr/>
+            <p:nvPr/>
+          </p:nvSpPr>
+          <p:spPr>
+            <a:xfrm rot="16200000" flipV="1">
+              <a:off x="8856502" y="4572964"/>
+              <a:ext cx="142583" cy="122916"/>
+            </a:xfrm>
+            <a:prstGeom prst="triangle">
+              <a:avLst/>
+            </a:prstGeom>
+            <a:solidFill>
+              <a:schemeClr val="bg1"/>
+            </a:solidFill>
+            <a:ln w="15875">
+              <a:solidFill>
+                <a:schemeClr val="accent4">
+                  <a:lumMod val="75000"/>
+                </a:schemeClr>
+              </a:solidFill>
+            </a:ln>
+          </p:spPr>
+          <p:style>
+            <a:lnRef idx="2">
+              <a:schemeClr val="accent1">
+                <a:shade val="50000"/>
+              </a:schemeClr>
+            </a:lnRef>
+            <a:fillRef idx="1">
+              <a:schemeClr val="accent1"/>
+            </a:fillRef>
+            <a:effectRef idx="0">
+              <a:schemeClr val="accent1"/>
+            </a:effectRef>
+            <a:fontRef idx="minor">
+              <a:schemeClr val="lt1"/>
+            </a:fontRef>
+          </p:style>
+          <p:txBody>
+            <a:bodyPr rtlCol="0" anchor="ctr"/>
+            <a:lstStyle/>
+            <a:p>
+              <a:pPr algn="ctr"/>
+              <a:endParaRPr lang="it-IT"/>
+            </a:p>
+          </p:txBody>
+        </p:sp>
+        <p:cxnSp>
+          <p:nvCxnSpPr>
+            <p:cNvPr id="135" name="Connettore 2 134"/>
+            <p:cNvCxnSpPr/>
+            <p:nvPr/>
+          </p:nvCxnSpPr>
+          <p:spPr>
+            <a:xfrm flipV="1">
+              <a:off x="8267400" y="4833910"/>
+              <a:ext cx="721852" cy="2"/>
+            </a:xfrm>
+            <a:prstGeom prst="straightConnector1">
+              <a:avLst/>
+            </a:prstGeom>
+            <a:ln w="19050">
+              <a:solidFill>
+                <a:schemeClr val="accent4">
+                  <a:lumMod val="75000"/>
+                </a:schemeClr>
+              </a:solidFill>
+              <a:prstDash val="sysDash"/>
+              <a:headEnd type="none" w="med" len="med"/>
+              <a:tailEnd type="none" w="med" len="med"/>
+            </a:ln>
+          </p:spPr>
+          <p:style>
+            <a:lnRef idx="1">
+              <a:schemeClr val="accent1"/>
+            </a:lnRef>
+            <a:fillRef idx="0">
+              <a:schemeClr val="accent1"/>
+            </a:fillRef>
+            <a:effectRef idx="0">
+              <a:schemeClr val="accent1"/>
+            </a:effectRef>
+            <a:fontRef idx="minor">
+              <a:schemeClr val="tx1"/>
+            </a:fontRef>
+          </p:style>
+        </p:cxnSp>
+        <p:sp>
+          <p:nvSpPr>
+            <p:cNvPr id="136" name="Triangolo isoscele 135"/>
+            <p:cNvSpPr/>
+            <p:nvPr/>
+          </p:nvSpPr>
+          <p:spPr>
+            <a:xfrm rot="5400000" flipH="1" flipV="1">
+              <a:off x="8167744" y="4772454"/>
+              <a:ext cx="142583" cy="122916"/>
+            </a:xfrm>
+            <a:prstGeom prst="triangle">
+              <a:avLst/>
+            </a:prstGeom>
+            <a:solidFill>
+              <a:schemeClr val="bg1"/>
+            </a:solidFill>
+            <a:ln w="15875">
+              <a:solidFill>
+                <a:schemeClr val="accent4">
+                  <a:lumMod val="75000"/>
+                </a:schemeClr>
+              </a:solidFill>
+            </a:ln>
+          </p:spPr>
+          <p:style>
+            <a:lnRef idx="2">
+              <a:schemeClr val="accent1">
+                <a:shade val="50000"/>
+              </a:schemeClr>
+            </a:lnRef>
+            <a:fillRef idx="1">
+              <a:schemeClr val="accent1"/>
+            </a:fillRef>
+            <a:effectRef idx="0">
+              <a:schemeClr val="accent1"/>
+            </a:effectRef>
+            <a:fontRef idx="minor">
+              <a:schemeClr val="lt1"/>
+            </a:fontRef>
+          </p:style>
+          <p:txBody>
+            <a:bodyPr rtlCol="0" anchor="ctr"/>
+            <a:lstStyle/>
+            <a:p>
+              <a:pPr algn="ctr"/>
+              <a:endParaRPr lang="it-IT"/>
+            </a:p>
+          </p:txBody>
+        </p:sp>
+      </p:grpSp>
+      <p:cxnSp>
+        <p:nvCxnSpPr>
+          <p:cNvPr id="137" name="Connettore 2 136"/>
+          <p:cNvCxnSpPr/>
+          <p:nvPr/>
+        </p:nvCxnSpPr>
+        <p:spPr>
+          <a:xfrm>
+            <a:off x="12223747" y="3153330"/>
+            <a:ext cx="945711" cy="0"/>
+          </a:xfrm>
+          <a:prstGeom prst="straightConnector1">
+            <a:avLst/>
+          </a:prstGeom>
+          <a:ln w="19050">
+            <a:solidFill>
+              <a:schemeClr val="accent1">
+                <a:lumMod val="75000"/>
+              </a:schemeClr>
+            </a:solidFill>
+            <a:prstDash val="sysDash"/>
+            <a:headEnd type="none" w="med" len="med"/>
+            <a:tailEnd type="arrow" w="med" len="med"/>
+          </a:ln>
+        </p:spPr>
+        <p:style>
+          <a:lnRef idx="1">
+            <a:schemeClr val="accent1"/>
+          </a:lnRef>
+          <a:fillRef idx="0">
+            <a:schemeClr val="accent1"/>
+          </a:fillRef>
+          <a:effectRef idx="0">
+            <a:schemeClr val="accent1"/>
+          </a:effectRef>
+          <a:fontRef idx="minor">
+            <a:schemeClr val="tx1"/>
+          </a:fontRef>
+        </p:style>
+      </p:cxnSp>
+      <p:sp>
+        <p:nvSpPr>
+          <p:cNvPr id="138" name="CasellaDiTesto 137"/>
+          <p:cNvSpPr txBox="1"/>
+          <p:nvPr/>
+        </p:nvSpPr>
+        <p:spPr>
+          <a:xfrm>
+            <a:off x="12127790" y="2157945"/>
+            <a:ext cx="979755" cy="276999"/>
+          </a:xfrm>
+          <a:prstGeom prst="rect">
+            <a:avLst/>
+          </a:prstGeom>
+          <a:noFill/>
+        </p:spPr>
+        <p:txBody>
+          <a:bodyPr wrap="none" rtlCol="0">
+            <a:spAutoFit/>
+          </a:bodyPr>
+          <a:lstStyle/>
+          <a:p>
+            <a:r>
+              <a:rPr lang="it-IT" sz="1200" dirty="0">
+                <a:solidFill>
+                  <a:schemeClr val="accent4">
+                    <a:lumMod val="50000"/>
+                  </a:schemeClr>
+                </a:solidFill>
+                <a:latin typeface="Bookman Old Style" panose="02050604050505020204" pitchFamily="18" charset="0"/>
+              </a:rPr>
+              <a:t>step( 340 )</a:t>
+            </a:r>
+          </a:p>
+        </p:txBody>
+      </p:sp>
+      <p:sp>
+        <p:nvSpPr>
+          <p:cNvPr id="139" name="CasellaDiTesto 138"/>
+          <p:cNvSpPr txBox="1"/>
+          <p:nvPr/>
+        </p:nvSpPr>
+        <p:spPr>
+          <a:xfrm>
+            <a:off x="12223747" y="3212308"/>
+            <a:ext cx="1003801" cy="276999"/>
+          </a:xfrm>
+          <a:prstGeom prst="rect">
+            <a:avLst/>
+          </a:prstGeom>
+          <a:noFill/>
+        </p:spPr>
+        <p:txBody>
+          <a:bodyPr wrap="none" rtlCol="0">
+            <a:spAutoFit/>
+          </a:bodyPr>
+          <a:lstStyle/>
+          <a:p>
+            <a:r>
+              <a:rPr lang="it-IT" sz="1200" dirty="0">
+                <a:solidFill>
+                  <a:schemeClr val="accent1">
+                    <a:lumMod val="50000"/>
+                  </a:schemeClr>
+                </a:solidFill>
+                <a:latin typeface="Bookman Old Style" panose="02050604050505020204" pitchFamily="18" charset="0"/>
+              </a:rPr>
+              <a:t>cmd( </a:t>
+            </a:r>
+            <a:r>
+              <a:rPr lang="it-IT" sz="1200" dirty="0" smtClean="0">
+                <a:solidFill>
+                  <a:schemeClr val="accent1">
+                    <a:lumMod val="50000"/>
+                  </a:schemeClr>
+                </a:solidFill>
+                <a:latin typeface="Bookman Old Style" panose="02050604050505020204" pitchFamily="18" charset="0"/>
+              </a:rPr>
+              <a:t>l / r )</a:t>
+            </a:r>
+            <a:endParaRPr lang="it-IT" sz="1200" dirty="0">
+              <a:solidFill>
+                <a:schemeClr val="accent1">
+                  <a:lumMod val="50000"/>
+                </a:schemeClr>
+              </a:solidFill>
+              <a:latin typeface="Bookman Old Style" panose="02050604050505020204" pitchFamily="18" charset="0"/>
+            </a:endParaRPr>
+          </a:p>
+        </p:txBody>
+      </p:sp>
+      <p:sp>
+        <p:nvSpPr>
+          <p:cNvPr id="140" name="CasellaDiTesto 139"/>
+          <p:cNvSpPr txBox="1"/>
+          <p:nvPr/>
+        </p:nvSpPr>
+        <p:spPr>
+          <a:xfrm>
+            <a:off x="12244808" y="2756441"/>
+            <a:ext cx="862737" cy="276999"/>
+          </a:xfrm>
+          <a:prstGeom prst="rect">
+            <a:avLst/>
+          </a:prstGeom>
+          <a:noFill/>
+        </p:spPr>
+        <p:txBody>
+          <a:bodyPr wrap="none" rtlCol="0">
+            <a:spAutoFit/>
+          </a:bodyPr>
+          <a:lstStyle/>
+          <a:p>
+            <a:r>
+              <a:rPr lang="it-IT" sz="1200" dirty="0" smtClean="0">
+                <a:solidFill>
+                  <a:schemeClr val="accent4">
+                    <a:lumMod val="50000"/>
+                  </a:schemeClr>
+                </a:solidFill>
+                <a:latin typeface="Bookman Old Style" panose="02050604050505020204" pitchFamily="18" charset="0"/>
+              </a:rPr>
+              <a:t>stepdone</a:t>
+            </a:r>
+            <a:endParaRPr lang="it-IT" sz="1200" dirty="0">
+              <a:solidFill>
+                <a:schemeClr val="accent4">
+                  <a:lumMod val="50000"/>
+                </a:schemeClr>
+              </a:solidFill>
+              <a:latin typeface="Bookman Old Style" panose="02050604050505020204" pitchFamily="18" charset="0"/>
+            </a:endParaRPr>
+          </a:p>
+        </p:txBody>
+      </p:sp>
+      <p:grpSp>
+        <p:nvGrpSpPr>
+          <p:cNvPr id="151" name="Gruppo 150"/>
+          <p:cNvGrpSpPr/>
+          <p:nvPr/>
+        </p:nvGrpSpPr>
+        <p:grpSpPr>
+          <a:xfrm flipH="1">
+            <a:off x="5655400" y="2774587"/>
+            <a:ext cx="844768" cy="342073"/>
+            <a:chOff x="8144484" y="4563130"/>
+            <a:chExt cx="844768" cy="342073"/>
+          </a:xfrm>
+        </p:grpSpPr>
+        <p:cxnSp>
+          <p:nvCxnSpPr>
+            <p:cNvPr id="152" name="Connettore 2 151"/>
+            <p:cNvCxnSpPr/>
+            <p:nvPr/>
+          </p:nvCxnSpPr>
+          <p:spPr>
+            <a:xfrm flipV="1">
+              <a:off x="8144484" y="4634422"/>
+              <a:ext cx="721852" cy="2"/>
+            </a:xfrm>
+            <a:prstGeom prst="straightConnector1">
+              <a:avLst/>
+            </a:prstGeom>
+            <a:ln w="19050">
+              <a:solidFill>
+                <a:schemeClr val="accent4">
+                  <a:lumMod val="75000"/>
+                </a:schemeClr>
+              </a:solidFill>
+              <a:headEnd type="none" w="med" len="med"/>
+              <a:tailEnd type="none" w="med" len="med"/>
+            </a:ln>
+          </p:spPr>
+          <p:style>
+            <a:lnRef idx="1">
+              <a:schemeClr val="accent1"/>
+            </a:lnRef>
+            <a:fillRef idx="0">
+              <a:schemeClr val="accent1"/>
+            </a:fillRef>
+            <a:effectRef idx="0">
+              <a:schemeClr val="accent1"/>
+            </a:effectRef>
+            <a:fontRef idx="minor">
+              <a:schemeClr val="tx1"/>
+            </a:fontRef>
+          </p:style>
+        </p:cxnSp>
+        <p:sp>
+          <p:nvSpPr>
+            <p:cNvPr id="153" name="Triangolo isoscele 152"/>
+            <p:cNvSpPr/>
+            <p:nvPr/>
+          </p:nvSpPr>
+          <p:spPr>
+            <a:xfrm rot="16200000" flipV="1">
+              <a:off x="8856502" y="4572964"/>
+              <a:ext cx="142583" cy="122916"/>
+            </a:xfrm>
+            <a:prstGeom prst="triangle">
+              <a:avLst/>
+            </a:prstGeom>
+            <a:solidFill>
+              <a:schemeClr val="bg1"/>
+            </a:solidFill>
+            <a:ln w="15875">
+              <a:solidFill>
+                <a:schemeClr val="accent4">
+                  <a:lumMod val="75000"/>
+                </a:schemeClr>
+              </a:solidFill>
+            </a:ln>
+          </p:spPr>
+          <p:style>
+            <a:lnRef idx="2">
+              <a:schemeClr val="accent1">
+                <a:shade val="50000"/>
+              </a:schemeClr>
+            </a:lnRef>
+            <a:fillRef idx="1">
+              <a:schemeClr val="accent1"/>
+            </a:fillRef>
+            <a:effectRef idx="0">
+              <a:schemeClr val="accent1"/>
+            </a:effectRef>
+            <a:fontRef idx="minor">
+              <a:schemeClr val="lt1"/>
+            </a:fontRef>
+          </p:style>
+          <p:txBody>
+            <a:bodyPr rtlCol="0" anchor="ctr"/>
+            <a:lstStyle/>
+            <a:p>
+              <a:pPr algn="ctr"/>
+              <a:endParaRPr lang="it-IT"/>
+            </a:p>
+          </p:txBody>
+        </p:sp>
+        <p:cxnSp>
+          <p:nvCxnSpPr>
+            <p:cNvPr id="154" name="Connettore 2 153"/>
+            <p:cNvCxnSpPr/>
+            <p:nvPr/>
+          </p:nvCxnSpPr>
+          <p:spPr>
+            <a:xfrm flipV="1">
+              <a:off x="8267400" y="4833910"/>
+              <a:ext cx="721852" cy="2"/>
+            </a:xfrm>
+            <a:prstGeom prst="straightConnector1">
+              <a:avLst/>
+            </a:prstGeom>
+            <a:ln w="19050">
+              <a:solidFill>
+                <a:schemeClr val="accent4">
+                  <a:lumMod val="75000"/>
+                </a:schemeClr>
+              </a:solidFill>
+              <a:prstDash val="sysDash"/>
+              <a:headEnd type="none" w="med" len="med"/>
+              <a:tailEnd type="none" w="med" len="med"/>
+            </a:ln>
+          </p:spPr>
+          <p:style>
+            <a:lnRef idx="1">
+              <a:schemeClr val="accent1"/>
+            </a:lnRef>
+            <a:fillRef idx="0">
+              <a:schemeClr val="accent1"/>
+            </a:fillRef>
+            <a:effectRef idx="0">
+              <a:schemeClr val="accent1"/>
+            </a:effectRef>
+            <a:fontRef idx="minor">
+              <a:schemeClr val="tx1"/>
+            </a:fontRef>
+          </p:style>
+        </p:cxnSp>
+        <p:sp>
+          <p:nvSpPr>
+            <p:cNvPr id="155" name="Triangolo isoscele 154"/>
+            <p:cNvSpPr/>
+            <p:nvPr/>
+          </p:nvSpPr>
+          <p:spPr>
+            <a:xfrm rot="5400000" flipH="1" flipV="1">
+              <a:off x="8167744" y="4772454"/>
+              <a:ext cx="142583" cy="122916"/>
+            </a:xfrm>
+            <a:prstGeom prst="triangle">
+              <a:avLst/>
+            </a:prstGeom>
+            <a:solidFill>
+              <a:schemeClr val="bg1"/>
+            </a:solidFill>
+            <a:ln w="15875">
+              <a:solidFill>
+                <a:schemeClr val="accent4">
+                  <a:lumMod val="75000"/>
+                </a:schemeClr>
+              </a:solidFill>
+            </a:ln>
+          </p:spPr>
+          <p:style>
+            <a:lnRef idx="2">
+              <a:schemeClr val="accent1">
+                <a:shade val="50000"/>
+              </a:schemeClr>
+            </a:lnRef>
+            <a:fillRef idx="1">
+              <a:schemeClr val="accent1"/>
+            </a:fillRef>
+            <a:effectRef idx="0">
+              <a:schemeClr val="accent1"/>
+            </a:effectRef>
+            <a:fontRef idx="minor">
+              <a:schemeClr val="lt1"/>
+            </a:fontRef>
+          </p:style>
+          <p:txBody>
+            <a:bodyPr rtlCol="0" anchor="ctr"/>
+            <a:lstStyle/>
+            <a:p>
+              <a:pPr algn="ctr"/>
+              <a:endParaRPr lang="it-IT"/>
+            </a:p>
+          </p:txBody>
+        </p:sp>
+      </p:grpSp>
+      <p:sp>
+        <p:nvSpPr>
+          <p:cNvPr id="106" name="CasellaDiTesto 105"/>
+          <p:cNvSpPr txBox="1"/>
+          <p:nvPr/>
+        </p:nvSpPr>
+        <p:spPr>
+          <a:xfrm>
+            <a:off x="118168" y="6508416"/>
+            <a:ext cx="1723549" cy="253916"/>
+          </a:xfrm>
+          <a:prstGeom prst="rect">
+            <a:avLst/>
+          </a:prstGeom>
+          <a:noFill/>
+        </p:spPr>
+        <p:txBody>
+          <a:bodyPr wrap="none" rtlCol="0">
+            <a:spAutoFit/>
+          </a:bodyPr>
+          <a:lstStyle/>
+          <a:p>
+            <a:r>
+              <a:rPr lang="it-IT" sz="1050" dirty="0" smtClean="0">
+                <a:solidFill>
+                  <a:schemeClr val="bg2">
+                    <a:lumMod val="25000"/>
+                  </a:schemeClr>
+                </a:solidFill>
+                <a:latin typeface="Bookman Old Style" panose="02050604050505020204" pitchFamily="18" charset="0"/>
+              </a:rPr>
+              <a:t>icons from flaticon.com</a:t>
+            </a:r>
+            <a:endParaRPr lang="it-IT" sz="1050" dirty="0">
+              <a:solidFill>
+                <a:schemeClr val="bg2">
+                  <a:lumMod val="25000"/>
+                </a:schemeClr>
+              </a:solidFill>
+              <a:latin typeface="Bookman Old Style" panose="02050604050505020204" pitchFamily="18" charset="0"/>
+            </a:endParaRPr>
+          </a:p>
+        </p:txBody>
+      </p:sp>
+      <p:pic>
+        <p:nvPicPr>
+          <p:cNvPr id="107" name="Immagine 106"/>
+          <p:cNvPicPr>
+            <a:picLocks noChangeAspect="1"/>
+          </p:cNvPicPr>
+          <p:nvPr/>
+        </p:nvPicPr>
+        <p:blipFill>
+          <a:blip r:embed="rId2" cstate="print">
+            <a:extLst>
+              <a:ext uri="{28A0092B-C50C-407E-A947-70E740481C1C}">
+                <a14:useLocalDpi xmlns:a14="http://schemas.microsoft.com/office/drawing/2010/main" val="0"/>
+              </a:ext>
+            </a:extLst>
+          </a:blip>
+          <a:stretch>
+            <a:fillRect/>
+          </a:stretch>
+        </p:blipFill>
+        <p:spPr>
+          <a:xfrm>
+            <a:off x="1578221" y="283701"/>
+            <a:ext cx="526991" cy="526991"/>
+          </a:xfrm>
+          <a:prstGeom prst="rect">
+            <a:avLst/>
+          </a:prstGeom>
+        </p:spPr>
+      </p:pic>
+      <p:pic>
+        <p:nvPicPr>
+          <p:cNvPr id="108" name="Immagine 107"/>
+          <p:cNvPicPr>
+            <a:picLocks noChangeAspect="1"/>
+          </p:cNvPicPr>
+          <p:nvPr/>
+        </p:nvPicPr>
+        <p:blipFill>
+          <a:blip r:embed="rId3" cstate="print">
+            <a:extLst>
+              <a:ext uri="{28A0092B-C50C-407E-A947-70E740481C1C}">
+                <a14:useLocalDpi xmlns:a14="http://schemas.microsoft.com/office/drawing/2010/main" val="0"/>
+              </a:ext>
+            </a:extLst>
+          </a:blip>
+          <a:stretch>
+            <a:fillRect/>
+          </a:stretch>
+        </p:blipFill>
+        <p:spPr>
+          <a:xfrm>
+            <a:off x="1312521" y="4926706"/>
+            <a:ext cx="656452" cy="656452"/>
+          </a:xfrm>
+          <a:prstGeom prst="rect">
+            <a:avLst/>
+          </a:prstGeom>
+        </p:spPr>
+      </p:pic>
+      <p:pic>
+        <p:nvPicPr>
+          <p:cNvPr id="109" name="Immagine 108"/>
+          <p:cNvPicPr>
+            <a:picLocks noChangeAspect="1"/>
+          </p:cNvPicPr>
+          <p:nvPr/>
+        </p:nvPicPr>
+        <p:blipFill>
+          <a:blip r:embed="rId4" cstate="print">
+            <a:extLst>
+              <a:ext uri="{28A0092B-C50C-407E-A947-70E740481C1C}">
+                <a14:useLocalDpi xmlns:a14="http://schemas.microsoft.com/office/drawing/2010/main" val="0"/>
+              </a:ext>
+            </a:extLst>
+          </a:blip>
+          <a:stretch>
+            <a:fillRect/>
+          </a:stretch>
+        </p:blipFill>
+        <p:spPr>
+          <a:xfrm>
+            <a:off x="3680562" y="5831046"/>
+            <a:ext cx="656452" cy="656452"/>
+          </a:xfrm>
+          <a:prstGeom prst="rect">
+            <a:avLst/>
+          </a:prstGeom>
+        </p:spPr>
+      </p:pic>
+      <p:pic>
+        <p:nvPicPr>
+          <p:cNvPr id="110" name="Immagine 109"/>
+          <p:cNvPicPr>
+            <a:picLocks noChangeAspect="1"/>
+          </p:cNvPicPr>
+          <p:nvPr/>
+        </p:nvPicPr>
+        <p:blipFill>
+          <a:blip r:embed="rId5" cstate="print">
+            <a:extLst>
+              <a:ext uri="{28A0092B-C50C-407E-A947-70E740481C1C}">
+                <a14:useLocalDpi xmlns:a14="http://schemas.microsoft.com/office/drawing/2010/main" val="0"/>
+              </a:ext>
+            </a:extLst>
+          </a:blip>
+          <a:stretch>
+            <a:fillRect/>
+          </a:stretch>
+        </p:blipFill>
+        <p:spPr>
+          <a:xfrm>
+            <a:off x="12101333" y="4624329"/>
+            <a:ext cx="528643" cy="528643"/>
+          </a:xfrm>
+          <a:prstGeom prst="rect">
+            <a:avLst/>
+          </a:prstGeom>
+        </p:spPr>
+      </p:pic>
+      <p:pic>
+        <p:nvPicPr>
+          <p:cNvPr id="141" name="Immagine 140"/>
+          <p:cNvPicPr>
+            <a:picLocks noChangeAspect="1"/>
+          </p:cNvPicPr>
+          <p:nvPr/>
+        </p:nvPicPr>
+        <p:blipFill>
+          <a:blip r:embed="rId6" cstate="print">
+            <a:extLst>
+              <a:ext uri="{28A0092B-C50C-407E-A947-70E740481C1C}">
+                <a14:useLocalDpi xmlns:a14="http://schemas.microsoft.com/office/drawing/2010/main" val="0"/>
+              </a:ext>
+            </a:extLst>
+          </a:blip>
+          <a:stretch>
+            <a:fillRect/>
+          </a:stretch>
+        </p:blipFill>
+        <p:spPr>
+          <a:xfrm>
+            <a:off x="13967628" y="1527975"/>
+            <a:ext cx="656452" cy="656452"/>
+          </a:xfrm>
+          <a:prstGeom prst="rect">
+            <a:avLst/>
+          </a:prstGeom>
+        </p:spPr>
+      </p:pic>
+      <p:pic>
+        <p:nvPicPr>
+          <p:cNvPr id="142" name="Immagine 141"/>
+          <p:cNvPicPr>
+            <a:picLocks noChangeAspect="1"/>
+          </p:cNvPicPr>
+          <p:nvPr/>
+        </p:nvPicPr>
+        <p:blipFill>
+          <a:blip r:embed="rId7" cstate="print">
+            <a:extLst>
+              <a:ext uri="{28A0092B-C50C-407E-A947-70E740481C1C}">
+                <a14:useLocalDpi xmlns:a14="http://schemas.microsoft.com/office/drawing/2010/main" val="0"/>
+              </a:ext>
+            </a:extLst>
+          </a:blip>
+          <a:stretch>
+            <a:fillRect/>
+          </a:stretch>
+        </p:blipFill>
+        <p:spPr>
+          <a:xfrm>
+            <a:off x="12127790" y="553144"/>
+            <a:ext cx="528643" cy="528643"/>
+          </a:xfrm>
+          <a:prstGeom prst="rect">
+            <a:avLst/>
+          </a:prstGeom>
+        </p:spPr>
+      </p:pic>
+      <p:pic>
+        <p:nvPicPr>
+          <p:cNvPr id="143" name="Immagine 142"/>
+          <p:cNvPicPr>
+            <a:picLocks noChangeAspect="1"/>
+          </p:cNvPicPr>
+          <p:nvPr/>
+        </p:nvPicPr>
+        <p:blipFill>
+          <a:blip r:embed="rId8" cstate="print">
+            <a:extLst>
+              <a:ext uri="{28A0092B-C50C-407E-A947-70E740481C1C}">
+                <a14:useLocalDpi xmlns:a14="http://schemas.microsoft.com/office/drawing/2010/main" val="0"/>
+              </a:ext>
+            </a:extLst>
+          </a:blip>
+          <a:stretch>
+            <a:fillRect/>
+          </a:stretch>
+        </p:blipFill>
+        <p:spPr>
+          <a:xfrm>
+            <a:off x="12243019" y="6487498"/>
+            <a:ext cx="534837" cy="534837"/>
+          </a:xfrm>
+          <a:prstGeom prst="rect">
+            <a:avLst/>
+          </a:prstGeom>
+        </p:spPr>
+      </p:pic>
+    </p:spTree>
+    <p:extLst>
+      <p:ext uri="{BB962C8B-B14F-4D97-AF65-F5344CB8AC3E}">
+        <p14:creationId xmlns:p14="http://schemas.microsoft.com/office/powerpoint/2010/main" val="3324132296"/>
       </p:ext>
     </p:extLst>
   </p:cSld>

--- a/Sprint 3/userDocs/img/final_task_schema.pptx
+++ b/Sprint 3/userDocs/img/final_task_schema.pptx
@@ -260,7 +260,7 @@
           <a:p>
             <a:fld id="{B54D5996-1787-4713-9AAF-D983FFC67929}" type="datetimeFigureOut">
               <a:rPr lang="it-IT" smtClean="0"/>
-              <a:t>04/08/2021</a:t>
+              <a:t>05/08/2021</a:t>
             </a:fld>
             <a:endParaRPr lang="it-IT"/>
           </a:p>
@@ -428,7 +428,7 @@
           <a:p>
             <a:fld id="{B54D5996-1787-4713-9AAF-D983FFC67929}" type="datetimeFigureOut">
               <a:rPr lang="it-IT" smtClean="0"/>
-              <a:t>04/08/2021</a:t>
+              <a:t>05/08/2021</a:t>
             </a:fld>
             <a:endParaRPr lang="it-IT"/>
           </a:p>
@@ -606,7 +606,7 @@
           <a:p>
             <a:fld id="{B54D5996-1787-4713-9AAF-D983FFC67929}" type="datetimeFigureOut">
               <a:rPr lang="it-IT" smtClean="0"/>
-              <a:t>04/08/2021</a:t>
+              <a:t>05/08/2021</a:t>
             </a:fld>
             <a:endParaRPr lang="it-IT"/>
           </a:p>
@@ -774,7 +774,7 @@
           <a:p>
             <a:fld id="{B54D5996-1787-4713-9AAF-D983FFC67929}" type="datetimeFigureOut">
               <a:rPr lang="it-IT" smtClean="0"/>
-              <a:t>04/08/2021</a:t>
+              <a:t>05/08/2021</a:t>
             </a:fld>
             <a:endParaRPr lang="it-IT"/>
           </a:p>
@@ -1019,7 +1019,7 @@
           <a:p>
             <a:fld id="{B54D5996-1787-4713-9AAF-D983FFC67929}" type="datetimeFigureOut">
               <a:rPr lang="it-IT" smtClean="0"/>
-              <a:t>04/08/2021</a:t>
+              <a:t>05/08/2021</a:t>
             </a:fld>
             <a:endParaRPr lang="it-IT"/>
           </a:p>
@@ -1248,7 +1248,7 @@
           <a:p>
             <a:fld id="{B54D5996-1787-4713-9AAF-D983FFC67929}" type="datetimeFigureOut">
               <a:rPr lang="it-IT" smtClean="0"/>
-              <a:t>04/08/2021</a:t>
+              <a:t>05/08/2021</a:t>
             </a:fld>
             <a:endParaRPr lang="it-IT"/>
           </a:p>
@@ -1612,7 +1612,7 @@
           <a:p>
             <a:fld id="{B54D5996-1787-4713-9AAF-D983FFC67929}" type="datetimeFigureOut">
               <a:rPr lang="it-IT" smtClean="0"/>
-              <a:t>04/08/2021</a:t>
+              <a:t>05/08/2021</a:t>
             </a:fld>
             <a:endParaRPr lang="it-IT"/>
           </a:p>
@@ -1729,7 +1729,7 @@
           <a:p>
             <a:fld id="{B54D5996-1787-4713-9AAF-D983FFC67929}" type="datetimeFigureOut">
               <a:rPr lang="it-IT" smtClean="0"/>
-              <a:t>04/08/2021</a:t>
+              <a:t>05/08/2021</a:t>
             </a:fld>
             <a:endParaRPr lang="it-IT"/>
           </a:p>
@@ -1824,7 +1824,7 @@
           <a:p>
             <a:fld id="{B54D5996-1787-4713-9AAF-D983FFC67929}" type="datetimeFigureOut">
               <a:rPr lang="it-IT" smtClean="0"/>
-              <a:t>04/08/2021</a:t>
+              <a:t>05/08/2021</a:t>
             </a:fld>
             <a:endParaRPr lang="it-IT"/>
           </a:p>
@@ -2099,7 +2099,7 @@
           <a:p>
             <a:fld id="{B54D5996-1787-4713-9AAF-D983FFC67929}" type="datetimeFigureOut">
               <a:rPr lang="it-IT" smtClean="0"/>
-              <a:t>04/08/2021</a:t>
+              <a:t>05/08/2021</a:t>
             </a:fld>
             <a:endParaRPr lang="it-IT"/>
           </a:p>
@@ -2351,7 +2351,7 @@
           <a:p>
             <a:fld id="{B54D5996-1787-4713-9AAF-D983FFC67929}" type="datetimeFigureOut">
               <a:rPr lang="it-IT" smtClean="0"/>
-              <a:t>04/08/2021</a:t>
+              <a:t>05/08/2021</a:t>
             </a:fld>
             <a:endParaRPr lang="it-IT"/>
           </a:p>
@@ -2562,7 +2562,7 @@
           <a:p>
             <a:fld id="{B54D5996-1787-4713-9AAF-D983FFC67929}" type="datetimeFigureOut">
               <a:rPr lang="it-IT" smtClean="0"/>
-              <a:t>04/08/2021</a:t>
+              <a:t>05/08/2021</a:t>
             </a:fld>
             <a:endParaRPr lang="it-IT"/>
           </a:p>
@@ -24206,7 +24206,29 @@
                 </a:solidFill>
                 <a:latin typeface="Bookman Old Style" panose="02050604050505020204" pitchFamily="18" charset="0"/>
               </a:rPr>
-              <a:t>step( 340 )</a:t>
+              <a:t>step( </a:t>
+            </a:r>
+            <a:r>
+              <a:rPr lang="it-IT" sz="1200" dirty="0" smtClean="0">
+                <a:solidFill>
+                  <a:schemeClr val="accent4">
+                    <a:lumMod val="50000"/>
+                  </a:schemeClr>
+                </a:solidFill>
+                <a:latin typeface="Bookman Old Style" panose="02050604050505020204" pitchFamily="18" charset="0"/>
+              </a:rPr>
+              <a:t>335 </a:t>
+            </a:r>
+            <a:r>
+              <a:rPr lang="it-IT" sz="1200" dirty="0">
+                <a:solidFill>
+                  <a:schemeClr val="accent4">
+                    <a:lumMod val="50000"/>
+                  </a:schemeClr>
+                </a:solidFill>
+                <a:latin typeface="Bookman Old Style" panose="02050604050505020204" pitchFamily="18" charset="0"/>
+              </a:rPr>
+              <a:t>)</a:t>
             </a:r>
           </a:p>
         </p:txBody>
@@ -26983,7 +27005,7 @@
                 <a14:useLocalDpi xmlns:a14="http://schemas.microsoft.com/office/drawing/2010/main" val="0"/>
               </a:ext>
               <a:ext uri="{96DAC541-7B7A-43D3-8B79-37D633B846F1}">
-                <asvg:svgBlip xmlns:asvg="http://schemas.microsoft.com/office/drawing/2016/SVG/main" xmlns="" r:embed="rId3"/>
+                <asvg:svgBlip xmlns="" xmlns:asvg="http://schemas.microsoft.com/office/drawing/2016/SVG/main" r:embed="rId3"/>
               </a:ext>
             </a:extLst>
           </a:blip>
